--- a/Service Performance Presentation.pptx
+++ b/Service Performance Presentation.pptx
@@ -4,6 +4,9 @@
   <p:sldMasterIdLst>
     <p:sldMasterId id="2147483660" r:id="rId1"/>
   </p:sldMasterIdLst>
+  <p:notesMasterIdLst>
+    <p:notesMasterId r:id="rId32"/>
+  </p:notesMasterIdLst>
   <p:sldIdLst>
     <p:sldId id="256" r:id="rId2"/>
     <p:sldId id="257" r:id="rId3"/>
@@ -13,6 +16,28 @@
     <p:sldId id="261" r:id="rId7"/>
     <p:sldId id="262" r:id="rId8"/>
     <p:sldId id="263" r:id="rId9"/>
+    <p:sldId id="265" r:id="rId10"/>
+    <p:sldId id="264" r:id="rId11"/>
+    <p:sldId id="266" r:id="rId12"/>
+    <p:sldId id="281" r:id="rId13"/>
+    <p:sldId id="282" r:id="rId14"/>
+    <p:sldId id="267" r:id="rId15"/>
+    <p:sldId id="268" r:id="rId16"/>
+    <p:sldId id="269" r:id="rId17"/>
+    <p:sldId id="270" r:id="rId18"/>
+    <p:sldId id="271" r:id="rId19"/>
+    <p:sldId id="272" r:id="rId20"/>
+    <p:sldId id="273" r:id="rId21"/>
+    <p:sldId id="274" r:id="rId22"/>
+    <p:sldId id="275" r:id="rId23"/>
+    <p:sldId id="276" r:id="rId24"/>
+    <p:sldId id="277" r:id="rId25"/>
+    <p:sldId id="278" r:id="rId26"/>
+    <p:sldId id="279" r:id="rId27"/>
+    <p:sldId id="280" r:id="rId28"/>
+    <p:sldId id="284" r:id="rId29"/>
+    <p:sldId id="283" r:id="rId30"/>
+    <p:sldId id="285" r:id="rId31"/>
   </p:sldIdLst>
   <p:sldSz cx="12192000" cy="6858000"/>
   <p:notesSz cx="6858000" cy="9144000"/>
@@ -111,7 +136,24 @@
       </a:defRPr>
     </a:lvl9pPr>
   </p:defaultTextStyle>
+  <p:extLst>
+    <p:ext uri="{EFAFB233-063F-42B5-8137-9DF3F51BA10A}">
+      <p15:sldGuideLst xmlns:p15="http://schemas.microsoft.com/office/powerpoint/2012/main"/>
+    </p:ext>
+  </p:extLst>
 </p:presentation>
+</file>
+
+<file path=ppt/commentAuthors.xml><?xml version="1.0" encoding="utf-8"?>
+<p:cmAuthorLst xmlns:a="http://schemas.openxmlformats.org/drawingml/2006/main" xmlns:r="http://schemas.openxmlformats.org/officeDocument/2006/relationships" xmlns:p="http://schemas.openxmlformats.org/presentationml/2006/main">
+  <p:cmAuthor id="1" name="DEBJYOTI SAHA" initials="DS" lastIdx="1" clrIdx="0">
+    <p:extLst>
+      <p:ext uri="{19B8F6BF-5375-455C-9EA6-DF929625EA0E}">
+        <p15:presenceInfo xmlns:p15="http://schemas.microsoft.com/office/powerpoint/2012/main" userId="1d74fd294041dab2" providerId="Windows Live"/>
+      </p:ext>
+    </p:extLst>
+  </p:cmAuthor>
+</p:cmAuthorLst>
 </file>
 
 <file path=ppt/charts/chart1.xml><?xml version="1.0" encoding="utf-8"?>
@@ -1114,6 +1156,1128 @@
 </cs:chartStyle>
 </file>
 
+<file path=ppt/comments/comment1.xml><?xml version="1.0" encoding="utf-8"?>
+<p:cmLst xmlns:a="http://schemas.openxmlformats.org/drawingml/2006/main" xmlns:r="http://schemas.openxmlformats.org/officeDocument/2006/relationships" xmlns:p="http://schemas.openxmlformats.org/presentationml/2006/main">
+  <p:cm authorId="1" dt="2025-06-05T15:46:14.715" idx="1">
+    <p:pos x="10" y="10"/>
+    <p:text/>
+    <p:extLst>
+      <p:ext uri="{C676402C-5697-4E1C-873F-D02D1690AC5C}">
+        <p15:threadingInfo xmlns:p15="http://schemas.microsoft.com/office/powerpoint/2012/main" timeZoneBias="-60"/>
+      </p:ext>
+    </p:extLst>
+  </p:cm>
+</p:cmLst>
+</file>
+
+<file path=ppt/notesMasters/notesMaster1.xml><?xml version="1.0" encoding="utf-8"?>
+<p:notesMaster xmlns:a="http://schemas.openxmlformats.org/drawingml/2006/main" xmlns:r="http://schemas.openxmlformats.org/officeDocument/2006/relationships" xmlns:p="http://schemas.openxmlformats.org/presentationml/2006/main">
+  <p:cSld>
+    <p:bg>
+      <p:bgRef idx="1001">
+        <a:schemeClr val="bg1"/>
+      </p:bgRef>
+    </p:bg>
+    <p:spTree>
+      <p:nvGrpSpPr>
+        <p:cNvPr id="1" name=""/>
+        <p:cNvGrpSpPr/>
+        <p:nvPr/>
+      </p:nvGrpSpPr>
+      <p:grpSpPr>
+        <a:xfrm>
+          <a:off x="0" y="0"/>
+          <a:ext cx="0" cy="0"/>
+          <a:chOff x="0" y="0"/>
+          <a:chExt cx="0" cy="0"/>
+        </a:xfrm>
+      </p:grpSpPr>
+      <p:sp>
+        <p:nvSpPr>
+          <p:cNvPr id="2" name="Header Placeholder 1"/>
+          <p:cNvSpPr>
+            <a:spLocks noGrp="1"/>
+          </p:cNvSpPr>
+          <p:nvPr>
+            <p:ph type="hdr" sz="quarter"/>
+          </p:nvPr>
+        </p:nvSpPr>
+        <p:spPr>
+          <a:xfrm>
+            <a:off x="0" y="0"/>
+            <a:ext cx="2971800" cy="458788"/>
+          </a:xfrm>
+          <a:prstGeom prst="rect">
+            <a:avLst/>
+          </a:prstGeom>
+        </p:spPr>
+        <p:txBody>
+          <a:bodyPr vert="horz" lIns="91440" tIns="45720" rIns="91440" bIns="45720" rtlCol="0"/>
+          <a:lstStyle>
+            <a:lvl1pPr algn="l">
+              <a:defRPr sz="1200"/>
+            </a:lvl1pPr>
+          </a:lstStyle>
+          <a:p>
+            <a:endParaRPr lang="en-IN"/>
+          </a:p>
+        </p:txBody>
+      </p:sp>
+      <p:sp>
+        <p:nvSpPr>
+          <p:cNvPr id="3" name="Date Placeholder 2"/>
+          <p:cNvSpPr>
+            <a:spLocks noGrp="1"/>
+          </p:cNvSpPr>
+          <p:nvPr>
+            <p:ph type="dt" idx="1"/>
+          </p:nvPr>
+        </p:nvSpPr>
+        <p:spPr>
+          <a:xfrm>
+            <a:off x="3884613" y="0"/>
+            <a:ext cx="2971800" cy="458788"/>
+          </a:xfrm>
+          <a:prstGeom prst="rect">
+            <a:avLst/>
+          </a:prstGeom>
+        </p:spPr>
+        <p:txBody>
+          <a:bodyPr vert="horz" lIns="91440" tIns="45720" rIns="91440" bIns="45720" rtlCol="0"/>
+          <a:lstStyle>
+            <a:lvl1pPr algn="r">
+              <a:defRPr sz="1200"/>
+            </a:lvl1pPr>
+          </a:lstStyle>
+          <a:p>
+            <a:fld id="{BB7F5A07-1899-40EC-A5BA-932A59FC2640}" type="datetimeFigureOut">
+              <a:rPr lang="en-IN" smtClean="0"/>
+              <a:t>12-06-2025</a:t>
+            </a:fld>
+            <a:endParaRPr lang="en-IN"/>
+          </a:p>
+        </p:txBody>
+      </p:sp>
+      <p:sp>
+        <p:nvSpPr>
+          <p:cNvPr id="4" name="Slide Image Placeholder 3"/>
+          <p:cNvSpPr>
+            <a:spLocks noGrp="1" noRot="1" noChangeAspect="1"/>
+          </p:cNvSpPr>
+          <p:nvPr>
+            <p:ph type="sldImg" idx="2"/>
+          </p:nvPr>
+        </p:nvSpPr>
+        <p:spPr>
+          <a:xfrm>
+            <a:off x="685800" y="1143000"/>
+            <a:ext cx="5486400" cy="3086100"/>
+          </a:xfrm>
+          <a:prstGeom prst="rect">
+            <a:avLst/>
+          </a:prstGeom>
+          <a:noFill/>
+          <a:ln w="12700">
+            <a:solidFill>
+              <a:prstClr val="black"/>
+            </a:solidFill>
+          </a:ln>
+        </p:spPr>
+        <p:txBody>
+          <a:bodyPr vert="horz" lIns="91440" tIns="45720" rIns="91440" bIns="45720" rtlCol="0" anchor="ctr"/>
+          <a:lstStyle/>
+          <a:p>
+            <a:endParaRPr lang="en-IN"/>
+          </a:p>
+        </p:txBody>
+      </p:sp>
+      <p:sp>
+        <p:nvSpPr>
+          <p:cNvPr id="5" name="Notes Placeholder 4"/>
+          <p:cNvSpPr>
+            <a:spLocks noGrp="1"/>
+          </p:cNvSpPr>
+          <p:nvPr>
+            <p:ph type="body" sz="quarter" idx="3"/>
+          </p:nvPr>
+        </p:nvSpPr>
+        <p:spPr>
+          <a:xfrm>
+            <a:off x="685800" y="4400550"/>
+            <a:ext cx="5486400" cy="3600450"/>
+          </a:xfrm>
+          <a:prstGeom prst="rect">
+            <a:avLst/>
+          </a:prstGeom>
+        </p:spPr>
+        <p:txBody>
+          <a:bodyPr vert="horz" lIns="91440" tIns="45720" rIns="91440" bIns="45720" rtlCol="0"/>
+          <a:lstStyle/>
+          <a:p>
+            <a:pPr lvl="0"/>
+            <a:r>
+              <a:rPr lang="en-US"/>
+              <a:t>Click to edit Master text styles</a:t>
+            </a:r>
+          </a:p>
+          <a:p>
+            <a:pPr lvl="1"/>
+            <a:r>
+              <a:rPr lang="en-US"/>
+              <a:t>Second level</a:t>
+            </a:r>
+          </a:p>
+          <a:p>
+            <a:pPr lvl="2"/>
+            <a:r>
+              <a:rPr lang="en-US"/>
+              <a:t>Third level</a:t>
+            </a:r>
+          </a:p>
+          <a:p>
+            <a:pPr lvl="3"/>
+            <a:r>
+              <a:rPr lang="en-US"/>
+              <a:t>Fourth level</a:t>
+            </a:r>
+          </a:p>
+          <a:p>
+            <a:pPr lvl="4"/>
+            <a:r>
+              <a:rPr lang="en-US"/>
+              <a:t>Fifth level</a:t>
+            </a:r>
+            <a:endParaRPr lang="en-IN"/>
+          </a:p>
+        </p:txBody>
+      </p:sp>
+      <p:sp>
+        <p:nvSpPr>
+          <p:cNvPr id="6" name="Footer Placeholder 5"/>
+          <p:cNvSpPr>
+            <a:spLocks noGrp="1"/>
+          </p:cNvSpPr>
+          <p:nvPr>
+            <p:ph type="ftr" sz="quarter" idx="4"/>
+          </p:nvPr>
+        </p:nvSpPr>
+        <p:spPr>
+          <a:xfrm>
+            <a:off x="0" y="8685213"/>
+            <a:ext cx="2971800" cy="458787"/>
+          </a:xfrm>
+          <a:prstGeom prst="rect">
+            <a:avLst/>
+          </a:prstGeom>
+        </p:spPr>
+        <p:txBody>
+          <a:bodyPr vert="horz" lIns="91440" tIns="45720" rIns="91440" bIns="45720" rtlCol="0" anchor="b"/>
+          <a:lstStyle>
+            <a:lvl1pPr algn="l">
+              <a:defRPr sz="1200"/>
+            </a:lvl1pPr>
+          </a:lstStyle>
+          <a:p>
+            <a:endParaRPr lang="en-IN"/>
+          </a:p>
+        </p:txBody>
+      </p:sp>
+      <p:sp>
+        <p:nvSpPr>
+          <p:cNvPr id="7" name="Slide Number Placeholder 6"/>
+          <p:cNvSpPr>
+            <a:spLocks noGrp="1"/>
+          </p:cNvSpPr>
+          <p:nvPr>
+            <p:ph type="sldNum" sz="quarter" idx="5"/>
+          </p:nvPr>
+        </p:nvSpPr>
+        <p:spPr>
+          <a:xfrm>
+            <a:off x="3884613" y="8685213"/>
+            <a:ext cx="2971800" cy="458787"/>
+          </a:xfrm>
+          <a:prstGeom prst="rect">
+            <a:avLst/>
+          </a:prstGeom>
+        </p:spPr>
+        <p:txBody>
+          <a:bodyPr vert="horz" lIns="91440" tIns="45720" rIns="91440" bIns="45720" rtlCol="0" anchor="b"/>
+          <a:lstStyle>
+            <a:lvl1pPr algn="r">
+              <a:defRPr sz="1200"/>
+            </a:lvl1pPr>
+          </a:lstStyle>
+          <a:p>
+            <a:fld id="{AD5DE50F-E7F0-4162-8776-522277EEC925}" type="slidenum">
+              <a:rPr lang="en-IN" smtClean="0"/>
+              <a:t>‹#›</a:t>
+            </a:fld>
+            <a:endParaRPr lang="en-IN"/>
+          </a:p>
+        </p:txBody>
+      </p:sp>
+    </p:spTree>
+    <p:extLst>
+      <p:ext uri="{BB962C8B-B14F-4D97-AF65-F5344CB8AC3E}">
+        <p14:creationId xmlns:p14="http://schemas.microsoft.com/office/powerpoint/2010/main" val="3873208680"/>
+      </p:ext>
+    </p:extLst>
+  </p:cSld>
+  <p:clrMap bg1="lt1" tx1="dk1" bg2="lt2" tx2="dk2" accent1="accent1" accent2="accent2" accent3="accent3" accent4="accent4" accent5="accent5" accent6="accent6" hlink="hlink" folHlink="folHlink"/>
+  <p:notesStyle>
+    <a:lvl1pPr marL="0" algn="l" defTabSz="914400" rtl="0" eaLnBrk="1" latinLnBrk="0" hangingPunct="1">
+      <a:defRPr sz="1200" kern="1200">
+        <a:solidFill>
+          <a:schemeClr val="tx1"/>
+        </a:solidFill>
+        <a:latin typeface="+mn-lt"/>
+        <a:ea typeface="+mn-ea"/>
+        <a:cs typeface="+mn-cs"/>
+      </a:defRPr>
+    </a:lvl1pPr>
+    <a:lvl2pPr marL="457200" algn="l" defTabSz="914400" rtl="0" eaLnBrk="1" latinLnBrk="0" hangingPunct="1">
+      <a:defRPr sz="1200" kern="1200">
+        <a:solidFill>
+          <a:schemeClr val="tx1"/>
+        </a:solidFill>
+        <a:latin typeface="+mn-lt"/>
+        <a:ea typeface="+mn-ea"/>
+        <a:cs typeface="+mn-cs"/>
+      </a:defRPr>
+    </a:lvl2pPr>
+    <a:lvl3pPr marL="914400" algn="l" defTabSz="914400" rtl="0" eaLnBrk="1" latinLnBrk="0" hangingPunct="1">
+      <a:defRPr sz="1200" kern="1200">
+        <a:solidFill>
+          <a:schemeClr val="tx1"/>
+        </a:solidFill>
+        <a:latin typeface="+mn-lt"/>
+        <a:ea typeface="+mn-ea"/>
+        <a:cs typeface="+mn-cs"/>
+      </a:defRPr>
+    </a:lvl3pPr>
+    <a:lvl4pPr marL="1371600" algn="l" defTabSz="914400" rtl="0" eaLnBrk="1" latinLnBrk="0" hangingPunct="1">
+      <a:defRPr sz="1200" kern="1200">
+        <a:solidFill>
+          <a:schemeClr val="tx1"/>
+        </a:solidFill>
+        <a:latin typeface="+mn-lt"/>
+        <a:ea typeface="+mn-ea"/>
+        <a:cs typeface="+mn-cs"/>
+      </a:defRPr>
+    </a:lvl4pPr>
+    <a:lvl5pPr marL="1828800" algn="l" defTabSz="914400" rtl="0" eaLnBrk="1" latinLnBrk="0" hangingPunct="1">
+      <a:defRPr sz="1200" kern="1200">
+        <a:solidFill>
+          <a:schemeClr val="tx1"/>
+        </a:solidFill>
+        <a:latin typeface="+mn-lt"/>
+        <a:ea typeface="+mn-ea"/>
+        <a:cs typeface="+mn-cs"/>
+      </a:defRPr>
+    </a:lvl5pPr>
+    <a:lvl6pPr marL="2286000" algn="l" defTabSz="914400" rtl="0" eaLnBrk="1" latinLnBrk="0" hangingPunct="1">
+      <a:defRPr sz="1200" kern="1200">
+        <a:solidFill>
+          <a:schemeClr val="tx1"/>
+        </a:solidFill>
+        <a:latin typeface="+mn-lt"/>
+        <a:ea typeface="+mn-ea"/>
+        <a:cs typeface="+mn-cs"/>
+      </a:defRPr>
+    </a:lvl6pPr>
+    <a:lvl7pPr marL="2743200" algn="l" defTabSz="914400" rtl="0" eaLnBrk="1" latinLnBrk="0" hangingPunct="1">
+      <a:defRPr sz="1200" kern="1200">
+        <a:solidFill>
+          <a:schemeClr val="tx1"/>
+        </a:solidFill>
+        <a:latin typeface="+mn-lt"/>
+        <a:ea typeface="+mn-ea"/>
+        <a:cs typeface="+mn-cs"/>
+      </a:defRPr>
+    </a:lvl7pPr>
+    <a:lvl8pPr marL="3200400" algn="l" defTabSz="914400" rtl="0" eaLnBrk="1" latinLnBrk="0" hangingPunct="1">
+      <a:defRPr sz="1200" kern="1200">
+        <a:solidFill>
+          <a:schemeClr val="tx1"/>
+        </a:solidFill>
+        <a:latin typeface="+mn-lt"/>
+        <a:ea typeface="+mn-ea"/>
+        <a:cs typeface="+mn-cs"/>
+      </a:defRPr>
+    </a:lvl8pPr>
+    <a:lvl9pPr marL="3657600" algn="l" defTabSz="914400" rtl="0" eaLnBrk="1" latinLnBrk="0" hangingPunct="1">
+      <a:defRPr sz="1200" kern="1200">
+        <a:solidFill>
+          <a:schemeClr val="tx1"/>
+        </a:solidFill>
+        <a:latin typeface="+mn-lt"/>
+        <a:ea typeface="+mn-ea"/>
+        <a:cs typeface="+mn-cs"/>
+      </a:defRPr>
+    </a:lvl9pPr>
+  </p:notesStyle>
+</p:notesMaster>
+</file>
+
+<file path=ppt/notesSlides/notesSlide1.xml><?xml version="1.0" encoding="utf-8"?>
+<p:notes xmlns:a="http://schemas.openxmlformats.org/drawingml/2006/main" xmlns:r="http://schemas.openxmlformats.org/officeDocument/2006/relationships" xmlns:p="http://schemas.openxmlformats.org/presentationml/2006/main">
+  <p:cSld>
+    <p:spTree>
+      <p:nvGrpSpPr>
+        <p:cNvPr id="1" name=""/>
+        <p:cNvGrpSpPr/>
+        <p:nvPr/>
+      </p:nvGrpSpPr>
+      <p:grpSpPr>
+        <a:xfrm>
+          <a:off x="0" y="0"/>
+          <a:ext cx="0" cy="0"/>
+          <a:chOff x="0" y="0"/>
+          <a:chExt cx="0" cy="0"/>
+        </a:xfrm>
+      </p:grpSpPr>
+      <p:sp>
+        <p:nvSpPr>
+          <p:cNvPr id="2" name="Slide Image Placeholder 1"/>
+          <p:cNvSpPr>
+            <a:spLocks noGrp="1" noRot="1" noChangeAspect="1"/>
+          </p:cNvSpPr>
+          <p:nvPr>
+            <p:ph type="sldImg"/>
+          </p:nvPr>
+        </p:nvSpPr>
+        <p:spPr/>
+      </p:sp>
+      <p:sp>
+        <p:nvSpPr>
+          <p:cNvPr id="3" name="Notes Placeholder 2"/>
+          <p:cNvSpPr>
+            <a:spLocks noGrp="1"/>
+          </p:cNvSpPr>
+          <p:nvPr>
+            <p:ph type="body" idx="1"/>
+          </p:nvPr>
+        </p:nvSpPr>
+        <p:spPr/>
+        <p:txBody>
+          <a:bodyPr/>
+          <a:lstStyle/>
+          <a:p>
+            <a:r>
+              <a:rPr lang="en-US" b="0" dirty="0"/>
+              <a:t>Hello everyone</a:t>
+            </a:r>
+            <a:r>
+              <a:rPr lang="en-US" b="1" dirty="0"/>
+              <a:t>, </a:t>
+            </a:r>
+            <a:r>
+              <a:rPr lang="en-US" dirty="0"/>
+              <a:t>Before I begin, I want to sincerely thank you all for giving me the opportunity to present my skills in data analysis and visualization. I truly appreciate you taking the time to attend this presentation and review the work I’ve done using the provided dataset. </a:t>
+            </a:r>
+          </a:p>
+          <a:p>
+            <a:endParaRPr lang="en-US" dirty="0"/>
+          </a:p>
+          <a:p>
+            <a:r>
+              <a:rPr lang="en-US" dirty="0"/>
+              <a:t>Today’s presentation is about the Service Performance Report where we will understand the business needs, lags and eventually come up to a solution of recommendations.</a:t>
+            </a:r>
+          </a:p>
+          <a:p>
+            <a:endParaRPr lang="en-US" dirty="0"/>
+          </a:p>
+          <a:p>
+            <a:r>
+              <a:rPr lang="en-US" dirty="0"/>
+              <a:t>I will start with a short presentation; this will give a glimpse of what the actual report holds and also will come up with some problems which we will try to find a solution in the Power BI report.</a:t>
+            </a:r>
+          </a:p>
+          <a:p>
+            <a:endParaRPr lang="en-US" dirty="0"/>
+          </a:p>
+          <a:p>
+            <a:r>
+              <a:rPr lang="en-IN" dirty="0"/>
+              <a:t>After the short presentation I will play around with the Power BI report and also will go through the values the pages provide to the business. After that there is something which I want to share and can be a potential reason to enhance the engagement of the report build and my external analysis skills if the time permits.</a:t>
+            </a:r>
+          </a:p>
+          <a:p>
+            <a:endParaRPr lang="en-IN" dirty="0"/>
+          </a:p>
+          <a:p>
+            <a:r>
+              <a:rPr lang="en-IN" dirty="0"/>
+              <a:t>I am happy to take question in the middle of the report demonstration, so please feel free to interrupt if you have any.</a:t>
+            </a:r>
+          </a:p>
+          <a:p>
+            <a:endParaRPr lang="en-IN" dirty="0"/>
+          </a:p>
+          <a:p>
+            <a:r>
+              <a:rPr lang="en-IN" dirty="0"/>
+              <a:t>So let’s start.</a:t>
+            </a:r>
+          </a:p>
+        </p:txBody>
+      </p:sp>
+      <p:sp>
+        <p:nvSpPr>
+          <p:cNvPr id="4" name="Slide Number Placeholder 3"/>
+          <p:cNvSpPr>
+            <a:spLocks noGrp="1"/>
+          </p:cNvSpPr>
+          <p:nvPr>
+            <p:ph type="sldNum" sz="quarter" idx="5"/>
+          </p:nvPr>
+        </p:nvSpPr>
+        <p:spPr/>
+        <p:txBody>
+          <a:bodyPr/>
+          <a:lstStyle/>
+          <a:p>
+            <a:fld id="{AD5DE50F-E7F0-4162-8776-522277EEC925}" type="slidenum">
+              <a:rPr lang="en-IN" smtClean="0"/>
+              <a:t>1</a:t>
+            </a:fld>
+            <a:endParaRPr lang="en-IN"/>
+          </a:p>
+        </p:txBody>
+      </p:sp>
+    </p:spTree>
+    <p:extLst>
+      <p:ext uri="{BB962C8B-B14F-4D97-AF65-F5344CB8AC3E}">
+        <p14:creationId xmlns:p14="http://schemas.microsoft.com/office/powerpoint/2010/main" val="2637273498"/>
+      </p:ext>
+    </p:extLst>
+  </p:cSld>
+  <p:clrMapOvr>
+    <a:masterClrMapping/>
+  </p:clrMapOvr>
+</p:notes>
+</file>
+
+<file path=ppt/notesSlides/notesSlide2.xml><?xml version="1.0" encoding="utf-8"?>
+<p:notes xmlns:a="http://schemas.openxmlformats.org/drawingml/2006/main" xmlns:r="http://schemas.openxmlformats.org/officeDocument/2006/relationships" xmlns:p="http://schemas.openxmlformats.org/presentationml/2006/main">
+  <p:cSld>
+    <p:spTree>
+      <p:nvGrpSpPr>
+        <p:cNvPr id="1" name=""/>
+        <p:cNvGrpSpPr/>
+        <p:nvPr/>
+      </p:nvGrpSpPr>
+      <p:grpSpPr>
+        <a:xfrm>
+          <a:off x="0" y="0"/>
+          <a:ext cx="0" cy="0"/>
+          <a:chOff x="0" y="0"/>
+          <a:chExt cx="0" cy="0"/>
+        </a:xfrm>
+      </p:grpSpPr>
+      <p:sp>
+        <p:nvSpPr>
+          <p:cNvPr id="2" name="Slide Image Placeholder 1"/>
+          <p:cNvSpPr>
+            <a:spLocks noGrp="1" noRot="1" noChangeAspect="1"/>
+          </p:cNvSpPr>
+          <p:nvPr>
+            <p:ph type="sldImg"/>
+          </p:nvPr>
+        </p:nvSpPr>
+        <p:spPr/>
+      </p:sp>
+      <p:sp>
+        <p:nvSpPr>
+          <p:cNvPr id="3" name="Notes Placeholder 2"/>
+          <p:cNvSpPr>
+            <a:spLocks noGrp="1"/>
+          </p:cNvSpPr>
+          <p:nvPr>
+            <p:ph type="body" idx="1"/>
+          </p:nvPr>
+        </p:nvSpPr>
+        <p:spPr/>
+        <p:txBody>
+          <a:bodyPr/>
+          <a:lstStyle/>
+          <a:p>
+            <a:r>
+              <a:rPr lang="en-IN" dirty="0"/>
+              <a:t>In any business we have 3 important pillars which needs to satisfy if someone wants to scale it. Here when it comes to Service Performance Centre it is the Retention, Efficiency and Growth. To find out the solution to all 3 we will dive into the problem. So, what’s the problem?</a:t>
+            </a:r>
+          </a:p>
+        </p:txBody>
+      </p:sp>
+      <p:sp>
+        <p:nvSpPr>
+          <p:cNvPr id="4" name="Slide Number Placeholder 3"/>
+          <p:cNvSpPr>
+            <a:spLocks noGrp="1"/>
+          </p:cNvSpPr>
+          <p:nvPr>
+            <p:ph type="sldNum" sz="quarter" idx="5"/>
+          </p:nvPr>
+        </p:nvSpPr>
+        <p:spPr/>
+        <p:txBody>
+          <a:bodyPr/>
+          <a:lstStyle/>
+          <a:p>
+            <a:fld id="{AD5DE50F-E7F0-4162-8776-522277EEC925}" type="slidenum">
+              <a:rPr lang="en-IN" smtClean="0"/>
+              <a:t>2</a:t>
+            </a:fld>
+            <a:endParaRPr lang="en-IN"/>
+          </a:p>
+        </p:txBody>
+      </p:sp>
+    </p:spTree>
+    <p:extLst>
+      <p:ext uri="{BB962C8B-B14F-4D97-AF65-F5344CB8AC3E}">
+        <p14:creationId xmlns:p14="http://schemas.microsoft.com/office/powerpoint/2010/main" val="2743893575"/>
+      </p:ext>
+    </p:extLst>
+  </p:cSld>
+  <p:clrMapOvr>
+    <a:masterClrMapping/>
+  </p:clrMapOvr>
+</p:notes>
+</file>
+
+<file path=ppt/notesSlides/notesSlide3.xml><?xml version="1.0" encoding="utf-8"?>
+<p:notes xmlns:a="http://schemas.openxmlformats.org/drawingml/2006/main" xmlns:r="http://schemas.openxmlformats.org/officeDocument/2006/relationships" xmlns:p="http://schemas.openxmlformats.org/presentationml/2006/main">
+  <p:cSld>
+    <p:spTree>
+      <p:nvGrpSpPr>
+        <p:cNvPr id="1" name=""/>
+        <p:cNvGrpSpPr/>
+        <p:nvPr/>
+      </p:nvGrpSpPr>
+      <p:grpSpPr>
+        <a:xfrm>
+          <a:off x="0" y="0"/>
+          <a:ext cx="0" cy="0"/>
+          <a:chOff x="0" y="0"/>
+          <a:chExt cx="0" cy="0"/>
+        </a:xfrm>
+      </p:grpSpPr>
+      <p:sp>
+        <p:nvSpPr>
+          <p:cNvPr id="2" name="Slide Image Placeholder 1"/>
+          <p:cNvSpPr>
+            <a:spLocks noGrp="1" noRot="1" noChangeAspect="1"/>
+          </p:cNvSpPr>
+          <p:nvPr>
+            <p:ph type="sldImg"/>
+          </p:nvPr>
+        </p:nvSpPr>
+        <p:spPr/>
+      </p:sp>
+      <p:sp>
+        <p:nvSpPr>
+          <p:cNvPr id="3" name="Notes Placeholder 2"/>
+          <p:cNvSpPr>
+            <a:spLocks noGrp="1"/>
+          </p:cNvSpPr>
+          <p:nvPr>
+            <p:ph type="body" idx="1"/>
+          </p:nvPr>
+        </p:nvSpPr>
+        <p:spPr/>
+        <p:txBody>
+          <a:bodyPr/>
+          <a:lstStyle/>
+          <a:p>
+            <a:r>
+              <a:rPr lang="en-IN" dirty="0"/>
+              <a:t>The burning problem we get to see is the revenue, stable accounts and some invisible risks. How can we retain the revenue and project it much above than the previous results? Are our stable accounts actually happy? We will try to rectify all these in our report today.</a:t>
+            </a:r>
+          </a:p>
+        </p:txBody>
+      </p:sp>
+      <p:sp>
+        <p:nvSpPr>
+          <p:cNvPr id="4" name="Slide Number Placeholder 3"/>
+          <p:cNvSpPr>
+            <a:spLocks noGrp="1"/>
+          </p:cNvSpPr>
+          <p:nvPr>
+            <p:ph type="sldNum" sz="quarter" idx="5"/>
+          </p:nvPr>
+        </p:nvSpPr>
+        <p:spPr/>
+        <p:txBody>
+          <a:bodyPr/>
+          <a:lstStyle/>
+          <a:p>
+            <a:fld id="{AD5DE50F-E7F0-4162-8776-522277EEC925}" type="slidenum">
+              <a:rPr lang="en-IN" smtClean="0"/>
+              <a:t>3</a:t>
+            </a:fld>
+            <a:endParaRPr lang="en-IN"/>
+          </a:p>
+        </p:txBody>
+      </p:sp>
+    </p:spTree>
+    <p:extLst>
+      <p:ext uri="{BB962C8B-B14F-4D97-AF65-F5344CB8AC3E}">
+        <p14:creationId xmlns:p14="http://schemas.microsoft.com/office/powerpoint/2010/main" val="724612031"/>
+      </p:ext>
+    </p:extLst>
+  </p:cSld>
+  <p:clrMapOvr>
+    <a:masterClrMapping/>
+  </p:clrMapOvr>
+</p:notes>
+</file>
+
+<file path=ppt/notesSlides/notesSlide4.xml><?xml version="1.0" encoding="utf-8"?>
+<p:notes xmlns:a="http://schemas.openxmlformats.org/drawingml/2006/main" xmlns:r="http://schemas.openxmlformats.org/officeDocument/2006/relationships" xmlns:p="http://schemas.openxmlformats.org/presentationml/2006/main">
+  <p:cSld>
+    <p:spTree>
+      <p:nvGrpSpPr>
+        <p:cNvPr id="1" name=""/>
+        <p:cNvGrpSpPr/>
+        <p:nvPr/>
+      </p:nvGrpSpPr>
+      <p:grpSpPr>
+        <a:xfrm>
+          <a:off x="0" y="0"/>
+          <a:ext cx="0" cy="0"/>
+          <a:chOff x="0" y="0"/>
+          <a:chExt cx="0" cy="0"/>
+        </a:xfrm>
+      </p:grpSpPr>
+      <p:sp>
+        <p:nvSpPr>
+          <p:cNvPr id="2" name="Slide Image Placeholder 1"/>
+          <p:cNvSpPr>
+            <a:spLocks noGrp="1" noRot="1" noChangeAspect="1"/>
+          </p:cNvSpPr>
+          <p:nvPr>
+            <p:ph type="sldImg"/>
+          </p:nvPr>
+        </p:nvSpPr>
+        <p:spPr/>
+      </p:sp>
+      <p:sp>
+        <p:nvSpPr>
+          <p:cNvPr id="3" name="Notes Placeholder 2"/>
+          <p:cNvSpPr>
+            <a:spLocks noGrp="1"/>
+          </p:cNvSpPr>
+          <p:nvPr>
+            <p:ph type="body" idx="1"/>
+          </p:nvPr>
+        </p:nvSpPr>
+        <p:spPr/>
+        <p:txBody>
+          <a:bodyPr/>
+          <a:lstStyle/>
+          <a:p>
+            <a:r>
+              <a:rPr lang="en-IN" dirty="0"/>
+              <a:t>But before we dive straight into the solutions, there are other 3 important levers which a business should keep in mind. They are Churn, Tickets, and Silent Growth. I know this is something business oriented so we will answer the ‘Why’ while unlocking the matter.</a:t>
+            </a:r>
+          </a:p>
+        </p:txBody>
+      </p:sp>
+      <p:sp>
+        <p:nvSpPr>
+          <p:cNvPr id="4" name="Slide Number Placeholder 3"/>
+          <p:cNvSpPr>
+            <a:spLocks noGrp="1"/>
+          </p:cNvSpPr>
+          <p:nvPr>
+            <p:ph type="sldNum" sz="quarter" idx="5"/>
+          </p:nvPr>
+        </p:nvSpPr>
+        <p:spPr/>
+        <p:txBody>
+          <a:bodyPr/>
+          <a:lstStyle/>
+          <a:p>
+            <a:fld id="{AD5DE50F-E7F0-4162-8776-522277EEC925}" type="slidenum">
+              <a:rPr lang="en-IN" smtClean="0"/>
+              <a:t>4</a:t>
+            </a:fld>
+            <a:endParaRPr lang="en-IN"/>
+          </a:p>
+        </p:txBody>
+      </p:sp>
+    </p:spTree>
+    <p:extLst>
+      <p:ext uri="{BB962C8B-B14F-4D97-AF65-F5344CB8AC3E}">
+        <p14:creationId xmlns:p14="http://schemas.microsoft.com/office/powerpoint/2010/main" val="3883700064"/>
+      </p:ext>
+    </p:extLst>
+  </p:cSld>
+  <p:clrMapOvr>
+    <a:masterClrMapping/>
+  </p:clrMapOvr>
+</p:notes>
+</file>
+
+<file path=ppt/notesSlides/notesSlide5.xml><?xml version="1.0" encoding="utf-8"?>
+<p:notes xmlns:a="http://schemas.openxmlformats.org/drawingml/2006/main" xmlns:r="http://schemas.openxmlformats.org/officeDocument/2006/relationships" xmlns:p="http://schemas.openxmlformats.org/presentationml/2006/main">
+  <p:cSld>
+    <p:spTree>
+      <p:nvGrpSpPr>
+        <p:cNvPr id="1" name=""/>
+        <p:cNvGrpSpPr/>
+        <p:nvPr/>
+      </p:nvGrpSpPr>
+      <p:grpSpPr>
+        <a:xfrm>
+          <a:off x="0" y="0"/>
+          <a:ext cx="0" cy="0"/>
+          <a:chOff x="0" y="0"/>
+          <a:chExt cx="0" cy="0"/>
+        </a:xfrm>
+      </p:grpSpPr>
+      <p:sp>
+        <p:nvSpPr>
+          <p:cNvPr id="2" name="Slide Image Placeholder 1"/>
+          <p:cNvSpPr>
+            <a:spLocks noGrp="1" noRot="1" noChangeAspect="1"/>
+          </p:cNvSpPr>
+          <p:nvPr>
+            <p:ph type="sldImg"/>
+          </p:nvPr>
+        </p:nvSpPr>
+        <p:spPr/>
+      </p:sp>
+      <p:sp>
+        <p:nvSpPr>
+          <p:cNvPr id="3" name="Notes Placeholder 2"/>
+          <p:cNvSpPr>
+            <a:spLocks noGrp="1"/>
+          </p:cNvSpPr>
+          <p:nvPr>
+            <p:ph type="body" idx="1"/>
+          </p:nvPr>
+        </p:nvSpPr>
+        <p:spPr/>
+        <p:txBody>
+          <a:bodyPr/>
+          <a:lstStyle/>
+          <a:p>
+            <a:r>
+              <a:rPr lang="en-IN" dirty="0"/>
+              <a:t>The Churn – Suppose we have around 30 accounts and 24 out of those are on ticking stage. How do we know which accounts are actually?</a:t>
+            </a:r>
+          </a:p>
+          <a:p>
+            <a:endParaRPr lang="en-IN" dirty="0"/>
+          </a:p>
+          <a:p>
+            <a:r>
+              <a:rPr lang="en-IN" dirty="0"/>
+              <a:t>By looking at the dataset, we might know, but are we sure enough to take actions?</a:t>
+            </a:r>
+          </a:p>
+        </p:txBody>
+      </p:sp>
+      <p:sp>
+        <p:nvSpPr>
+          <p:cNvPr id="4" name="Slide Number Placeholder 3"/>
+          <p:cNvSpPr>
+            <a:spLocks noGrp="1"/>
+          </p:cNvSpPr>
+          <p:nvPr>
+            <p:ph type="sldNum" sz="quarter" idx="5"/>
+          </p:nvPr>
+        </p:nvSpPr>
+        <p:spPr/>
+        <p:txBody>
+          <a:bodyPr/>
+          <a:lstStyle/>
+          <a:p>
+            <a:fld id="{AD5DE50F-E7F0-4162-8776-522277EEC925}" type="slidenum">
+              <a:rPr lang="en-IN" smtClean="0"/>
+              <a:t>5</a:t>
+            </a:fld>
+            <a:endParaRPr lang="en-IN"/>
+          </a:p>
+        </p:txBody>
+      </p:sp>
+    </p:spTree>
+    <p:extLst>
+      <p:ext uri="{BB962C8B-B14F-4D97-AF65-F5344CB8AC3E}">
+        <p14:creationId xmlns:p14="http://schemas.microsoft.com/office/powerpoint/2010/main" val="1883085225"/>
+      </p:ext>
+    </p:extLst>
+  </p:cSld>
+  <p:clrMapOvr>
+    <a:masterClrMapping/>
+  </p:clrMapOvr>
+</p:notes>
+</file>
+
+<file path=ppt/notesSlides/notesSlide6.xml><?xml version="1.0" encoding="utf-8"?>
+<p:notes xmlns:a="http://schemas.openxmlformats.org/drawingml/2006/main" xmlns:r="http://schemas.openxmlformats.org/officeDocument/2006/relationships" xmlns:p="http://schemas.openxmlformats.org/presentationml/2006/main">
+  <p:cSld>
+    <p:spTree>
+      <p:nvGrpSpPr>
+        <p:cNvPr id="1" name=""/>
+        <p:cNvGrpSpPr/>
+        <p:nvPr/>
+      </p:nvGrpSpPr>
+      <p:grpSpPr>
+        <a:xfrm>
+          <a:off x="0" y="0"/>
+          <a:ext cx="0" cy="0"/>
+          <a:chOff x="0" y="0"/>
+          <a:chExt cx="0" cy="0"/>
+        </a:xfrm>
+      </p:grpSpPr>
+      <p:sp>
+        <p:nvSpPr>
+          <p:cNvPr id="2" name="Slide Image Placeholder 1"/>
+          <p:cNvSpPr>
+            <a:spLocks noGrp="1" noRot="1" noChangeAspect="1"/>
+          </p:cNvSpPr>
+          <p:nvPr>
+            <p:ph type="sldImg"/>
+          </p:nvPr>
+        </p:nvSpPr>
+        <p:spPr/>
+      </p:sp>
+      <p:sp>
+        <p:nvSpPr>
+          <p:cNvPr id="3" name="Notes Placeholder 2"/>
+          <p:cNvSpPr>
+            <a:spLocks noGrp="1"/>
+          </p:cNvSpPr>
+          <p:nvPr>
+            <p:ph type="body" idx="1"/>
+          </p:nvPr>
+        </p:nvSpPr>
+        <p:spPr/>
+        <p:txBody>
+          <a:bodyPr/>
+          <a:lstStyle/>
+          <a:p>
+            <a:r>
+              <a:rPr lang="en-IN" dirty="0"/>
+              <a:t>Tickets – The team is getting overloaded by the tickets raised. Are we making the efficiency work well?</a:t>
+            </a:r>
+          </a:p>
+        </p:txBody>
+      </p:sp>
+      <p:sp>
+        <p:nvSpPr>
+          <p:cNvPr id="4" name="Slide Number Placeholder 3"/>
+          <p:cNvSpPr>
+            <a:spLocks noGrp="1"/>
+          </p:cNvSpPr>
+          <p:nvPr>
+            <p:ph type="sldNum" sz="quarter" idx="5"/>
+          </p:nvPr>
+        </p:nvSpPr>
+        <p:spPr/>
+        <p:txBody>
+          <a:bodyPr/>
+          <a:lstStyle/>
+          <a:p>
+            <a:fld id="{AD5DE50F-E7F0-4162-8776-522277EEC925}" type="slidenum">
+              <a:rPr lang="en-IN" smtClean="0"/>
+              <a:t>6</a:t>
+            </a:fld>
+            <a:endParaRPr lang="en-IN"/>
+          </a:p>
+        </p:txBody>
+      </p:sp>
+    </p:spTree>
+    <p:extLst>
+      <p:ext uri="{BB962C8B-B14F-4D97-AF65-F5344CB8AC3E}">
+        <p14:creationId xmlns:p14="http://schemas.microsoft.com/office/powerpoint/2010/main" val="2724693239"/>
+      </p:ext>
+    </p:extLst>
+  </p:cSld>
+  <p:clrMapOvr>
+    <a:masterClrMapping/>
+  </p:clrMapOvr>
+</p:notes>
+</file>
+
+<file path=ppt/notesSlides/notesSlide7.xml><?xml version="1.0" encoding="utf-8"?>
+<p:notes xmlns:a="http://schemas.openxmlformats.org/drawingml/2006/main" xmlns:r="http://schemas.openxmlformats.org/officeDocument/2006/relationships" xmlns:p="http://schemas.openxmlformats.org/presentationml/2006/main">
+  <p:cSld>
+    <p:spTree>
+      <p:nvGrpSpPr>
+        <p:cNvPr id="1" name=""/>
+        <p:cNvGrpSpPr/>
+        <p:nvPr/>
+      </p:nvGrpSpPr>
+      <p:grpSpPr>
+        <a:xfrm>
+          <a:off x="0" y="0"/>
+          <a:ext cx="0" cy="0"/>
+          <a:chOff x="0" y="0"/>
+          <a:chExt cx="0" cy="0"/>
+        </a:xfrm>
+      </p:grpSpPr>
+      <p:sp>
+        <p:nvSpPr>
+          <p:cNvPr id="2" name="Slide Image Placeholder 1"/>
+          <p:cNvSpPr>
+            <a:spLocks noGrp="1" noRot="1" noChangeAspect="1"/>
+          </p:cNvSpPr>
+          <p:nvPr>
+            <p:ph type="sldImg"/>
+          </p:nvPr>
+        </p:nvSpPr>
+        <p:spPr/>
+      </p:sp>
+      <p:sp>
+        <p:nvSpPr>
+          <p:cNvPr id="3" name="Notes Placeholder 2"/>
+          <p:cNvSpPr>
+            <a:spLocks noGrp="1"/>
+          </p:cNvSpPr>
+          <p:nvPr>
+            <p:ph type="body" idx="1"/>
+          </p:nvPr>
+        </p:nvSpPr>
+        <p:spPr/>
+        <p:txBody>
+          <a:bodyPr/>
+          <a:lstStyle/>
+          <a:p>
+            <a:r>
+              <a:rPr lang="en-IN" dirty="0"/>
+              <a:t>Growth – Some clients are actually happy. How can we sign a new deal with them?</a:t>
+            </a:r>
+          </a:p>
+        </p:txBody>
+      </p:sp>
+      <p:sp>
+        <p:nvSpPr>
+          <p:cNvPr id="4" name="Slide Number Placeholder 3"/>
+          <p:cNvSpPr>
+            <a:spLocks noGrp="1"/>
+          </p:cNvSpPr>
+          <p:nvPr>
+            <p:ph type="sldNum" sz="quarter" idx="5"/>
+          </p:nvPr>
+        </p:nvSpPr>
+        <p:spPr/>
+        <p:txBody>
+          <a:bodyPr/>
+          <a:lstStyle/>
+          <a:p>
+            <a:fld id="{AD5DE50F-E7F0-4162-8776-522277EEC925}" type="slidenum">
+              <a:rPr lang="en-IN" smtClean="0"/>
+              <a:t>7</a:t>
+            </a:fld>
+            <a:endParaRPr lang="en-IN"/>
+          </a:p>
+        </p:txBody>
+      </p:sp>
+    </p:spTree>
+    <p:extLst>
+      <p:ext uri="{BB962C8B-B14F-4D97-AF65-F5344CB8AC3E}">
+        <p14:creationId xmlns:p14="http://schemas.microsoft.com/office/powerpoint/2010/main" val="2241324665"/>
+      </p:ext>
+    </p:extLst>
+  </p:cSld>
+  <p:clrMapOvr>
+    <a:masterClrMapping/>
+  </p:clrMapOvr>
+</p:notes>
+</file>
+
+<file path=ppt/notesSlides/notesSlide8.xml><?xml version="1.0" encoding="utf-8"?>
+<p:notes xmlns:a="http://schemas.openxmlformats.org/drawingml/2006/main" xmlns:r="http://schemas.openxmlformats.org/officeDocument/2006/relationships" xmlns:p="http://schemas.openxmlformats.org/presentationml/2006/main">
+  <p:cSld>
+    <p:spTree>
+      <p:nvGrpSpPr>
+        <p:cNvPr id="1" name=""/>
+        <p:cNvGrpSpPr/>
+        <p:nvPr/>
+      </p:nvGrpSpPr>
+      <p:grpSpPr>
+        <a:xfrm>
+          <a:off x="0" y="0"/>
+          <a:ext cx="0" cy="0"/>
+          <a:chOff x="0" y="0"/>
+          <a:chExt cx="0" cy="0"/>
+        </a:xfrm>
+      </p:grpSpPr>
+      <p:sp>
+        <p:nvSpPr>
+          <p:cNvPr id="2" name="Slide Image Placeholder 1"/>
+          <p:cNvSpPr>
+            <a:spLocks noGrp="1" noRot="1" noChangeAspect="1"/>
+          </p:cNvSpPr>
+          <p:nvPr>
+            <p:ph type="sldImg"/>
+          </p:nvPr>
+        </p:nvSpPr>
+        <p:spPr/>
+      </p:sp>
+      <p:sp>
+        <p:nvSpPr>
+          <p:cNvPr id="3" name="Notes Placeholder 2"/>
+          <p:cNvSpPr>
+            <a:spLocks noGrp="1"/>
+          </p:cNvSpPr>
+          <p:nvPr>
+            <p:ph type="body" idx="1"/>
+          </p:nvPr>
+        </p:nvSpPr>
+        <p:spPr/>
+        <p:txBody>
+          <a:bodyPr/>
+          <a:lstStyle/>
+          <a:p>
+            <a:r>
+              <a:rPr lang="en-IN" dirty="0"/>
+              <a:t>The solution to all these has been accumulated in the Power BI report which tries to answers most of the business problem with appropriate actions and recommendations.</a:t>
+            </a:r>
+          </a:p>
+        </p:txBody>
+      </p:sp>
+      <p:sp>
+        <p:nvSpPr>
+          <p:cNvPr id="4" name="Slide Number Placeholder 3"/>
+          <p:cNvSpPr>
+            <a:spLocks noGrp="1"/>
+          </p:cNvSpPr>
+          <p:nvPr>
+            <p:ph type="sldNum" sz="quarter" idx="5"/>
+          </p:nvPr>
+        </p:nvSpPr>
+        <p:spPr/>
+        <p:txBody>
+          <a:bodyPr/>
+          <a:lstStyle/>
+          <a:p>
+            <a:fld id="{AD5DE50F-E7F0-4162-8776-522277EEC925}" type="slidenum">
+              <a:rPr lang="en-IN" smtClean="0"/>
+              <a:t>8</a:t>
+            </a:fld>
+            <a:endParaRPr lang="en-IN"/>
+          </a:p>
+        </p:txBody>
+      </p:sp>
+    </p:spTree>
+    <p:extLst>
+      <p:ext uri="{BB962C8B-B14F-4D97-AF65-F5344CB8AC3E}">
+        <p14:creationId xmlns:p14="http://schemas.microsoft.com/office/powerpoint/2010/main" val="3070805664"/>
+      </p:ext>
+    </p:extLst>
+  </p:cSld>
+  <p:clrMapOvr>
+    <a:masterClrMapping/>
+  </p:clrMapOvr>
+</p:notes>
+</file>
+
 <file path=ppt/slideLayouts/slideLayout1.xml><?xml version="1.0" encoding="utf-8"?>
 <p:sldLayout xmlns:a="http://schemas.openxmlformats.org/drawingml/2006/main" xmlns:r="http://schemas.openxmlformats.org/officeDocument/2006/relationships" xmlns:p="http://schemas.openxmlformats.org/presentationml/2006/main" type="title" preserve="1">
   <p:cSld name="Title Slide">
@@ -1388,7 +2552,7 @@
           <a:p>
             <a:fld id="{1FA69EC8-E70E-4CEE-B044-01D08621B414}" type="datetimeFigureOut">
               <a:rPr lang="en-IN" smtClean="0"/>
-              <a:t>02-06-2025</a:t>
+              <a:t>12-06-2025</a:t>
             </a:fld>
             <a:endParaRPr lang="en-IN"/>
           </a:p>
@@ -1802,7 +2966,7 @@
           <a:p>
             <a:fld id="{1FA69EC8-E70E-4CEE-B044-01D08621B414}" type="datetimeFigureOut">
               <a:rPr lang="en-IN" smtClean="0"/>
-              <a:t>02-06-2025</a:t>
+              <a:t>12-06-2025</a:t>
             </a:fld>
             <a:endParaRPr lang="en-IN"/>
           </a:p>
@@ -2138,7 +3302,7 @@
           <a:p>
             <a:fld id="{1FA69EC8-E70E-4CEE-B044-01D08621B414}" type="datetimeFigureOut">
               <a:rPr lang="en-IN" smtClean="0"/>
-              <a:t>02-06-2025</a:t>
+              <a:t>12-06-2025</a:t>
             </a:fld>
             <a:endParaRPr lang="en-IN"/>
           </a:p>
@@ -2543,7 +3707,7 @@
           <a:p>
             <a:fld id="{1FA69EC8-E70E-4CEE-B044-01D08621B414}" type="datetimeFigureOut">
               <a:rPr lang="en-IN" smtClean="0"/>
-              <a:t>02-06-2025</a:t>
+              <a:t>12-06-2025</a:t>
             </a:fld>
             <a:endParaRPr lang="en-IN"/>
           </a:p>
@@ -3111,7 +4275,7 @@
           <a:p>
             <a:fld id="{1FA69EC8-E70E-4CEE-B044-01D08621B414}" type="datetimeFigureOut">
               <a:rPr lang="en-IN" smtClean="0"/>
-              <a:t>02-06-2025</a:t>
+              <a:t>12-06-2025</a:t>
             </a:fld>
             <a:endParaRPr lang="en-IN"/>
           </a:p>
@@ -3792,7 +4956,7 @@
           <a:p>
             <a:fld id="{1FA69EC8-E70E-4CEE-B044-01D08621B414}" type="datetimeFigureOut">
               <a:rPr lang="en-IN" smtClean="0"/>
-              <a:t>02-06-2025</a:t>
+              <a:t>12-06-2025</a:t>
             </a:fld>
             <a:endParaRPr lang="en-IN"/>
           </a:p>
@@ -4705,7 +5869,7 @@
           <a:p>
             <a:fld id="{1FA69EC8-E70E-4CEE-B044-01D08621B414}" type="datetimeFigureOut">
               <a:rPr lang="en-IN" smtClean="0"/>
-              <a:t>02-06-2025</a:t>
+              <a:t>12-06-2025</a:t>
             </a:fld>
             <a:endParaRPr lang="en-IN"/>
           </a:p>
@@ -5018,7 +6182,7 @@
           <a:p>
             <a:fld id="{1FA69EC8-E70E-4CEE-B044-01D08621B414}" type="datetimeFigureOut">
               <a:rPr lang="en-IN" smtClean="0"/>
-              <a:t>02-06-2025</a:t>
+              <a:t>12-06-2025</a:t>
             </a:fld>
             <a:endParaRPr lang="en-IN"/>
           </a:p>
@@ -5282,7 +6446,7 @@
           <a:p>
             <a:fld id="{1FA69EC8-E70E-4CEE-B044-01D08621B414}" type="datetimeFigureOut">
               <a:rPr lang="en-IN" smtClean="0"/>
-              <a:t>02-06-2025</a:t>
+              <a:t>12-06-2025</a:t>
             </a:fld>
             <a:endParaRPr lang="en-IN"/>
           </a:p>
@@ -5605,7 +6769,7 @@
           <a:p>
             <a:fld id="{1FA69EC8-E70E-4CEE-B044-01D08621B414}" type="datetimeFigureOut">
               <a:rPr lang="en-IN" smtClean="0"/>
-              <a:t>02-06-2025</a:t>
+              <a:t>12-06-2025</a:t>
             </a:fld>
             <a:endParaRPr lang="en-IN"/>
           </a:p>
@@ -5994,7 +7158,7 @@
           <a:p>
             <a:fld id="{1FA69EC8-E70E-4CEE-B044-01D08621B414}" type="datetimeFigureOut">
               <a:rPr lang="en-IN" smtClean="0"/>
-              <a:t>02-06-2025</a:t>
+              <a:t>12-06-2025</a:t>
             </a:fld>
             <a:endParaRPr lang="en-IN"/>
           </a:p>
@@ -6370,7 +7534,7 @@
           <a:p>
             <a:fld id="{1FA69EC8-E70E-4CEE-B044-01D08621B414}" type="datetimeFigureOut">
               <a:rPr lang="en-IN" smtClean="0"/>
-              <a:t>02-06-2025</a:t>
+              <a:t>12-06-2025</a:t>
             </a:fld>
             <a:endParaRPr lang="en-IN"/>
           </a:p>
@@ -6876,7 +8040,7 @@
           <a:p>
             <a:fld id="{1FA69EC8-E70E-4CEE-B044-01D08621B414}" type="datetimeFigureOut">
               <a:rPr lang="en-IN" smtClean="0"/>
-              <a:t>02-06-2025</a:t>
+              <a:t>12-06-2025</a:t>
             </a:fld>
             <a:endParaRPr lang="en-IN"/>
           </a:p>
@@ -7133,7 +8297,7 @@
           <a:p>
             <a:fld id="{1FA69EC8-E70E-4CEE-B044-01D08621B414}" type="datetimeFigureOut">
               <a:rPr lang="en-IN" smtClean="0"/>
-              <a:t>02-06-2025</a:t>
+              <a:t>12-06-2025</a:t>
             </a:fld>
             <a:endParaRPr lang="en-IN"/>
           </a:p>
@@ -7296,7 +8460,7 @@
           <a:p>
             <a:fld id="{1FA69EC8-E70E-4CEE-B044-01D08621B414}" type="datetimeFigureOut">
               <a:rPr lang="en-IN" smtClean="0"/>
-              <a:t>02-06-2025</a:t>
+              <a:t>12-06-2025</a:t>
             </a:fld>
             <a:endParaRPr lang="en-IN"/>
           </a:p>
@@ -7686,7 +8850,7 @@
           <a:p>
             <a:fld id="{1FA69EC8-E70E-4CEE-B044-01D08621B414}" type="datetimeFigureOut">
               <a:rPr lang="en-IN" smtClean="0"/>
-              <a:t>02-06-2025</a:t>
+              <a:t>12-06-2025</a:t>
             </a:fld>
             <a:endParaRPr lang="en-IN"/>
           </a:p>
@@ -8095,7 +9259,7 @@
           <a:p>
             <a:fld id="{1FA69EC8-E70E-4CEE-B044-01D08621B414}" type="datetimeFigureOut">
               <a:rPr lang="en-IN" smtClean="0"/>
-              <a:t>02-06-2025</a:t>
+              <a:t>12-06-2025</a:t>
             </a:fld>
             <a:endParaRPr lang="en-IN"/>
           </a:p>
@@ -8339,7 +9503,7 @@
           <a:p>
             <a:fld id="{1FA69EC8-E70E-4CEE-B044-01D08621B414}" type="datetimeFigureOut">
               <a:rPr lang="en-IN" smtClean="0"/>
-              <a:t>02-06-2025</a:t>
+              <a:t>12-06-2025</a:t>
             </a:fld>
             <a:endParaRPr lang="en-IN"/>
           </a:p>
@@ -8816,6 +9980,1356 @@
 </p:sld>
 </file>
 
+<file path=ppt/slides/slide10.xml><?xml version="1.0" encoding="utf-8"?>
+<p:sld xmlns:a="http://schemas.openxmlformats.org/drawingml/2006/main" xmlns:r="http://schemas.openxmlformats.org/officeDocument/2006/relationships" xmlns:p="http://schemas.openxmlformats.org/presentationml/2006/main" show="0">
+  <p:cSld>
+    <p:spTree>
+      <p:nvGrpSpPr>
+        <p:cNvPr id="1" name=""/>
+        <p:cNvGrpSpPr/>
+        <p:nvPr/>
+      </p:nvGrpSpPr>
+      <p:grpSpPr>
+        <a:xfrm>
+          <a:off x="0" y="0"/>
+          <a:ext cx="0" cy="0"/>
+          <a:chOff x="0" y="0"/>
+          <a:chExt cx="0" cy="0"/>
+        </a:xfrm>
+      </p:grpSpPr>
+      <p:sp>
+        <p:nvSpPr>
+          <p:cNvPr id="2" name="Title 1">
+            <a:extLst>
+              <a:ext uri="{FF2B5EF4-FFF2-40B4-BE49-F238E27FC236}">
+                <a16:creationId xmlns:a16="http://schemas.microsoft.com/office/drawing/2014/main" id="{A895A394-9557-66ED-499F-5C1A2EC2559D}"/>
+              </a:ext>
+            </a:extLst>
+          </p:cNvPr>
+          <p:cNvSpPr>
+            <a:spLocks noGrp="1"/>
+          </p:cNvSpPr>
+          <p:nvPr>
+            <p:ph type="title"/>
+          </p:nvPr>
+        </p:nvSpPr>
+        <p:spPr/>
+        <p:txBody>
+          <a:bodyPr/>
+          <a:lstStyle/>
+          <a:p>
+            <a:r>
+              <a:rPr lang="en-US" dirty="0"/>
+              <a:t>Action Owner</a:t>
+            </a:r>
+            <a:endParaRPr lang="en-IN" dirty="0"/>
+          </a:p>
+        </p:txBody>
+      </p:sp>
+      <p:sp>
+        <p:nvSpPr>
+          <p:cNvPr id="3" name="Content Placeholder 2">
+            <a:extLst>
+              <a:ext uri="{FF2B5EF4-FFF2-40B4-BE49-F238E27FC236}">
+                <a16:creationId xmlns:a16="http://schemas.microsoft.com/office/drawing/2014/main" id="{BC1765BF-2A94-7242-9791-BD09CFEE808E}"/>
+              </a:ext>
+            </a:extLst>
+          </p:cNvPr>
+          <p:cNvSpPr>
+            <a:spLocks noGrp="1"/>
+          </p:cNvSpPr>
+          <p:nvPr>
+            <p:ph idx="1"/>
+          </p:nvPr>
+        </p:nvSpPr>
+        <p:spPr/>
+        <p:txBody>
+          <a:bodyPr>
+            <a:normAutofit/>
+          </a:bodyPr>
+          <a:lstStyle/>
+          <a:p>
+            <a:r>
+              <a:rPr lang="en-US" dirty="0"/>
+              <a:t>SWITCH(</a:t>
+            </a:r>
+          </a:p>
+          <a:p>
+            <a:r>
+              <a:rPr lang="en-US" dirty="0"/>
+              <a:t>    [Risk Category],</a:t>
+            </a:r>
+          </a:p>
+          <a:p>
+            <a:r>
+              <a:rPr lang="en-US" dirty="0"/>
+              <a:t>    "🔴 Critical", "VP of Sales",</a:t>
+            </a:r>
+          </a:p>
+          <a:p>
+            <a:r>
+              <a:rPr lang="en-US" dirty="0"/>
+              <a:t>    "🟠 High Risk", "Account Manager",</a:t>
+            </a:r>
+          </a:p>
+          <a:p>
+            <a:r>
+              <a:rPr lang="en-US" dirty="0"/>
+              <a:t>    "🟡 High Tickets", "Support Lead",</a:t>
+            </a:r>
+          </a:p>
+          <a:p>
+            <a:r>
+              <a:rPr lang="en-US" dirty="0"/>
+              <a:t>    "N/A"</a:t>
+            </a:r>
+          </a:p>
+          <a:p>
+            <a:r>
+              <a:rPr lang="en-US" dirty="0"/>
+              <a:t>)</a:t>
+            </a:r>
+          </a:p>
+          <a:p>
+            <a:endParaRPr lang="en-IN" dirty="0"/>
+          </a:p>
+        </p:txBody>
+      </p:sp>
+    </p:spTree>
+    <p:extLst>
+      <p:ext uri="{BB962C8B-B14F-4D97-AF65-F5344CB8AC3E}">
+        <p14:creationId xmlns:p14="http://schemas.microsoft.com/office/powerpoint/2010/main" val="1583756543"/>
+      </p:ext>
+    </p:extLst>
+  </p:cSld>
+  <p:clrMapOvr>
+    <a:masterClrMapping/>
+  </p:clrMapOvr>
+</p:sld>
+</file>
+
+<file path=ppt/slides/slide11.xml><?xml version="1.0" encoding="utf-8"?>
+<p:sld xmlns:a="http://schemas.openxmlformats.org/drawingml/2006/main" xmlns:r="http://schemas.openxmlformats.org/officeDocument/2006/relationships" xmlns:p="http://schemas.openxmlformats.org/presentationml/2006/main" show="0">
+  <p:cSld>
+    <p:spTree>
+      <p:nvGrpSpPr>
+        <p:cNvPr id="1" name=""/>
+        <p:cNvGrpSpPr/>
+        <p:nvPr/>
+      </p:nvGrpSpPr>
+      <p:grpSpPr>
+        <a:xfrm>
+          <a:off x="0" y="0"/>
+          <a:ext cx="0" cy="0"/>
+          <a:chOff x="0" y="0"/>
+          <a:chExt cx="0" cy="0"/>
+        </a:xfrm>
+      </p:grpSpPr>
+      <p:sp>
+        <p:nvSpPr>
+          <p:cNvPr id="2" name="Title 1">
+            <a:extLst>
+              <a:ext uri="{FF2B5EF4-FFF2-40B4-BE49-F238E27FC236}">
+                <a16:creationId xmlns:a16="http://schemas.microsoft.com/office/drawing/2014/main" id="{27865A29-41D0-818B-9B5F-264772F1DCA9}"/>
+              </a:ext>
+            </a:extLst>
+          </p:cNvPr>
+          <p:cNvSpPr>
+            <a:spLocks noGrp="1"/>
+          </p:cNvSpPr>
+          <p:nvPr>
+            <p:ph type="title"/>
+          </p:nvPr>
+        </p:nvSpPr>
+        <p:spPr/>
+        <p:txBody>
+          <a:bodyPr/>
+          <a:lstStyle/>
+          <a:p>
+            <a:r>
+              <a:rPr lang="en-US" dirty="0"/>
+              <a:t>Active Services</a:t>
+            </a:r>
+            <a:endParaRPr lang="en-IN" dirty="0"/>
+          </a:p>
+        </p:txBody>
+      </p:sp>
+      <p:sp>
+        <p:nvSpPr>
+          <p:cNvPr id="3" name="Content Placeholder 2">
+            <a:extLst>
+              <a:ext uri="{FF2B5EF4-FFF2-40B4-BE49-F238E27FC236}">
+                <a16:creationId xmlns:a16="http://schemas.microsoft.com/office/drawing/2014/main" id="{3211B1E8-35DB-9B12-CAFC-3FDEAFD06647}"/>
+              </a:ext>
+            </a:extLst>
+          </p:cNvPr>
+          <p:cNvSpPr>
+            <a:spLocks noGrp="1"/>
+          </p:cNvSpPr>
+          <p:nvPr>
+            <p:ph idx="1"/>
+          </p:nvPr>
+        </p:nvSpPr>
+        <p:spPr/>
+        <p:txBody>
+          <a:bodyPr/>
+          <a:lstStyle/>
+          <a:p>
+            <a:r>
+              <a:rPr lang="en-US" dirty="0"/>
+              <a:t>[Active Services with End Date] + [Active Services without End Date]</a:t>
+            </a:r>
+          </a:p>
+          <a:p>
+            <a:endParaRPr lang="en-IN" dirty="0"/>
+          </a:p>
+        </p:txBody>
+      </p:sp>
+    </p:spTree>
+    <p:extLst>
+      <p:ext uri="{BB962C8B-B14F-4D97-AF65-F5344CB8AC3E}">
+        <p14:creationId xmlns:p14="http://schemas.microsoft.com/office/powerpoint/2010/main" val="813074725"/>
+      </p:ext>
+    </p:extLst>
+  </p:cSld>
+  <p:clrMapOvr>
+    <a:masterClrMapping/>
+  </p:clrMapOvr>
+</p:sld>
+</file>
+
+<file path=ppt/slides/slide12.xml><?xml version="1.0" encoding="utf-8"?>
+<p:sld xmlns:a="http://schemas.openxmlformats.org/drawingml/2006/main" xmlns:r="http://schemas.openxmlformats.org/officeDocument/2006/relationships" xmlns:p="http://schemas.openxmlformats.org/presentationml/2006/main" show="0">
+  <p:cSld>
+    <p:spTree>
+      <p:nvGrpSpPr>
+        <p:cNvPr id="1" name=""/>
+        <p:cNvGrpSpPr/>
+        <p:nvPr/>
+      </p:nvGrpSpPr>
+      <p:grpSpPr>
+        <a:xfrm>
+          <a:off x="0" y="0"/>
+          <a:ext cx="0" cy="0"/>
+          <a:chOff x="0" y="0"/>
+          <a:chExt cx="0" cy="0"/>
+        </a:xfrm>
+      </p:grpSpPr>
+      <p:sp>
+        <p:nvSpPr>
+          <p:cNvPr id="2" name="Title 1">
+            <a:extLst>
+              <a:ext uri="{FF2B5EF4-FFF2-40B4-BE49-F238E27FC236}">
+                <a16:creationId xmlns:a16="http://schemas.microsoft.com/office/drawing/2014/main" id="{E9CCD334-97EC-575A-C989-940B3BA1BD1B}"/>
+              </a:ext>
+            </a:extLst>
+          </p:cNvPr>
+          <p:cNvSpPr>
+            <a:spLocks noGrp="1"/>
+          </p:cNvSpPr>
+          <p:nvPr>
+            <p:ph type="title"/>
+          </p:nvPr>
+        </p:nvSpPr>
+        <p:spPr/>
+        <p:txBody>
+          <a:bodyPr/>
+          <a:lstStyle/>
+          <a:p>
+            <a:r>
+              <a:rPr lang="en-US" dirty="0"/>
+              <a:t>Active Services with End Date</a:t>
+            </a:r>
+            <a:endParaRPr lang="en-IN" dirty="0"/>
+          </a:p>
+        </p:txBody>
+      </p:sp>
+      <p:sp>
+        <p:nvSpPr>
+          <p:cNvPr id="3" name="Content Placeholder 2">
+            <a:extLst>
+              <a:ext uri="{FF2B5EF4-FFF2-40B4-BE49-F238E27FC236}">
+                <a16:creationId xmlns:a16="http://schemas.microsoft.com/office/drawing/2014/main" id="{25D210C0-7FE1-AA79-D0AD-7996C3A84A67}"/>
+              </a:ext>
+            </a:extLst>
+          </p:cNvPr>
+          <p:cNvSpPr>
+            <a:spLocks noGrp="1"/>
+          </p:cNvSpPr>
+          <p:nvPr>
+            <p:ph idx="1"/>
+          </p:nvPr>
+        </p:nvSpPr>
+        <p:spPr/>
+        <p:txBody>
+          <a:bodyPr/>
+          <a:lstStyle/>
+          <a:p>
+            <a:r>
+              <a:rPr lang="en-US" dirty="0"/>
+              <a:t>COUNTROWS(</a:t>
+            </a:r>
+          </a:p>
+          <a:p>
+            <a:r>
+              <a:rPr lang="en-US" dirty="0"/>
+              <a:t>    FILTER(</a:t>
+            </a:r>
+          </a:p>
+          <a:p>
+            <a:r>
+              <a:rPr lang="en-US" dirty="0"/>
+              <a:t>        '</a:t>
+            </a:r>
+            <a:r>
+              <a:rPr lang="en-US" dirty="0" err="1"/>
+              <a:t>Service_Company_Data</a:t>
+            </a:r>
+            <a:r>
+              <a:rPr lang="en-US" dirty="0"/>
+              <a:t>',</a:t>
+            </a:r>
+          </a:p>
+          <a:p>
+            <a:r>
+              <a:rPr lang="en-US" dirty="0"/>
+              <a:t>        '</a:t>
+            </a:r>
+            <a:r>
+              <a:rPr lang="en-US" dirty="0" err="1"/>
+              <a:t>Service_Company_Data</a:t>
+            </a:r>
+            <a:r>
+              <a:rPr lang="en-US" dirty="0"/>
+              <a:t>'[Status] = "Active" &amp;&amp; NOT ISBLANK('</a:t>
+            </a:r>
+            <a:r>
+              <a:rPr lang="en-US" dirty="0" err="1"/>
+              <a:t>Service_Company_Data</a:t>
+            </a:r>
+            <a:r>
+              <a:rPr lang="en-US" dirty="0"/>
+              <a:t>'[</a:t>
+            </a:r>
+            <a:r>
+              <a:rPr lang="en-US" dirty="0" err="1"/>
+              <a:t>End_Date</a:t>
+            </a:r>
+            <a:r>
+              <a:rPr lang="en-US" dirty="0"/>
+              <a:t>])</a:t>
+            </a:r>
+          </a:p>
+          <a:p>
+            <a:r>
+              <a:rPr lang="en-US" dirty="0"/>
+              <a:t>    )</a:t>
+            </a:r>
+          </a:p>
+          <a:p>
+            <a:r>
+              <a:rPr lang="en-US" dirty="0"/>
+              <a:t>)</a:t>
+            </a:r>
+          </a:p>
+          <a:p>
+            <a:endParaRPr lang="en-IN" dirty="0"/>
+          </a:p>
+        </p:txBody>
+      </p:sp>
+    </p:spTree>
+    <p:extLst>
+      <p:ext uri="{BB962C8B-B14F-4D97-AF65-F5344CB8AC3E}">
+        <p14:creationId xmlns:p14="http://schemas.microsoft.com/office/powerpoint/2010/main" val="2861135157"/>
+      </p:ext>
+    </p:extLst>
+  </p:cSld>
+  <p:clrMapOvr>
+    <a:masterClrMapping/>
+  </p:clrMapOvr>
+</p:sld>
+</file>
+
+<file path=ppt/slides/slide13.xml><?xml version="1.0" encoding="utf-8"?>
+<p:sld xmlns:a="http://schemas.openxmlformats.org/drawingml/2006/main" xmlns:r="http://schemas.openxmlformats.org/officeDocument/2006/relationships" xmlns:p="http://schemas.openxmlformats.org/presentationml/2006/main" show="0">
+  <p:cSld>
+    <p:spTree>
+      <p:nvGrpSpPr>
+        <p:cNvPr id="1" name=""/>
+        <p:cNvGrpSpPr/>
+        <p:nvPr/>
+      </p:nvGrpSpPr>
+      <p:grpSpPr>
+        <a:xfrm>
+          <a:off x="0" y="0"/>
+          <a:ext cx="0" cy="0"/>
+          <a:chOff x="0" y="0"/>
+          <a:chExt cx="0" cy="0"/>
+        </a:xfrm>
+      </p:grpSpPr>
+      <p:sp>
+        <p:nvSpPr>
+          <p:cNvPr id="2" name="Title 1">
+            <a:extLst>
+              <a:ext uri="{FF2B5EF4-FFF2-40B4-BE49-F238E27FC236}">
+                <a16:creationId xmlns:a16="http://schemas.microsoft.com/office/drawing/2014/main" id="{9CBAA5C1-1D57-7BDF-B398-FA92B572D357}"/>
+              </a:ext>
+            </a:extLst>
+          </p:cNvPr>
+          <p:cNvSpPr>
+            <a:spLocks noGrp="1"/>
+          </p:cNvSpPr>
+          <p:nvPr>
+            <p:ph type="title"/>
+          </p:nvPr>
+        </p:nvSpPr>
+        <p:spPr/>
+        <p:txBody>
+          <a:bodyPr/>
+          <a:lstStyle/>
+          <a:p>
+            <a:r>
+              <a:rPr lang="en-US" dirty="0"/>
+              <a:t>Active Services without End Date</a:t>
+            </a:r>
+            <a:endParaRPr lang="en-IN" dirty="0"/>
+          </a:p>
+        </p:txBody>
+      </p:sp>
+      <p:sp>
+        <p:nvSpPr>
+          <p:cNvPr id="3" name="Content Placeholder 2">
+            <a:extLst>
+              <a:ext uri="{FF2B5EF4-FFF2-40B4-BE49-F238E27FC236}">
+                <a16:creationId xmlns:a16="http://schemas.microsoft.com/office/drawing/2014/main" id="{87FE564E-DA47-EE01-3F28-3848355DFBE1}"/>
+              </a:ext>
+            </a:extLst>
+          </p:cNvPr>
+          <p:cNvSpPr>
+            <a:spLocks noGrp="1"/>
+          </p:cNvSpPr>
+          <p:nvPr>
+            <p:ph idx="1"/>
+          </p:nvPr>
+        </p:nvSpPr>
+        <p:spPr/>
+        <p:txBody>
+          <a:bodyPr/>
+          <a:lstStyle/>
+          <a:p>
+            <a:r>
+              <a:rPr lang="en-US" dirty="0"/>
+              <a:t>COUNTROWS(</a:t>
+            </a:r>
+          </a:p>
+          <a:p>
+            <a:r>
+              <a:rPr lang="en-US" dirty="0"/>
+              <a:t>    FILTER(</a:t>
+            </a:r>
+          </a:p>
+          <a:p>
+            <a:r>
+              <a:rPr lang="en-US" dirty="0"/>
+              <a:t>        '</a:t>
+            </a:r>
+            <a:r>
+              <a:rPr lang="en-US" dirty="0" err="1"/>
+              <a:t>Service_Company_Data</a:t>
+            </a:r>
+            <a:r>
+              <a:rPr lang="en-US" dirty="0"/>
+              <a:t>',</a:t>
+            </a:r>
+          </a:p>
+          <a:p>
+            <a:r>
+              <a:rPr lang="en-US" dirty="0"/>
+              <a:t>        '</a:t>
+            </a:r>
+            <a:r>
+              <a:rPr lang="en-US" dirty="0" err="1"/>
+              <a:t>Service_Company_Data</a:t>
+            </a:r>
+            <a:r>
+              <a:rPr lang="en-US" dirty="0"/>
+              <a:t>'[Status] = "Active" &amp;&amp; ISBLANK('</a:t>
+            </a:r>
+            <a:r>
+              <a:rPr lang="en-US" dirty="0" err="1"/>
+              <a:t>Service_Company_Data</a:t>
+            </a:r>
+            <a:r>
+              <a:rPr lang="en-US" dirty="0"/>
+              <a:t>'[</a:t>
+            </a:r>
+            <a:r>
+              <a:rPr lang="en-US" dirty="0" err="1"/>
+              <a:t>End_Date</a:t>
+            </a:r>
+            <a:r>
+              <a:rPr lang="en-US" dirty="0"/>
+              <a:t>])</a:t>
+            </a:r>
+          </a:p>
+          <a:p>
+            <a:r>
+              <a:rPr lang="en-US" dirty="0"/>
+              <a:t>    )</a:t>
+            </a:r>
+          </a:p>
+          <a:p>
+            <a:r>
+              <a:rPr lang="en-US" dirty="0"/>
+              <a:t>)</a:t>
+            </a:r>
+          </a:p>
+          <a:p>
+            <a:endParaRPr lang="en-IN" dirty="0"/>
+          </a:p>
+        </p:txBody>
+      </p:sp>
+    </p:spTree>
+    <p:extLst>
+      <p:ext uri="{BB962C8B-B14F-4D97-AF65-F5344CB8AC3E}">
+        <p14:creationId xmlns:p14="http://schemas.microsoft.com/office/powerpoint/2010/main" val="1648126263"/>
+      </p:ext>
+    </p:extLst>
+  </p:cSld>
+  <p:clrMapOvr>
+    <a:masterClrMapping/>
+  </p:clrMapOvr>
+</p:sld>
+</file>
+
+<file path=ppt/slides/slide14.xml><?xml version="1.0" encoding="utf-8"?>
+<p:sld xmlns:a="http://schemas.openxmlformats.org/drawingml/2006/main" xmlns:r="http://schemas.openxmlformats.org/officeDocument/2006/relationships" xmlns:p="http://schemas.openxmlformats.org/presentationml/2006/main" show="0">
+  <p:cSld>
+    <p:spTree>
+      <p:nvGrpSpPr>
+        <p:cNvPr id="1" name=""/>
+        <p:cNvGrpSpPr/>
+        <p:nvPr/>
+      </p:nvGrpSpPr>
+      <p:grpSpPr>
+        <a:xfrm>
+          <a:off x="0" y="0"/>
+          <a:ext cx="0" cy="0"/>
+          <a:chOff x="0" y="0"/>
+          <a:chExt cx="0" cy="0"/>
+        </a:xfrm>
+      </p:grpSpPr>
+      <p:sp>
+        <p:nvSpPr>
+          <p:cNvPr id="2" name="Title 1">
+            <a:extLst>
+              <a:ext uri="{FF2B5EF4-FFF2-40B4-BE49-F238E27FC236}">
+                <a16:creationId xmlns:a16="http://schemas.microsoft.com/office/drawing/2014/main" id="{949B2B9E-E3DB-427D-5474-AAE83A42F702}"/>
+              </a:ext>
+            </a:extLst>
+          </p:cNvPr>
+          <p:cNvSpPr>
+            <a:spLocks noGrp="1"/>
+          </p:cNvSpPr>
+          <p:nvPr>
+            <p:ph type="title"/>
+          </p:nvPr>
+        </p:nvSpPr>
+        <p:spPr/>
+        <p:txBody>
+          <a:bodyPr/>
+          <a:lstStyle/>
+          <a:p>
+            <a:r>
+              <a:rPr lang="en-US" dirty="0"/>
+              <a:t>Avg Satisfaction</a:t>
+            </a:r>
+            <a:endParaRPr lang="en-IN" dirty="0"/>
+          </a:p>
+        </p:txBody>
+      </p:sp>
+      <p:sp>
+        <p:nvSpPr>
+          <p:cNvPr id="3" name="Content Placeholder 2">
+            <a:extLst>
+              <a:ext uri="{FF2B5EF4-FFF2-40B4-BE49-F238E27FC236}">
+                <a16:creationId xmlns:a16="http://schemas.microsoft.com/office/drawing/2014/main" id="{153C304D-B662-F16F-93DB-50FD435A5FEE}"/>
+              </a:ext>
+            </a:extLst>
+          </p:cNvPr>
+          <p:cNvSpPr>
+            <a:spLocks noGrp="1"/>
+          </p:cNvSpPr>
+          <p:nvPr>
+            <p:ph idx="1"/>
+          </p:nvPr>
+        </p:nvSpPr>
+        <p:spPr/>
+        <p:txBody>
+          <a:bodyPr/>
+          <a:lstStyle/>
+          <a:p>
+            <a:r>
+              <a:rPr lang="en-US" dirty="0"/>
+              <a:t>AVERAGE(</a:t>
+            </a:r>
+            <a:r>
+              <a:rPr lang="en-US" dirty="0" err="1"/>
+              <a:t>Service_Company_Data</a:t>
+            </a:r>
+            <a:r>
+              <a:rPr lang="en-US" dirty="0"/>
+              <a:t>[</a:t>
+            </a:r>
+            <a:r>
+              <a:rPr lang="en-US" dirty="0" err="1"/>
+              <a:t>Customer_Satisfaction</a:t>
+            </a:r>
+            <a:r>
+              <a:rPr lang="en-US" dirty="0"/>
+              <a:t>])</a:t>
+            </a:r>
+          </a:p>
+          <a:p>
+            <a:endParaRPr lang="en-IN" dirty="0"/>
+          </a:p>
+        </p:txBody>
+      </p:sp>
+    </p:spTree>
+    <p:extLst>
+      <p:ext uri="{BB962C8B-B14F-4D97-AF65-F5344CB8AC3E}">
+        <p14:creationId xmlns:p14="http://schemas.microsoft.com/office/powerpoint/2010/main" val="4055106740"/>
+      </p:ext>
+    </p:extLst>
+  </p:cSld>
+  <p:clrMapOvr>
+    <a:masterClrMapping/>
+  </p:clrMapOvr>
+</p:sld>
+</file>
+
+<file path=ppt/slides/slide15.xml><?xml version="1.0" encoding="utf-8"?>
+<p:sld xmlns:a="http://schemas.openxmlformats.org/drawingml/2006/main" xmlns:r="http://schemas.openxmlformats.org/officeDocument/2006/relationships" xmlns:p="http://schemas.openxmlformats.org/presentationml/2006/main" show="0">
+  <p:cSld>
+    <p:spTree>
+      <p:nvGrpSpPr>
+        <p:cNvPr id="1" name=""/>
+        <p:cNvGrpSpPr/>
+        <p:nvPr/>
+      </p:nvGrpSpPr>
+      <p:grpSpPr>
+        <a:xfrm>
+          <a:off x="0" y="0"/>
+          <a:ext cx="0" cy="0"/>
+          <a:chOff x="0" y="0"/>
+          <a:chExt cx="0" cy="0"/>
+        </a:xfrm>
+      </p:grpSpPr>
+      <p:sp>
+        <p:nvSpPr>
+          <p:cNvPr id="2" name="Title 1">
+            <a:extLst>
+              <a:ext uri="{FF2B5EF4-FFF2-40B4-BE49-F238E27FC236}">
+                <a16:creationId xmlns:a16="http://schemas.microsoft.com/office/drawing/2014/main" id="{5AF20536-29D1-13EA-0539-9FFD93C63366}"/>
+              </a:ext>
+            </a:extLst>
+          </p:cNvPr>
+          <p:cNvSpPr>
+            <a:spLocks noGrp="1"/>
+          </p:cNvSpPr>
+          <p:nvPr>
+            <p:ph type="title"/>
+          </p:nvPr>
+        </p:nvSpPr>
+        <p:spPr/>
+        <p:txBody>
+          <a:bodyPr/>
+          <a:lstStyle/>
+          <a:p>
+            <a:r>
+              <a:rPr lang="en-US" dirty="0"/>
+              <a:t>Critical Account Filter</a:t>
+            </a:r>
+            <a:endParaRPr lang="en-IN" dirty="0"/>
+          </a:p>
+        </p:txBody>
+      </p:sp>
+      <p:sp>
+        <p:nvSpPr>
+          <p:cNvPr id="3" name="Content Placeholder 2">
+            <a:extLst>
+              <a:ext uri="{FF2B5EF4-FFF2-40B4-BE49-F238E27FC236}">
+                <a16:creationId xmlns:a16="http://schemas.microsoft.com/office/drawing/2014/main" id="{25EC2D1D-2C1A-64C9-7357-319615D0556B}"/>
+              </a:ext>
+            </a:extLst>
+          </p:cNvPr>
+          <p:cNvSpPr>
+            <a:spLocks noGrp="1"/>
+          </p:cNvSpPr>
+          <p:nvPr>
+            <p:ph idx="1"/>
+          </p:nvPr>
+        </p:nvSpPr>
+        <p:spPr/>
+        <p:txBody>
+          <a:bodyPr/>
+          <a:lstStyle/>
+          <a:p>
+            <a:r>
+              <a:rPr lang="en-US" dirty="0"/>
+              <a:t>IF(</a:t>
+            </a:r>
+          </a:p>
+          <a:p>
+            <a:r>
+              <a:rPr lang="en-US" dirty="0"/>
+              <a:t>    [Risk Category] IN {"🔴 Critical", "🟠 High Risk"}, </a:t>
+            </a:r>
+          </a:p>
+          <a:p>
+            <a:r>
+              <a:rPr lang="en-US" dirty="0"/>
+              <a:t>    "Include", </a:t>
+            </a:r>
+          </a:p>
+          <a:p>
+            <a:r>
+              <a:rPr lang="en-US" dirty="0"/>
+              <a:t>    "Exclude"</a:t>
+            </a:r>
+          </a:p>
+          <a:p>
+            <a:r>
+              <a:rPr lang="en-US" dirty="0"/>
+              <a:t>)</a:t>
+            </a:r>
+          </a:p>
+          <a:p>
+            <a:endParaRPr lang="en-IN" dirty="0"/>
+          </a:p>
+        </p:txBody>
+      </p:sp>
+    </p:spTree>
+    <p:extLst>
+      <p:ext uri="{BB962C8B-B14F-4D97-AF65-F5344CB8AC3E}">
+        <p14:creationId xmlns:p14="http://schemas.microsoft.com/office/powerpoint/2010/main" val="726984478"/>
+      </p:ext>
+    </p:extLst>
+  </p:cSld>
+  <p:clrMapOvr>
+    <a:masterClrMapping/>
+  </p:clrMapOvr>
+</p:sld>
+</file>
+
+<file path=ppt/slides/slide16.xml><?xml version="1.0" encoding="utf-8"?>
+<p:sld xmlns:a="http://schemas.openxmlformats.org/drawingml/2006/main" xmlns:r="http://schemas.openxmlformats.org/officeDocument/2006/relationships" xmlns:p="http://schemas.openxmlformats.org/presentationml/2006/main" show="0">
+  <p:cSld>
+    <p:spTree>
+      <p:nvGrpSpPr>
+        <p:cNvPr id="1" name=""/>
+        <p:cNvGrpSpPr/>
+        <p:nvPr/>
+      </p:nvGrpSpPr>
+      <p:grpSpPr>
+        <a:xfrm>
+          <a:off x="0" y="0"/>
+          <a:ext cx="0" cy="0"/>
+          <a:chOff x="0" y="0"/>
+          <a:chExt cx="0" cy="0"/>
+        </a:xfrm>
+      </p:grpSpPr>
+      <p:sp>
+        <p:nvSpPr>
+          <p:cNvPr id="2" name="Title 1">
+            <a:extLst>
+              <a:ext uri="{FF2B5EF4-FFF2-40B4-BE49-F238E27FC236}">
+                <a16:creationId xmlns:a16="http://schemas.microsoft.com/office/drawing/2014/main" id="{2EC18C6E-FB41-A950-8D27-B5653D31EE30}"/>
+              </a:ext>
+            </a:extLst>
+          </p:cNvPr>
+          <p:cNvSpPr>
+            <a:spLocks noGrp="1"/>
+          </p:cNvSpPr>
+          <p:nvPr>
+            <p:ph type="title"/>
+          </p:nvPr>
+        </p:nvSpPr>
+        <p:spPr/>
+        <p:txBody>
+          <a:bodyPr/>
+          <a:lstStyle/>
+          <a:p>
+            <a:r>
+              <a:rPr lang="en-US" dirty="0"/>
+              <a:t>Critical Accounts</a:t>
+            </a:r>
+            <a:endParaRPr lang="en-IN" dirty="0"/>
+          </a:p>
+        </p:txBody>
+      </p:sp>
+      <p:sp>
+        <p:nvSpPr>
+          <p:cNvPr id="3" name="Content Placeholder 2">
+            <a:extLst>
+              <a:ext uri="{FF2B5EF4-FFF2-40B4-BE49-F238E27FC236}">
+                <a16:creationId xmlns:a16="http://schemas.microsoft.com/office/drawing/2014/main" id="{55BEBD25-E956-787C-1FFD-4EBA4BD92725}"/>
+              </a:ext>
+            </a:extLst>
+          </p:cNvPr>
+          <p:cNvSpPr>
+            <a:spLocks noGrp="1"/>
+          </p:cNvSpPr>
+          <p:nvPr>
+            <p:ph idx="1"/>
+          </p:nvPr>
+        </p:nvSpPr>
+        <p:spPr/>
+        <p:txBody>
+          <a:bodyPr>
+            <a:normAutofit fontScale="85000" lnSpcReduction="20000"/>
+          </a:bodyPr>
+          <a:lstStyle/>
+          <a:p>
+            <a:r>
+              <a:rPr lang="en-US" dirty="0"/>
+              <a:t>COUNTROWS(</a:t>
+            </a:r>
+          </a:p>
+          <a:p>
+            <a:r>
+              <a:rPr lang="en-US" dirty="0"/>
+              <a:t>    FILTER(</a:t>
+            </a:r>
+          </a:p>
+          <a:p>
+            <a:r>
+              <a:rPr lang="en-US" dirty="0"/>
+              <a:t>        SUMMARIZE(</a:t>
+            </a:r>
+          </a:p>
+          <a:p>
+            <a:r>
+              <a:rPr lang="en-US" dirty="0"/>
+              <a:t>            </a:t>
+            </a:r>
+            <a:r>
+              <a:rPr lang="en-US" dirty="0" err="1"/>
+              <a:t>Service_Company_Data</a:t>
+            </a:r>
+            <a:r>
+              <a:rPr lang="en-US" dirty="0"/>
+              <a:t>,</a:t>
+            </a:r>
+          </a:p>
+          <a:p>
+            <a:r>
+              <a:rPr lang="en-US" dirty="0"/>
+              <a:t>            </a:t>
+            </a:r>
+            <a:r>
+              <a:rPr lang="en-US" dirty="0" err="1"/>
+              <a:t>Service_Company_Data</a:t>
+            </a:r>
+            <a:r>
+              <a:rPr lang="en-US" dirty="0"/>
+              <a:t>[</a:t>
+            </a:r>
+            <a:r>
+              <a:rPr lang="en-US" dirty="0" err="1"/>
+              <a:t>Account_Manager</a:t>
+            </a:r>
+            <a:r>
+              <a:rPr lang="en-US" dirty="0"/>
+              <a:t>],</a:t>
+            </a:r>
+          </a:p>
+          <a:p>
+            <a:r>
+              <a:rPr lang="en-US" dirty="0"/>
+              <a:t>            "Risk", [Risk Category] // Use the already calculated Risk Category for each AM</a:t>
+            </a:r>
+          </a:p>
+          <a:p>
+            <a:r>
+              <a:rPr lang="en-US" dirty="0"/>
+              <a:t>        ),</a:t>
+            </a:r>
+          </a:p>
+          <a:p>
+            <a:r>
+              <a:rPr lang="en-US" dirty="0"/>
+              <a:t>        [Risk] = "🔴 Critical"</a:t>
+            </a:r>
+          </a:p>
+          <a:p>
+            <a:r>
+              <a:rPr lang="en-US" dirty="0"/>
+              <a:t>    )</a:t>
+            </a:r>
+          </a:p>
+          <a:p>
+            <a:r>
+              <a:rPr lang="en-US" dirty="0"/>
+              <a:t>) + 0</a:t>
+            </a:r>
+          </a:p>
+          <a:p>
+            <a:endParaRPr lang="en-IN" dirty="0"/>
+          </a:p>
+        </p:txBody>
+      </p:sp>
+    </p:spTree>
+    <p:extLst>
+      <p:ext uri="{BB962C8B-B14F-4D97-AF65-F5344CB8AC3E}">
+        <p14:creationId xmlns:p14="http://schemas.microsoft.com/office/powerpoint/2010/main" val="2424624460"/>
+      </p:ext>
+    </p:extLst>
+  </p:cSld>
+  <p:clrMapOvr>
+    <a:masterClrMapping/>
+  </p:clrMapOvr>
+</p:sld>
+</file>
+
+<file path=ppt/slides/slide17.xml><?xml version="1.0" encoding="utf-8"?>
+<p:sld xmlns:a="http://schemas.openxmlformats.org/drawingml/2006/main" xmlns:r="http://schemas.openxmlformats.org/officeDocument/2006/relationships" xmlns:p="http://schemas.openxmlformats.org/presentationml/2006/main" show="0">
+  <p:cSld>
+    <p:spTree>
+      <p:nvGrpSpPr>
+        <p:cNvPr id="1" name=""/>
+        <p:cNvGrpSpPr/>
+        <p:nvPr/>
+      </p:nvGrpSpPr>
+      <p:grpSpPr>
+        <a:xfrm>
+          <a:off x="0" y="0"/>
+          <a:ext cx="0" cy="0"/>
+          <a:chOff x="0" y="0"/>
+          <a:chExt cx="0" cy="0"/>
+        </a:xfrm>
+      </p:grpSpPr>
+      <p:sp>
+        <p:nvSpPr>
+          <p:cNvPr id="2" name="Title 1">
+            <a:extLst>
+              <a:ext uri="{FF2B5EF4-FFF2-40B4-BE49-F238E27FC236}">
+                <a16:creationId xmlns:a16="http://schemas.microsoft.com/office/drawing/2014/main" id="{A1F6888B-E4D4-DAC7-48BB-4602FBF1D9A4}"/>
+              </a:ext>
+            </a:extLst>
+          </p:cNvPr>
+          <p:cNvSpPr>
+            <a:spLocks noGrp="1"/>
+          </p:cNvSpPr>
+          <p:nvPr>
+            <p:ph type="title"/>
+          </p:nvPr>
+        </p:nvSpPr>
+        <p:spPr/>
+        <p:txBody>
+          <a:bodyPr/>
+          <a:lstStyle/>
+          <a:p>
+            <a:r>
+              <a:rPr lang="en-US" dirty="0"/>
+              <a:t>Critical Accounts Count</a:t>
+            </a:r>
+            <a:endParaRPr lang="en-IN" dirty="0"/>
+          </a:p>
+        </p:txBody>
+      </p:sp>
+      <p:sp>
+        <p:nvSpPr>
+          <p:cNvPr id="3" name="Content Placeholder 2">
+            <a:extLst>
+              <a:ext uri="{FF2B5EF4-FFF2-40B4-BE49-F238E27FC236}">
+                <a16:creationId xmlns:a16="http://schemas.microsoft.com/office/drawing/2014/main" id="{03B79572-EB68-4BC9-0DE6-E5EA59BE7D92}"/>
+              </a:ext>
+            </a:extLst>
+          </p:cNvPr>
+          <p:cNvSpPr>
+            <a:spLocks noGrp="1"/>
+          </p:cNvSpPr>
+          <p:nvPr>
+            <p:ph idx="1"/>
+          </p:nvPr>
+        </p:nvSpPr>
+        <p:spPr/>
+        <p:txBody>
+          <a:bodyPr/>
+          <a:lstStyle/>
+          <a:p>
+            <a:r>
+              <a:rPr lang="en-US" dirty="0"/>
+              <a:t>COUNTROWS(FILTER(</a:t>
+            </a:r>
+            <a:r>
+              <a:rPr lang="en-US" dirty="0" err="1"/>
+              <a:t>Service_Company_Data</a:t>
+            </a:r>
+            <a:r>
+              <a:rPr lang="en-US" dirty="0"/>
+              <a:t>, [Risk Category] = "Critical"))</a:t>
+            </a:r>
+          </a:p>
+          <a:p>
+            <a:endParaRPr lang="en-IN" dirty="0"/>
+          </a:p>
+        </p:txBody>
+      </p:sp>
+    </p:spTree>
+    <p:extLst>
+      <p:ext uri="{BB962C8B-B14F-4D97-AF65-F5344CB8AC3E}">
+        <p14:creationId xmlns:p14="http://schemas.microsoft.com/office/powerpoint/2010/main" val="2408453038"/>
+      </p:ext>
+    </p:extLst>
+  </p:cSld>
+  <p:clrMapOvr>
+    <a:masterClrMapping/>
+  </p:clrMapOvr>
+</p:sld>
+</file>
+
+<file path=ppt/slides/slide18.xml><?xml version="1.0" encoding="utf-8"?>
+<p:sld xmlns:a="http://schemas.openxmlformats.org/drawingml/2006/main" xmlns:r="http://schemas.openxmlformats.org/officeDocument/2006/relationships" xmlns:p="http://schemas.openxmlformats.org/presentationml/2006/main" show="0">
+  <p:cSld>
+    <p:spTree>
+      <p:nvGrpSpPr>
+        <p:cNvPr id="1" name=""/>
+        <p:cNvGrpSpPr/>
+        <p:nvPr/>
+      </p:nvGrpSpPr>
+      <p:grpSpPr>
+        <a:xfrm>
+          <a:off x="0" y="0"/>
+          <a:ext cx="0" cy="0"/>
+          <a:chOff x="0" y="0"/>
+          <a:chExt cx="0" cy="0"/>
+        </a:xfrm>
+      </p:grpSpPr>
+      <p:sp>
+        <p:nvSpPr>
+          <p:cNvPr id="2" name="Title 1">
+            <a:extLst>
+              <a:ext uri="{FF2B5EF4-FFF2-40B4-BE49-F238E27FC236}">
+                <a16:creationId xmlns:a16="http://schemas.microsoft.com/office/drawing/2014/main" id="{4478D0E9-B832-BBB4-45DA-7F8D9BA853B5}"/>
+              </a:ext>
+            </a:extLst>
+          </p:cNvPr>
+          <p:cNvSpPr>
+            <a:spLocks noGrp="1"/>
+          </p:cNvSpPr>
+          <p:nvPr>
+            <p:ph type="title"/>
+          </p:nvPr>
+        </p:nvSpPr>
+        <p:spPr/>
+        <p:txBody>
+          <a:bodyPr/>
+          <a:lstStyle/>
+          <a:p>
+            <a:r>
+              <a:rPr lang="en-US" dirty="0"/>
+              <a:t>High Risk Accounts</a:t>
+            </a:r>
+            <a:endParaRPr lang="en-IN" dirty="0"/>
+          </a:p>
+        </p:txBody>
+      </p:sp>
+      <p:sp>
+        <p:nvSpPr>
+          <p:cNvPr id="3" name="Content Placeholder 2">
+            <a:extLst>
+              <a:ext uri="{FF2B5EF4-FFF2-40B4-BE49-F238E27FC236}">
+                <a16:creationId xmlns:a16="http://schemas.microsoft.com/office/drawing/2014/main" id="{6E5BD999-BB8E-B7BE-CCDE-696A97424A8E}"/>
+              </a:ext>
+            </a:extLst>
+          </p:cNvPr>
+          <p:cNvSpPr>
+            <a:spLocks noGrp="1"/>
+          </p:cNvSpPr>
+          <p:nvPr>
+            <p:ph idx="1"/>
+          </p:nvPr>
+        </p:nvSpPr>
+        <p:spPr/>
+        <p:txBody>
+          <a:bodyPr>
+            <a:normAutofit fontScale="85000" lnSpcReduction="20000"/>
+          </a:bodyPr>
+          <a:lstStyle/>
+          <a:p>
+            <a:r>
+              <a:rPr lang="en-US" dirty="0"/>
+              <a:t>COUNTROWS(</a:t>
+            </a:r>
+          </a:p>
+          <a:p>
+            <a:r>
+              <a:rPr lang="en-US" dirty="0"/>
+              <a:t>    FILTER(</a:t>
+            </a:r>
+          </a:p>
+          <a:p>
+            <a:r>
+              <a:rPr lang="en-US" dirty="0"/>
+              <a:t>        SUMMARIZE(</a:t>
+            </a:r>
+          </a:p>
+          <a:p>
+            <a:r>
+              <a:rPr lang="en-US" dirty="0"/>
+              <a:t>            </a:t>
+            </a:r>
+            <a:r>
+              <a:rPr lang="en-US" dirty="0" err="1"/>
+              <a:t>Service_Company_Data</a:t>
+            </a:r>
+            <a:r>
+              <a:rPr lang="en-US" dirty="0"/>
+              <a:t>,</a:t>
+            </a:r>
+          </a:p>
+          <a:p>
+            <a:r>
+              <a:rPr lang="en-US" dirty="0"/>
+              <a:t>            </a:t>
+            </a:r>
+            <a:r>
+              <a:rPr lang="en-US" dirty="0" err="1"/>
+              <a:t>Service_Company_Data</a:t>
+            </a:r>
+            <a:r>
+              <a:rPr lang="en-US" dirty="0"/>
+              <a:t>[</a:t>
+            </a:r>
+            <a:r>
+              <a:rPr lang="en-US" dirty="0" err="1"/>
+              <a:t>Account_Manager</a:t>
+            </a:r>
+            <a:r>
+              <a:rPr lang="en-US" dirty="0"/>
+              <a:t>],</a:t>
+            </a:r>
+          </a:p>
+          <a:p>
+            <a:r>
+              <a:rPr lang="en-US" dirty="0"/>
+              <a:t>            "Risk", [Risk Category]</a:t>
+            </a:r>
+          </a:p>
+          <a:p>
+            <a:r>
+              <a:rPr lang="en-US" dirty="0"/>
+              <a:t>        ),</a:t>
+            </a:r>
+          </a:p>
+          <a:p>
+            <a:r>
+              <a:rPr lang="en-US" dirty="0"/>
+              <a:t>        [Risk] = "🟠 High Risk"</a:t>
+            </a:r>
+          </a:p>
+          <a:p>
+            <a:r>
+              <a:rPr lang="en-US" dirty="0"/>
+              <a:t>    )</a:t>
+            </a:r>
+          </a:p>
+          <a:p>
+            <a:r>
+              <a:rPr lang="en-US" dirty="0"/>
+              <a:t>) + 0</a:t>
+            </a:r>
+          </a:p>
+          <a:p>
+            <a:endParaRPr lang="en-IN" dirty="0"/>
+          </a:p>
+        </p:txBody>
+      </p:sp>
+    </p:spTree>
+    <p:extLst>
+      <p:ext uri="{BB962C8B-B14F-4D97-AF65-F5344CB8AC3E}">
+        <p14:creationId xmlns:p14="http://schemas.microsoft.com/office/powerpoint/2010/main" val="4252189290"/>
+      </p:ext>
+    </p:extLst>
+  </p:cSld>
+  <p:clrMapOvr>
+    <a:masterClrMapping/>
+  </p:clrMapOvr>
+</p:sld>
+</file>
+
+<file path=ppt/slides/slide19.xml><?xml version="1.0" encoding="utf-8"?>
+<p:sld xmlns:a="http://schemas.openxmlformats.org/drawingml/2006/main" xmlns:r="http://schemas.openxmlformats.org/officeDocument/2006/relationships" xmlns:p="http://schemas.openxmlformats.org/presentationml/2006/main" show="0">
+  <p:cSld>
+    <p:spTree>
+      <p:nvGrpSpPr>
+        <p:cNvPr id="1" name=""/>
+        <p:cNvGrpSpPr/>
+        <p:nvPr/>
+      </p:nvGrpSpPr>
+      <p:grpSpPr>
+        <a:xfrm>
+          <a:off x="0" y="0"/>
+          <a:ext cx="0" cy="0"/>
+          <a:chOff x="0" y="0"/>
+          <a:chExt cx="0" cy="0"/>
+        </a:xfrm>
+      </p:grpSpPr>
+      <p:sp>
+        <p:nvSpPr>
+          <p:cNvPr id="2" name="Title 1">
+            <a:extLst>
+              <a:ext uri="{FF2B5EF4-FFF2-40B4-BE49-F238E27FC236}">
+                <a16:creationId xmlns:a16="http://schemas.microsoft.com/office/drawing/2014/main" id="{3E78F44F-CAA0-F781-ADA4-9EF23DA5B966}"/>
+              </a:ext>
+            </a:extLst>
+          </p:cNvPr>
+          <p:cNvSpPr>
+            <a:spLocks noGrp="1"/>
+          </p:cNvSpPr>
+          <p:nvPr>
+            <p:ph type="title"/>
+          </p:nvPr>
+        </p:nvSpPr>
+        <p:spPr/>
+        <p:txBody>
+          <a:bodyPr/>
+          <a:lstStyle/>
+          <a:p>
+            <a:r>
+              <a:rPr lang="en-US" dirty="0"/>
+              <a:t>High Ticket Accounts</a:t>
+            </a:r>
+            <a:endParaRPr lang="en-IN" dirty="0"/>
+          </a:p>
+        </p:txBody>
+      </p:sp>
+      <p:sp>
+        <p:nvSpPr>
+          <p:cNvPr id="3" name="Content Placeholder 2">
+            <a:extLst>
+              <a:ext uri="{FF2B5EF4-FFF2-40B4-BE49-F238E27FC236}">
+                <a16:creationId xmlns:a16="http://schemas.microsoft.com/office/drawing/2014/main" id="{26E1D3C1-8EE3-C4E7-B0EA-38A7D3D96851}"/>
+              </a:ext>
+            </a:extLst>
+          </p:cNvPr>
+          <p:cNvSpPr>
+            <a:spLocks noGrp="1"/>
+          </p:cNvSpPr>
+          <p:nvPr>
+            <p:ph idx="1"/>
+          </p:nvPr>
+        </p:nvSpPr>
+        <p:spPr/>
+        <p:txBody>
+          <a:bodyPr>
+            <a:normAutofit fontScale="85000" lnSpcReduction="20000"/>
+          </a:bodyPr>
+          <a:lstStyle/>
+          <a:p>
+            <a:r>
+              <a:rPr lang="en-US" dirty="0"/>
+              <a:t>COUNTROWS(</a:t>
+            </a:r>
+          </a:p>
+          <a:p>
+            <a:r>
+              <a:rPr lang="en-US" dirty="0"/>
+              <a:t>    FILTER(</a:t>
+            </a:r>
+          </a:p>
+          <a:p>
+            <a:r>
+              <a:rPr lang="en-US" dirty="0"/>
+              <a:t>        SUMMARIZE(</a:t>
+            </a:r>
+          </a:p>
+          <a:p>
+            <a:r>
+              <a:rPr lang="en-US" dirty="0"/>
+              <a:t>            </a:t>
+            </a:r>
+            <a:r>
+              <a:rPr lang="en-US" dirty="0" err="1"/>
+              <a:t>Service_Company_Data</a:t>
+            </a:r>
+            <a:r>
+              <a:rPr lang="en-US" dirty="0"/>
+              <a:t>,</a:t>
+            </a:r>
+          </a:p>
+          <a:p>
+            <a:r>
+              <a:rPr lang="en-US" dirty="0"/>
+              <a:t>            </a:t>
+            </a:r>
+            <a:r>
+              <a:rPr lang="en-US" dirty="0" err="1"/>
+              <a:t>Service_Company_Data</a:t>
+            </a:r>
+            <a:r>
+              <a:rPr lang="en-US" dirty="0"/>
+              <a:t>[</a:t>
+            </a:r>
+            <a:r>
+              <a:rPr lang="en-US" dirty="0" err="1"/>
+              <a:t>Account_Manager</a:t>
+            </a:r>
+            <a:r>
+              <a:rPr lang="en-US" dirty="0"/>
+              <a:t>],</a:t>
+            </a:r>
+          </a:p>
+          <a:p>
+            <a:r>
+              <a:rPr lang="en-US" dirty="0"/>
+              <a:t>            "Risk", [Risk Category] // Use the already calculated Risk Category for each AM</a:t>
+            </a:r>
+          </a:p>
+          <a:p>
+            <a:r>
+              <a:rPr lang="en-US" dirty="0"/>
+              <a:t>        ),</a:t>
+            </a:r>
+          </a:p>
+          <a:p>
+            <a:r>
+              <a:rPr lang="en-US" dirty="0"/>
+              <a:t>        [Risk] = "🟡 High Tickets"</a:t>
+            </a:r>
+          </a:p>
+          <a:p>
+            <a:r>
+              <a:rPr lang="en-US" dirty="0"/>
+              <a:t>    )</a:t>
+            </a:r>
+          </a:p>
+          <a:p>
+            <a:r>
+              <a:rPr lang="en-US" dirty="0"/>
+              <a:t>) + 0 </a:t>
+            </a:r>
+          </a:p>
+          <a:p>
+            <a:endParaRPr lang="en-IN" dirty="0"/>
+          </a:p>
+        </p:txBody>
+      </p:sp>
+    </p:spTree>
+    <p:extLst>
+      <p:ext uri="{BB962C8B-B14F-4D97-AF65-F5344CB8AC3E}">
+        <p14:creationId xmlns:p14="http://schemas.microsoft.com/office/powerpoint/2010/main" val="2311571818"/>
+      </p:ext>
+    </p:extLst>
+  </p:cSld>
+  <p:clrMapOvr>
+    <a:masterClrMapping/>
+  </p:clrMapOvr>
+</p:sld>
+</file>
+
 <file path=ppt/slides/slide2.xml><?xml version="1.0" encoding="utf-8"?>
 <p:sld xmlns:a="http://schemas.openxmlformats.org/drawingml/2006/main" xmlns:r="http://schemas.openxmlformats.org/officeDocument/2006/relationships" xmlns:p="http://schemas.openxmlformats.org/presentationml/2006/main">
   <p:cSld>
@@ -9233,6 +11747,1464 @@
 </p:sld>
 </file>
 
+<file path=ppt/slides/slide20.xml><?xml version="1.0" encoding="utf-8"?>
+<p:sld xmlns:a="http://schemas.openxmlformats.org/drawingml/2006/main" xmlns:r="http://schemas.openxmlformats.org/officeDocument/2006/relationships" xmlns:p="http://schemas.openxmlformats.org/presentationml/2006/main" show="0">
+  <p:cSld>
+    <p:spTree>
+      <p:nvGrpSpPr>
+        <p:cNvPr id="1" name=""/>
+        <p:cNvGrpSpPr/>
+        <p:nvPr/>
+      </p:nvGrpSpPr>
+      <p:grpSpPr>
+        <a:xfrm>
+          <a:off x="0" y="0"/>
+          <a:ext cx="0" cy="0"/>
+          <a:chOff x="0" y="0"/>
+          <a:chExt cx="0" cy="0"/>
+        </a:xfrm>
+      </p:grpSpPr>
+      <p:sp>
+        <p:nvSpPr>
+          <p:cNvPr id="2" name="Title 1">
+            <a:extLst>
+              <a:ext uri="{FF2B5EF4-FFF2-40B4-BE49-F238E27FC236}">
+                <a16:creationId xmlns:a16="http://schemas.microsoft.com/office/drawing/2014/main" id="{21C1C5C6-EC22-F557-1768-F609886272FC}"/>
+              </a:ext>
+            </a:extLst>
+          </p:cNvPr>
+          <p:cNvSpPr>
+            <a:spLocks noGrp="1"/>
+          </p:cNvSpPr>
+          <p:nvPr>
+            <p:ph type="title"/>
+          </p:nvPr>
+        </p:nvSpPr>
+        <p:spPr/>
+        <p:txBody>
+          <a:bodyPr/>
+          <a:lstStyle/>
+          <a:p>
+            <a:r>
+              <a:rPr lang="en-US" dirty="0"/>
+              <a:t>Priority Actions</a:t>
+            </a:r>
+            <a:endParaRPr lang="en-IN" dirty="0"/>
+          </a:p>
+        </p:txBody>
+      </p:sp>
+      <p:sp>
+        <p:nvSpPr>
+          <p:cNvPr id="3" name="Content Placeholder 2">
+            <a:extLst>
+              <a:ext uri="{FF2B5EF4-FFF2-40B4-BE49-F238E27FC236}">
+                <a16:creationId xmlns:a16="http://schemas.microsoft.com/office/drawing/2014/main" id="{934FB8AF-9028-35E0-1717-62E6FC8F4232}"/>
+              </a:ext>
+            </a:extLst>
+          </p:cNvPr>
+          <p:cNvSpPr>
+            <a:spLocks noGrp="1"/>
+          </p:cNvSpPr>
+          <p:nvPr>
+            <p:ph idx="1"/>
+          </p:nvPr>
+        </p:nvSpPr>
+        <p:spPr/>
+        <p:txBody>
+          <a:bodyPr>
+            <a:normAutofit fontScale="92500" lnSpcReduction="10000"/>
+          </a:bodyPr>
+          <a:lstStyle/>
+          <a:p>
+            <a:r>
+              <a:rPr lang="en-US" dirty="0"/>
+              <a:t>VAR Risk = [Risk Category]  // Your existing measure</a:t>
+            </a:r>
+          </a:p>
+          <a:p>
+            <a:r>
+              <a:rPr lang="en-US" dirty="0"/>
+              <a:t>RETURN</a:t>
+            </a:r>
+          </a:p>
+          <a:p>
+            <a:r>
+              <a:rPr lang="en-US" dirty="0"/>
+              <a:t>SWITCH(</a:t>
+            </a:r>
+          </a:p>
+          <a:p>
+            <a:r>
+              <a:rPr lang="en-US" dirty="0"/>
+              <a:t>    Risk,</a:t>
+            </a:r>
+          </a:p>
+          <a:p>
+            <a:r>
+              <a:rPr lang="en-US" dirty="0"/>
+              <a:t>    "🔴 Critical", "VP review + discount",</a:t>
+            </a:r>
+          </a:p>
+          <a:p>
+            <a:r>
+              <a:rPr lang="en-US" dirty="0"/>
+              <a:t>    "🟠 High Risk", "Schedule check-in",</a:t>
+            </a:r>
+          </a:p>
+          <a:p>
+            <a:r>
+              <a:rPr lang="en-US" dirty="0"/>
+              <a:t>    "🟡 High Tickets", "Audit support logs",</a:t>
+            </a:r>
+          </a:p>
+          <a:p>
+            <a:r>
+              <a:rPr lang="en-US" dirty="0"/>
+              <a:t>    "No action needed"</a:t>
+            </a:r>
+          </a:p>
+          <a:p>
+            <a:r>
+              <a:rPr lang="en-US" dirty="0"/>
+              <a:t>)</a:t>
+            </a:r>
+          </a:p>
+          <a:p>
+            <a:endParaRPr lang="en-IN" dirty="0"/>
+          </a:p>
+        </p:txBody>
+      </p:sp>
+    </p:spTree>
+    <p:extLst>
+      <p:ext uri="{BB962C8B-B14F-4D97-AF65-F5344CB8AC3E}">
+        <p14:creationId xmlns:p14="http://schemas.microsoft.com/office/powerpoint/2010/main" val="3415489355"/>
+      </p:ext>
+    </p:extLst>
+  </p:cSld>
+  <p:clrMapOvr>
+    <a:masterClrMapping/>
+  </p:clrMapOvr>
+</p:sld>
+</file>
+
+<file path=ppt/slides/slide21.xml><?xml version="1.0" encoding="utf-8"?>
+<p:sld xmlns:a="http://schemas.openxmlformats.org/drawingml/2006/main" xmlns:r="http://schemas.openxmlformats.org/officeDocument/2006/relationships" xmlns:p="http://schemas.openxmlformats.org/presentationml/2006/main" show="0">
+  <p:cSld>
+    <p:spTree>
+      <p:nvGrpSpPr>
+        <p:cNvPr id="1" name=""/>
+        <p:cNvGrpSpPr/>
+        <p:nvPr/>
+      </p:nvGrpSpPr>
+      <p:grpSpPr>
+        <a:xfrm>
+          <a:off x="0" y="0"/>
+          <a:ext cx="0" cy="0"/>
+          <a:chOff x="0" y="0"/>
+          <a:chExt cx="0" cy="0"/>
+        </a:xfrm>
+      </p:grpSpPr>
+      <p:sp>
+        <p:nvSpPr>
+          <p:cNvPr id="2" name="Title 1">
+            <a:extLst>
+              <a:ext uri="{FF2B5EF4-FFF2-40B4-BE49-F238E27FC236}">
+                <a16:creationId xmlns:a16="http://schemas.microsoft.com/office/drawing/2014/main" id="{2850B3A6-F4CF-958A-CA13-F1F5CB4EFBCF}"/>
+              </a:ext>
+            </a:extLst>
+          </p:cNvPr>
+          <p:cNvSpPr>
+            <a:spLocks noGrp="1"/>
+          </p:cNvSpPr>
+          <p:nvPr>
+            <p:ph type="title"/>
+          </p:nvPr>
+        </p:nvSpPr>
+        <p:spPr/>
+        <p:txBody>
+          <a:bodyPr/>
+          <a:lstStyle/>
+          <a:p>
+            <a:r>
+              <a:rPr lang="en-IN" dirty="0"/>
+              <a:t>Recommended Action</a:t>
+            </a:r>
+          </a:p>
+        </p:txBody>
+      </p:sp>
+      <p:sp>
+        <p:nvSpPr>
+          <p:cNvPr id="3" name="Content Placeholder 2">
+            <a:extLst>
+              <a:ext uri="{FF2B5EF4-FFF2-40B4-BE49-F238E27FC236}">
+                <a16:creationId xmlns:a16="http://schemas.microsoft.com/office/drawing/2014/main" id="{01571875-7860-521A-D84D-212B34781EE5}"/>
+              </a:ext>
+            </a:extLst>
+          </p:cNvPr>
+          <p:cNvSpPr>
+            <a:spLocks noGrp="1"/>
+          </p:cNvSpPr>
+          <p:nvPr>
+            <p:ph idx="1"/>
+          </p:nvPr>
+        </p:nvSpPr>
+        <p:spPr/>
+        <p:txBody>
+          <a:bodyPr>
+            <a:normAutofit/>
+          </a:bodyPr>
+          <a:lstStyle/>
+          <a:p>
+            <a:r>
+              <a:rPr lang="en-IN" dirty="0"/>
+              <a:t>SWITCH(</a:t>
+            </a:r>
+          </a:p>
+          <a:p>
+            <a:r>
+              <a:rPr lang="en-IN" dirty="0"/>
+              <a:t>    [Risk Category],</a:t>
+            </a:r>
+          </a:p>
+          <a:p>
+            <a:r>
+              <a:rPr lang="en-IN" dirty="0"/>
+              <a:t>    "🔴 Critical", "1. Review contract terms | 2. Assign senior AM",</a:t>
+            </a:r>
+          </a:p>
+          <a:p>
+            <a:r>
+              <a:rPr lang="en-IN" dirty="0"/>
+              <a:t>    "🟠 High Risk", "1. Schedule QBR | 2. Offer discount",</a:t>
+            </a:r>
+          </a:p>
+          <a:p>
+            <a:r>
+              <a:rPr lang="en-IN" dirty="0"/>
+              <a:t>    "🟡 High Tickets", "1. Audit support process | 2. Train team",</a:t>
+            </a:r>
+          </a:p>
+          <a:p>
+            <a:r>
+              <a:rPr lang="en-IN" dirty="0"/>
+              <a:t>    "🟢 Stable", "1. Upsell opportunity | 2. Request referral"</a:t>
+            </a:r>
+          </a:p>
+          <a:p>
+            <a:r>
+              <a:rPr lang="en-IN" dirty="0"/>
+              <a:t>)</a:t>
+            </a:r>
+          </a:p>
+          <a:p>
+            <a:endParaRPr lang="en-IN" dirty="0"/>
+          </a:p>
+        </p:txBody>
+      </p:sp>
+    </p:spTree>
+    <p:extLst>
+      <p:ext uri="{BB962C8B-B14F-4D97-AF65-F5344CB8AC3E}">
+        <p14:creationId xmlns:p14="http://schemas.microsoft.com/office/powerpoint/2010/main" val="3570974162"/>
+      </p:ext>
+    </p:extLst>
+  </p:cSld>
+  <p:clrMapOvr>
+    <a:masterClrMapping/>
+  </p:clrMapOvr>
+</p:sld>
+</file>
+
+<file path=ppt/slides/slide22.xml><?xml version="1.0" encoding="utf-8"?>
+<p:sld xmlns:a="http://schemas.openxmlformats.org/drawingml/2006/main" xmlns:r="http://schemas.openxmlformats.org/officeDocument/2006/relationships" xmlns:p="http://schemas.openxmlformats.org/presentationml/2006/main" show="0">
+  <p:cSld>
+    <p:spTree>
+      <p:nvGrpSpPr>
+        <p:cNvPr id="1" name=""/>
+        <p:cNvGrpSpPr/>
+        <p:nvPr/>
+      </p:nvGrpSpPr>
+      <p:grpSpPr>
+        <a:xfrm>
+          <a:off x="0" y="0"/>
+          <a:ext cx="0" cy="0"/>
+          <a:chOff x="0" y="0"/>
+          <a:chExt cx="0" cy="0"/>
+        </a:xfrm>
+      </p:grpSpPr>
+      <p:sp>
+        <p:nvSpPr>
+          <p:cNvPr id="2" name="Title 1">
+            <a:extLst>
+              <a:ext uri="{FF2B5EF4-FFF2-40B4-BE49-F238E27FC236}">
+                <a16:creationId xmlns:a16="http://schemas.microsoft.com/office/drawing/2014/main" id="{6753CD90-0565-5794-B0C1-F63242975613}"/>
+              </a:ext>
+            </a:extLst>
+          </p:cNvPr>
+          <p:cNvSpPr>
+            <a:spLocks noGrp="1"/>
+          </p:cNvSpPr>
+          <p:nvPr>
+            <p:ph type="title"/>
+          </p:nvPr>
+        </p:nvSpPr>
+        <p:spPr/>
+        <p:txBody>
+          <a:bodyPr/>
+          <a:lstStyle/>
+          <a:p>
+            <a:r>
+              <a:rPr lang="en-US" dirty="0"/>
+              <a:t>Risk Category</a:t>
+            </a:r>
+            <a:endParaRPr lang="en-IN" dirty="0"/>
+          </a:p>
+        </p:txBody>
+      </p:sp>
+      <p:sp>
+        <p:nvSpPr>
+          <p:cNvPr id="3" name="Content Placeholder 2">
+            <a:extLst>
+              <a:ext uri="{FF2B5EF4-FFF2-40B4-BE49-F238E27FC236}">
+                <a16:creationId xmlns:a16="http://schemas.microsoft.com/office/drawing/2014/main" id="{143E9642-3AA8-2358-19EC-2457FD574ED9}"/>
+              </a:ext>
+            </a:extLst>
+          </p:cNvPr>
+          <p:cNvSpPr>
+            <a:spLocks noGrp="1"/>
+          </p:cNvSpPr>
+          <p:nvPr>
+            <p:ph idx="1"/>
+          </p:nvPr>
+        </p:nvSpPr>
+        <p:spPr/>
+        <p:txBody>
+          <a:bodyPr>
+            <a:normAutofit fontScale="55000" lnSpcReduction="20000"/>
+          </a:bodyPr>
+          <a:lstStyle/>
+          <a:p>
+            <a:r>
+              <a:rPr lang="en-US" dirty="0"/>
+              <a:t>VAR </a:t>
+            </a:r>
+            <a:r>
+              <a:rPr lang="en-US" dirty="0" err="1"/>
+              <a:t>AvgProb</a:t>
+            </a:r>
+            <a:r>
+              <a:rPr lang="en-US" dirty="0"/>
+              <a:t> = AVERAGE(</a:t>
+            </a:r>
+            <a:r>
+              <a:rPr lang="en-US" dirty="0" err="1"/>
+              <a:t>Service_Company_Data</a:t>
+            </a:r>
+            <a:r>
+              <a:rPr lang="en-US" dirty="0"/>
+              <a:t>[</a:t>
+            </a:r>
+            <a:r>
+              <a:rPr lang="en-US" dirty="0" err="1"/>
+              <a:t>Renewal_Probability</a:t>
+            </a:r>
+            <a:r>
+              <a:rPr lang="en-US" dirty="0"/>
+              <a:t>])</a:t>
+            </a:r>
+          </a:p>
+          <a:p>
+            <a:r>
+              <a:rPr lang="en-US" dirty="0"/>
+              <a:t>VAR </a:t>
+            </a:r>
+            <a:r>
+              <a:rPr lang="en-US" dirty="0" err="1"/>
+              <a:t>TicketsPerService</a:t>
+            </a:r>
+            <a:r>
+              <a:rPr lang="en-US" dirty="0"/>
+              <a:t> = [Tickets per Active Service] // This is a measure already</a:t>
+            </a:r>
+          </a:p>
+          <a:p>
+            <a:r>
+              <a:rPr lang="en-US" dirty="0"/>
+              <a:t>VAR </a:t>
+            </a:r>
+            <a:r>
+              <a:rPr lang="en-US" dirty="0" err="1"/>
+              <a:t>HighTicketThreshold</a:t>
+            </a:r>
+            <a:r>
+              <a:rPr lang="en-US" dirty="0"/>
+              <a:t> = 100 // Your defined threshold</a:t>
+            </a:r>
+          </a:p>
+          <a:p>
+            <a:r>
+              <a:rPr lang="en-US" dirty="0"/>
+              <a:t>RETURN</a:t>
+            </a:r>
+          </a:p>
+          <a:p>
+            <a:r>
+              <a:rPr lang="en-US" dirty="0"/>
+              <a:t>SWITCH(</a:t>
+            </a:r>
+          </a:p>
+          <a:p>
+            <a:r>
+              <a:rPr lang="en-US" dirty="0"/>
+              <a:t>    TRUE(),</a:t>
+            </a:r>
+          </a:p>
+          <a:p>
+            <a:r>
+              <a:rPr lang="en-US" dirty="0"/>
+              <a:t>    AND(</a:t>
+            </a:r>
+            <a:r>
+              <a:rPr lang="en-US" dirty="0" err="1"/>
+              <a:t>AvgProb</a:t>
+            </a:r>
+            <a:r>
+              <a:rPr lang="en-US" dirty="0"/>
+              <a:t> &lt; 0.5, </a:t>
+            </a:r>
+            <a:r>
+              <a:rPr lang="en-US" dirty="0" err="1"/>
+              <a:t>TicketsPerService</a:t>
+            </a:r>
+            <a:r>
+              <a:rPr lang="en-US" dirty="0"/>
+              <a:t> &gt; </a:t>
+            </a:r>
+            <a:r>
+              <a:rPr lang="en-US" dirty="0" err="1"/>
+              <a:t>HighTicketThreshold</a:t>
+            </a:r>
+            <a:r>
+              <a:rPr lang="en-US" dirty="0"/>
+              <a:t>), "🔴 Critical",</a:t>
+            </a:r>
+          </a:p>
+          <a:p>
+            <a:br>
+              <a:rPr lang="en-US" dirty="0"/>
+            </a:br>
+            <a:r>
+              <a:rPr lang="en-US" dirty="0"/>
+              <a:t>    </a:t>
+            </a:r>
+            <a:r>
+              <a:rPr lang="en-US" dirty="0" err="1"/>
+              <a:t>AvgProb</a:t>
+            </a:r>
+            <a:r>
+              <a:rPr lang="en-US" dirty="0"/>
+              <a:t> &lt; 0.5, "🟠 High Risk",</a:t>
+            </a:r>
+          </a:p>
+          <a:p>
+            <a:br>
+              <a:rPr lang="en-US" dirty="0"/>
+            </a:br>
+            <a:r>
+              <a:rPr lang="en-US" dirty="0"/>
+              <a:t>    </a:t>
+            </a:r>
+            <a:r>
+              <a:rPr lang="en-US" dirty="0" err="1"/>
+              <a:t>TicketsPerService</a:t>
+            </a:r>
+            <a:r>
+              <a:rPr lang="en-US" dirty="0"/>
+              <a:t> &gt; </a:t>
+            </a:r>
+            <a:r>
+              <a:rPr lang="en-US" dirty="0" err="1"/>
+              <a:t>HighTicketThreshold</a:t>
+            </a:r>
+            <a:r>
+              <a:rPr lang="en-US" dirty="0"/>
+              <a:t>, "🟡 High Tickets",</a:t>
+            </a:r>
+          </a:p>
+          <a:p>
+            <a:br>
+              <a:rPr lang="en-US" dirty="0"/>
+            </a:br>
+            <a:r>
+              <a:rPr lang="en-US" dirty="0"/>
+              <a:t>    "🟢 Stable"</a:t>
+            </a:r>
+          </a:p>
+          <a:p>
+            <a:r>
+              <a:rPr lang="en-US" dirty="0"/>
+              <a:t>)</a:t>
+            </a:r>
+          </a:p>
+          <a:p>
+            <a:endParaRPr lang="en-IN" dirty="0"/>
+          </a:p>
+        </p:txBody>
+      </p:sp>
+    </p:spTree>
+    <p:extLst>
+      <p:ext uri="{BB962C8B-B14F-4D97-AF65-F5344CB8AC3E}">
+        <p14:creationId xmlns:p14="http://schemas.microsoft.com/office/powerpoint/2010/main" val="3826874259"/>
+      </p:ext>
+    </p:extLst>
+  </p:cSld>
+  <p:clrMapOvr>
+    <a:masterClrMapping/>
+  </p:clrMapOvr>
+</p:sld>
+</file>
+
+<file path=ppt/slides/slide23.xml><?xml version="1.0" encoding="utf-8"?>
+<p:sld xmlns:a="http://schemas.openxmlformats.org/drawingml/2006/main" xmlns:r="http://schemas.openxmlformats.org/officeDocument/2006/relationships" xmlns:p="http://schemas.openxmlformats.org/presentationml/2006/main" show="0">
+  <p:cSld>
+    <p:spTree>
+      <p:nvGrpSpPr>
+        <p:cNvPr id="1" name=""/>
+        <p:cNvGrpSpPr/>
+        <p:nvPr/>
+      </p:nvGrpSpPr>
+      <p:grpSpPr>
+        <a:xfrm>
+          <a:off x="0" y="0"/>
+          <a:ext cx="0" cy="0"/>
+          <a:chOff x="0" y="0"/>
+          <a:chExt cx="0" cy="0"/>
+        </a:xfrm>
+      </p:grpSpPr>
+      <p:sp>
+        <p:nvSpPr>
+          <p:cNvPr id="2" name="Title 1">
+            <a:extLst>
+              <a:ext uri="{FF2B5EF4-FFF2-40B4-BE49-F238E27FC236}">
+                <a16:creationId xmlns:a16="http://schemas.microsoft.com/office/drawing/2014/main" id="{AF342E02-1900-A412-9013-8D41C12891DF}"/>
+              </a:ext>
+            </a:extLst>
+          </p:cNvPr>
+          <p:cNvSpPr>
+            <a:spLocks noGrp="1"/>
+          </p:cNvSpPr>
+          <p:nvPr>
+            <p:ph type="title"/>
+          </p:nvPr>
+        </p:nvSpPr>
+        <p:spPr/>
+        <p:txBody>
+          <a:bodyPr/>
+          <a:lstStyle/>
+          <a:p>
+            <a:r>
+              <a:rPr lang="en-US" dirty="0"/>
+              <a:t>Stable Accounts</a:t>
+            </a:r>
+            <a:endParaRPr lang="en-IN" dirty="0"/>
+          </a:p>
+        </p:txBody>
+      </p:sp>
+      <p:sp>
+        <p:nvSpPr>
+          <p:cNvPr id="3" name="Content Placeholder 2">
+            <a:extLst>
+              <a:ext uri="{FF2B5EF4-FFF2-40B4-BE49-F238E27FC236}">
+                <a16:creationId xmlns:a16="http://schemas.microsoft.com/office/drawing/2014/main" id="{6A50769D-BB28-CB5D-9481-54F9CCC3DFD2}"/>
+              </a:ext>
+            </a:extLst>
+          </p:cNvPr>
+          <p:cNvSpPr>
+            <a:spLocks noGrp="1"/>
+          </p:cNvSpPr>
+          <p:nvPr>
+            <p:ph idx="1"/>
+          </p:nvPr>
+        </p:nvSpPr>
+        <p:spPr/>
+        <p:txBody>
+          <a:bodyPr>
+            <a:normAutofit fontScale="85000" lnSpcReduction="20000"/>
+          </a:bodyPr>
+          <a:lstStyle/>
+          <a:p>
+            <a:r>
+              <a:rPr lang="en-US" dirty="0"/>
+              <a:t>COUNTROWS(</a:t>
+            </a:r>
+          </a:p>
+          <a:p>
+            <a:r>
+              <a:rPr lang="en-US" dirty="0"/>
+              <a:t>    FILTER(</a:t>
+            </a:r>
+          </a:p>
+          <a:p>
+            <a:r>
+              <a:rPr lang="en-US" dirty="0"/>
+              <a:t>        SUMMARIZE(</a:t>
+            </a:r>
+          </a:p>
+          <a:p>
+            <a:r>
+              <a:rPr lang="en-US" dirty="0"/>
+              <a:t>            </a:t>
+            </a:r>
+            <a:r>
+              <a:rPr lang="en-US" dirty="0" err="1"/>
+              <a:t>Service_Company_Data</a:t>
+            </a:r>
+            <a:r>
+              <a:rPr lang="en-US" dirty="0"/>
+              <a:t>,</a:t>
+            </a:r>
+          </a:p>
+          <a:p>
+            <a:r>
+              <a:rPr lang="en-US" dirty="0"/>
+              <a:t>            </a:t>
+            </a:r>
+            <a:r>
+              <a:rPr lang="en-US" dirty="0" err="1"/>
+              <a:t>Service_Company_Data</a:t>
+            </a:r>
+            <a:r>
+              <a:rPr lang="en-US" dirty="0"/>
+              <a:t>[</a:t>
+            </a:r>
+            <a:r>
+              <a:rPr lang="en-US" dirty="0" err="1"/>
+              <a:t>Account_Manager</a:t>
+            </a:r>
+            <a:r>
+              <a:rPr lang="en-US" dirty="0"/>
+              <a:t>],</a:t>
+            </a:r>
+          </a:p>
+          <a:p>
+            <a:r>
+              <a:rPr lang="en-US" dirty="0"/>
+              <a:t>            "Risk", [Risk Category]</a:t>
+            </a:r>
+          </a:p>
+          <a:p>
+            <a:r>
+              <a:rPr lang="en-US" dirty="0"/>
+              <a:t>        ),</a:t>
+            </a:r>
+          </a:p>
+          <a:p>
+            <a:r>
+              <a:rPr lang="en-US" dirty="0"/>
+              <a:t>        [Risk] = "🟢 Stable"</a:t>
+            </a:r>
+          </a:p>
+          <a:p>
+            <a:r>
+              <a:rPr lang="en-US" dirty="0"/>
+              <a:t>    )</a:t>
+            </a:r>
+          </a:p>
+          <a:p>
+            <a:r>
+              <a:rPr lang="en-US" dirty="0"/>
+              <a:t>) + 0</a:t>
+            </a:r>
+          </a:p>
+          <a:p>
+            <a:endParaRPr lang="en-IN" dirty="0"/>
+          </a:p>
+        </p:txBody>
+      </p:sp>
+    </p:spTree>
+    <p:extLst>
+      <p:ext uri="{BB962C8B-B14F-4D97-AF65-F5344CB8AC3E}">
+        <p14:creationId xmlns:p14="http://schemas.microsoft.com/office/powerpoint/2010/main" val="3081609938"/>
+      </p:ext>
+    </p:extLst>
+  </p:cSld>
+  <p:clrMapOvr>
+    <a:masterClrMapping/>
+  </p:clrMapOvr>
+</p:sld>
+</file>
+
+<file path=ppt/slides/slide24.xml><?xml version="1.0" encoding="utf-8"?>
+<p:sld xmlns:a="http://schemas.openxmlformats.org/drawingml/2006/main" xmlns:r="http://schemas.openxmlformats.org/officeDocument/2006/relationships" xmlns:p="http://schemas.openxmlformats.org/presentationml/2006/main" show="0">
+  <p:cSld>
+    <p:spTree>
+      <p:nvGrpSpPr>
+        <p:cNvPr id="1" name=""/>
+        <p:cNvGrpSpPr/>
+        <p:nvPr/>
+      </p:nvGrpSpPr>
+      <p:grpSpPr>
+        <a:xfrm>
+          <a:off x="0" y="0"/>
+          <a:ext cx="0" cy="0"/>
+          <a:chOff x="0" y="0"/>
+          <a:chExt cx="0" cy="0"/>
+        </a:xfrm>
+      </p:grpSpPr>
+      <p:sp>
+        <p:nvSpPr>
+          <p:cNvPr id="2" name="Title 1">
+            <a:extLst>
+              <a:ext uri="{FF2B5EF4-FFF2-40B4-BE49-F238E27FC236}">
+                <a16:creationId xmlns:a16="http://schemas.microsoft.com/office/drawing/2014/main" id="{D9DCCF89-5B8A-78BE-FEBF-0E2235B29B56}"/>
+              </a:ext>
+            </a:extLst>
+          </p:cNvPr>
+          <p:cNvSpPr>
+            <a:spLocks noGrp="1"/>
+          </p:cNvSpPr>
+          <p:nvPr>
+            <p:ph type="title"/>
+          </p:nvPr>
+        </p:nvSpPr>
+        <p:spPr/>
+        <p:txBody>
+          <a:bodyPr/>
+          <a:lstStyle/>
+          <a:p>
+            <a:r>
+              <a:rPr lang="en-US" dirty="0"/>
+              <a:t>Tickets per 1M Revenue</a:t>
+            </a:r>
+            <a:endParaRPr lang="en-IN" dirty="0"/>
+          </a:p>
+        </p:txBody>
+      </p:sp>
+      <p:sp>
+        <p:nvSpPr>
+          <p:cNvPr id="3" name="Content Placeholder 2">
+            <a:extLst>
+              <a:ext uri="{FF2B5EF4-FFF2-40B4-BE49-F238E27FC236}">
+                <a16:creationId xmlns:a16="http://schemas.microsoft.com/office/drawing/2014/main" id="{454BF85A-FC87-14B7-2492-D11FDA74224A}"/>
+              </a:ext>
+            </a:extLst>
+          </p:cNvPr>
+          <p:cNvSpPr>
+            <a:spLocks noGrp="1"/>
+          </p:cNvSpPr>
+          <p:nvPr>
+            <p:ph idx="1"/>
+          </p:nvPr>
+        </p:nvSpPr>
+        <p:spPr/>
+        <p:txBody>
+          <a:bodyPr/>
+          <a:lstStyle/>
+          <a:p>
+            <a:r>
+              <a:rPr lang="en-US" dirty="0"/>
+              <a:t>DIVIDE(</a:t>
+            </a:r>
+          </a:p>
+          <a:p>
+            <a:r>
+              <a:rPr lang="en-US" dirty="0"/>
+              <a:t>    SUM(</a:t>
+            </a:r>
+            <a:r>
+              <a:rPr lang="en-US" dirty="0" err="1"/>
+              <a:t>Service_Company_Data</a:t>
+            </a:r>
+            <a:r>
+              <a:rPr lang="en-US" dirty="0"/>
+              <a:t>[</a:t>
+            </a:r>
+            <a:r>
+              <a:rPr lang="en-US" dirty="0" err="1"/>
+              <a:t>Support_Tickets</a:t>
+            </a:r>
+            <a:r>
+              <a:rPr lang="en-US" dirty="0"/>
+              <a:t>]),</a:t>
+            </a:r>
+          </a:p>
+          <a:p>
+            <a:r>
+              <a:rPr lang="en-US" dirty="0"/>
+              <a:t>    [Total Revenue] / 1000000,</a:t>
+            </a:r>
+          </a:p>
+          <a:p>
+            <a:r>
+              <a:rPr lang="en-US" dirty="0"/>
+              <a:t>    0</a:t>
+            </a:r>
+          </a:p>
+          <a:p>
+            <a:r>
+              <a:rPr lang="en-US" dirty="0"/>
+              <a:t>)</a:t>
+            </a:r>
+          </a:p>
+          <a:p>
+            <a:endParaRPr lang="en-IN" dirty="0"/>
+          </a:p>
+        </p:txBody>
+      </p:sp>
+    </p:spTree>
+    <p:extLst>
+      <p:ext uri="{BB962C8B-B14F-4D97-AF65-F5344CB8AC3E}">
+        <p14:creationId xmlns:p14="http://schemas.microsoft.com/office/powerpoint/2010/main" val="196637336"/>
+      </p:ext>
+    </p:extLst>
+  </p:cSld>
+  <p:clrMapOvr>
+    <a:masterClrMapping/>
+  </p:clrMapOvr>
+</p:sld>
+</file>
+
+<file path=ppt/slides/slide25.xml><?xml version="1.0" encoding="utf-8"?>
+<p:sld xmlns:a="http://schemas.openxmlformats.org/drawingml/2006/main" xmlns:r="http://schemas.openxmlformats.org/officeDocument/2006/relationships" xmlns:p="http://schemas.openxmlformats.org/presentationml/2006/main" show="0">
+  <p:cSld>
+    <p:spTree>
+      <p:nvGrpSpPr>
+        <p:cNvPr id="1" name=""/>
+        <p:cNvGrpSpPr/>
+        <p:nvPr/>
+      </p:nvGrpSpPr>
+      <p:grpSpPr>
+        <a:xfrm>
+          <a:off x="0" y="0"/>
+          <a:ext cx="0" cy="0"/>
+          <a:chOff x="0" y="0"/>
+          <a:chExt cx="0" cy="0"/>
+        </a:xfrm>
+      </p:grpSpPr>
+      <p:sp>
+        <p:nvSpPr>
+          <p:cNvPr id="2" name="Title 1">
+            <a:extLst>
+              <a:ext uri="{FF2B5EF4-FFF2-40B4-BE49-F238E27FC236}">
+                <a16:creationId xmlns:a16="http://schemas.microsoft.com/office/drawing/2014/main" id="{3A7BFDFD-4EBB-6383-09B9-DB49D44A6DE0}"/>
+              </a:ext>
+            </a:extLst>
+          </p:cNvPr>
+          <p:cNvSpPr>
+            <a:spLocks noGrp="1"/>
+          </p:cNvSpPr>
+          <p:nvPr>
+            <p:ph type="title"/>
+          </p:nvPr>
+        </p:nvSpPr>
+        <p:spPr/>
+        <p:txBody>
+          <a:bodyPr/>
+          <a:lstStyle/>
+          <a:p>
+            <a:r>
+              <a:rPr lang="en-US" dirty="0"/>
+              <a:t>Tickets per Active Service</a:t>
+            </a:r>
+            <a:endParaRPr lang="en-IN" dirty="0"/>
+          </a:p>
+        </p:txBody>
+      </p:sp>
+      <p:sp>
+        <p:nvSpPr>
+          <p:cNvPr id="3" name="Content Placeholder 2">
+            <a:extLst>
+              <a:ext uri="{FF2B5EF4-FFF2-40B4-BE49-F238E27FC236}">
+                <a16:creationId xmlns:a16="http://schemas.microsoft.com/office/drawing/2014/main" id="{4D05942B-E93E-EA92-870C-776028689569}"/>
+              </a:ext>
+            </a:extLst>
+          </p:cNvPr>
+          <p:cNvSpPr>
+            <a:spLocks noGrp="1"/>
+          </p:cNvSpPr>
+          <p:nvPr>
+            <p:ph idx="1"/>
+          </p:nvPr>
+        </p:nvSpPr>
+        <p:spPr/>
+        <p:txBody>
+          <a:bodyPr/>
+          <a:lstStyle/>
+          <a:p>
+            <a:r>
+              <a:rPr lang="en-US" dirty="0"/>
+              <a:t>DIVIDE(</a:t>
+            </a:r>
+          </a:p>
+          <a:p>
+            <a:r>
+              <a:rPr lang="en-US" dirty="0"/>
+              <a:t>    SUM(</a:t>
+            </a:r>
+            <a:r>
+              <a:rPr lang="en-US" dirty="0" err="1"/>
+              <a:t>Service_Company_Data</a:t>
+            </a:r>
+            <a:r>
+              <a:rPr lang="en-US" dirty="0"/>
+              <a:t>[</a:t>
+            </a:r>
+            <a:r>
+              <a:rPr lang="en-US" dirty="0" err="1"/>
+              <a:t>Support_Tickets</a:t>
+            </a:r>
+            <a:r>
+              <a:rPr lang="en-US" dirty="0"/>
+              <a:t>]),</a:t>
+            </a:r>
+          </a:p>
+          <a:p>
+            <a:r>
+              <a:rPr lang="en-US" dirty="0"/>
+              <a:t>    [Active Services],</a:t>
+            </a:r>
+          </a:p>
+          <a:p>
+            <a:r>
+              <a:rPr lang="en-US" dirty="0"/>
+              <a:t>    0 </a:t>
+            </a:r>
+          </a:p>
+          <a:p>
+            <a:r>
+              <a:rPr lang="en-US" dirty="0"/>
+              <a:t>)</a:t>
+            </a:r>
+          </a:p>
+          <a:p>
+            <a:endParaRPr lang="en-IN" dirty="0"/>
+          </a:p>
+        </p:txBody>
+      </p:sp>
+    </p:spTree>
+    <p:extLst>
+      <p:ext uri="{BB962C8B-B14F-4D97-AF65-F5344CB8AC3E}">
+        <p14:creationId xmlns:p14="http://schemas.microsoft.com/office/powerpoint/2010/main" val="275478801"/>
+      </p:ext>
+    </p:extLst>
+  </p:cSld>
+  <p:clrMapOvr>
+    <a:masterClrMapping/>
+  </p:clrMapOvr>
+</p:sld>
+</file>
+
+<file path=ppt/slides/slide26.xml><?xml version="1.0" encoding="utf-8"?>
+<p:sld xmlns:a="http://schemas.openxmlformats.org/drawingml/2006/main" xmlns:r="http://schemas.openxmlformats.org/officeDocument/2006/relationships" xmlns:p="http://schemas.openxmlformats.org/presentationml/2006/main" show="0">
+  <p:cSld>
+    <p:spTree>
+      <p:nvGrpSpPr>
+        <p:cNvPr id="1" name=""/>
+        <p:cNvGrpSpPr/>
+        <p:nvPr/>
+      </p:nvGrpSpPr>
+      <p:grpSpPr>
+        <a:xfrm>
+          <a:off x="0" y="0"/>
+          <a:ext cx="0" cy="0"/>
+          <a:chOff x="0" y="0"/>
+          <a:chExt cx="0" cy="0"/>
+        </a:xfrm>
+      </p:grpSpPr>
+      <p:sp>
+        <p:nvSpPr>
+          <p:cNvPr id="2" name="Title 1">
+            <a:extLst>
+              <a:ext uri="{FF2B5EF4-FFF2-40B4-BE49-F238E27FC236}">
+                <a16:creationId xmlns:a16="http://schemas.microsoft.com/office/drawing/2014/main" id="{690076E8-E8BD-76C9-0E5C-DA0209A4161A}"/>
+              </a:ext>
+            </a:extLst>
+          </p:cNvPr>
+          <p:cNvSpPr>
+            <a:spLocks noGrp="1"/>
+          </p:cNvSpPr>
+          <p:nvPr>
+            <p:ph type="title"/>
+          </p:nvPr>
+        </p:nvSpPr>
+        <p:spPr/>
+        <p:txBody>
+          <a:bodyPr/>
+          <a:lstStyle/>
+          <a:p>
+            <a:r>
+              <a:rPr lang="en-US" dirty="0"/>
+              <a:t>Total Revenue</a:t>
+            </a:r>
+            <a:endParaRPr lang="en-IN" dirty="0"/>
+          </a:p>
+        </p:txBody>
+      </p:sp>
+      <p:sp>
+        <p:nvSpPr>
+          <p:cNvPr id="3" name="Content Placeholder 2">
+            <a:extLst>
+              <a:ext uri="{FF2B5EF4-FFF2-40B4-BE49-F238E27FC236}">
+                <a16:creationId xmlns:a16="http://schemas.microsoft.com/office/drawing/2014/main" id="{FFB3880F-B66B-0EB9-A15A-5C5D3CA04E03}"/>
+              </a:ext>
+            </a:extLst>
+          </p:cNvPr>
+          <p:cNvSpPr>
+            <a:spLocks noGrp="1"/>
+          </p:cNvSpPr>
+          <p:nvPr>
+            <p:ph idx="1"/>
+          </p:nvPr>
+        </p:nvSpPr>
+        <p:spPr/>
+        <p:txBody>
+          <a:bodyPr/>
+          <a:lstStyle/>
+          <a:p>
+            <a:r>
+              <a:rPr lang="en-US" dirty="0"/>
+              <a:t>SUM(</a:t>
+            </a:r>
+            <a:r>
+              <a:rPr lang="en-US" dirty="0" err="1"/>
+              <a:t>Service_Company_Data</a:t>
+            </a:r>
+            <a:r>
+              <a:rPr lang="en-US" dirty="0"/>
+              <a:t>[</a:t>
+            </a:r>
+            <a:r>
+              <a:rPr lang="en-US" dirty="0" err="1"/>
+              <a:t>Monthly_Cost</a:t>
+            </a:r>
+            <a:r>
+              <a:rPr lang="en-US" dirty="0"/>
+              <a:t>])</a:t>
+            </a:r>
+          </a:p>
+          <a:p>
+            <a:endParaRPr lang="en-IN" dirty="0"/>
+          </a:p>
+        </p:txBody>
+      </p:sp>
+    </p:spTree>
+    <p:extLst>
+      <p:ext uri="{BB962C8B-B14F-4D97-AF65-F5344CB8AC3E}">
+        <p14:creationId xmlns:p14="http://schemas.microsoft.com/office/powerpoint/2010/main" val="3973149870"/>
+      </p:ext>
+    </p:extLst>
+  </p:cSld>
+  <p:clrMapOvr>
+    <a:masterClrMapping/>
+  </p:clrMapOvr>
+</p:sld>
+</file>
+
+<file path=ppt/slides/slide27.xml><?xml version="1.0" encoding="utf-8"?>
+<p:sld xmlns:a="http://schemas.openxmlformats.org/drawingml/2006/main" xmlns:r="http://schemas.openxmlformats.org/officeDocument/2006/relationships" xmlns:p="http://schemas.openxmlformats.org/presentationml/2006/main" show="0">
+  <p:cSld>
+    <p:spTree>
+      <p:nvGrpSpPr>
+        <p:cNvPr id="1" name=""/>
+        <p:cNvGrpSpPr/>
+        <p:nvPr/>
+      </p:nvGrpSpPr>
+      <p:grpSpPr>
+        <a:xfrm>
+          <a:off x="0" y="0"/>
+          <a:ext cx="0" cy="0"/>
+          <a:chOff x="0" y="0"/>
+          <a:chExt cx="0" cy="0"/>
+        </a:xfrm>
+      </p:grpSpPr>
+      <p:sp>
+        <p:nvSpPr>
+          <p:cNvPr id="2" name="Title 1">
+            <a:extLst>
+              <a:ext uri="{FF2B5EF4-FFF2-40B4-BE49-F238E27FC236}">
+                <a16:creationId xmlns:a16="http://schemas.microsoft.com/office/drawing/2014/main" id="{B65A3CE4-98A1-FD11-9CA9-336A54B5F933}"/>
+              </a:ext>
+            </a:extLst>
+          </p:cNvPr>
+          <p:cNvSpPr>
+            <a:spLocks noGrp="1"/>
+          </p:cNvSpPr>
+          <p:nvPr>
+            <p:ph type="title"/>
+          </p:nvPr>
+        </p:nvSpPr>
+        <p:spPr/>
+        <p:txBody>
+          <a:bodyPr/>
+          <a:lstStyle/>
+          <a:p>
+            <a:r>
+              <a:rPr lang="en-US" dirty="0"/>
+              <a:t>Verified Total Accounts</a:t>
+            </a:r>
+            <a:endParaRPr lang="en-IN" dirty="0"/>
+          </a:p>
+        </p:txBody>
+      </p:sp>
+      <p:sp>
+        <p:nvSpPr>
+          <p:cNvPr id="3" name="Content Placeholder 2">
+            <a:extLst>
+              <a:ext uri="{FF2B5EF4-FFF2-40B4-BE49-F238E27FC236}">
+                <a16:creationId xmlns:a16="http://schemas.microsoft.com/office/drawing/2014/main" id="{D82AE265-EDBB-9A2D-C2E5-A89CC57AA9CB}"/>
+              </a:ext>
+            </a:extLst>
+          </p:cNvPr>
+          <p:cNvSpPr>
+            <a:spLocks noGrp="1"/>
+          </p:cNvSpPr>
+          <p:nvPr>
+            <p:ph idx="1"/>
+          </p:nvPr>
+        </p:nvSpPr>
+        <p:spPr/>
+        <p:txBody>
+          <a:bodyPr/>
+          <a:lstStyle/>
+          <a:p>
+            <a:r>
+              <a:rPr lang="en-US" dirty="0"/>
+              <a:t>COUNTROWS(</a:t>
+            </a:r>
+          </a:p>
+          <a:p>
+            <a:r>
+              <a:rPr lang="en-US" dirty="0"/>
+              <a:t>    SUMMARIZE(</a:t>
+            </a:r>
+          </a:p>
+          <a:p>
+            <a:r>
+              <a:rPr lang="en-US" dirty="0"/>
+              <a:t>        </a:t>
+            </a:r>
+            <a:r>
+              <a:rPr lang="en-US" dirty="0" err="1"/>
+              <a:t>Service_Company_Data</a:t>
+            </a:r>
+            <a:r>
+              <a:rPr lang="en-US" dirty="0"/>
+              <a:t>,</a:t>
+            </a:r>
+          </a:p>
+          <a:p>
+            <a:r>
+              <a:rPr lang="en-US" dirty="0"/>
+              <a:t>        </a:t>
+            </a:r>
+            <a:r>
+              <a:rPr lang="en-US" dirty="0" err="1"/>
+              <a:t>Service_Company_Data</a:t>
+            </a:r>
+            <a:r>
+              <a:rPr lang="en-US" dirty="0"/>
+              <a:t>[</a:t>
+            </a:r>
+            <a:r>
+              <a:rPr lang="en-US" dirty="0" err="1"/>
+              <a:t>Account_Manager</a:t>
+            </a:r>
+            <a:r>
+              <a:rPr lang="en-US" dirty="0"/>
+              <a:t>]</a:t>
+            </a:r>
+          </a:p>
+          <a:p>
+            <a:r>
+              <a:rPr lang="en-US" dirty="0"/>
+              <a:t>    )</a:t>
+            </a:r>
+          </a:p>
+          <a:p>
+            <a:r>
+              <a:rPr lang="en-US" dirty="0"/>
+              <a:t>)</a:t>
+            </a:r>
+          </a:p>
+          <a:p>
+            <a:endParaRPr lang="en-IN" dirty="0"/>
+          </a:p>
+        </p:txBody>
+      </p:sp>
+    </p:spTree>
+    <p:extLst>
+      <p:ext uri="{BB962C8B-B14F-4D97-AF65-F5344CB8AC3E}">
+        <p14:creationId xmlns:p14="http://schemas.microsoft.com/office/powerpoint/2010/main" val="966108394"/>
+      </p:ext>
+    </p:extLst>
+  </p:cSld>
+  <p:clrMapOvr>
+    <a:masterClrMapping/>
+  </p:clrMapOvr>
+</p:sld>
+</file>
+
+<file path=ppt/slides/slide28.xml><?xml version="1.0" encoding="utf-8"?>
+<p:sld xmlns:a="http://schemas.openxmlformats.org/drawingml/2006/main" xmlns:r="http://schemas.openxmlformats.org/officeDocument/2006/relationships" xmlns:p="http://schemas.openxmlformats.org/presentationml/2006/main" show="0">
+  <p:cSld>
+    <p:spTree>
+      <p:nvGrpSpPr>
+        <p:cNvPr id="1" name="">
+          <a:extLst>
+            <a:ext uri="{FF2B5EF4-FFF2-40B4-BE49-F238E27FC236}">
+              <a16:creationId xmlns:a16="http://schemas.microsoft.com/office/drawing/2014/main" id="{48C88548-6545-E4CD-23AB-512A5918AE6B}"/>
+            </a:ext>
+          </a:extLst>
+        </p:cNvPr>
+        <p:cNvGrpSpPr/>
+        <p:nvPr/>
+      </p:nvGrpSpPr>
+      <p:grpSpPr>
+        <a:xfrm>
+          <a:off x="0" y="0"/>
+          <a:ext cx="0" cy="0"/>
+          <a:chOff x="0" y="0"/>
+          <a:chExt cx="0" cy="0"/>
+        </a:xfrm>
+      </p:grpSpPr>
+      <p:sp>
+        <p:nvSpPr>
+          <p:cNvPr id="2" name="Title 1">
+            <a:extLst>
+              <a:ext uri="{FF2B5EF4-FFF2-40B4-BE49-F238E27FC236}">
+                <a16:creationId xmlns:a16="http://schemas.microsoft.com/office/drawing/2014/main" id="{7A03B3F3-DA57-B068-9A26-34CFE13B5AF9}"/>
+              </a:ext>
+            </a:extLst>
+          </p:cNvPr>
+          <p:cNvSpPr>
+            <a:spLocks noGrp="1"/>
+          </p:cNvSpPr>
+          <p:nvPr>
+            <p:ph type="ctrTitle"/>
+          </p:nvPr>
+        </p:nvSpPr>
+        <p:spPr/>
+        <p:txBody>
+          <a:bodyPr/>
+          <a:lstStyle/>
+          <a:p>
+            <a:r>
+              <a:rPr lang="en-IN" dirty="0"/>
+              <a:t>Calculated Columns</a:t>
+            </a:r>
+          </a:p>
+        </p:txBody>
+      </p:sp>
+      <p:sp>
+        <p:nvSpPr>
+          <p:cNvPr id="3" name="Subtitle 2">
+            <a:extLst>
+              <a:ext uri="{FF2B5EF4-FFF2-40B4-BE49-F238E27FC236}">
+                <a16:creationId xmlns:a16="http://schemas.microsoft.com/office/drawing/2014/main" id="{B32910E3-76F9-D4B8-4784-8F5C6EE0C906}"/>
+              </a:ext>
+            </a:extLst>
+          </p:cNvPr>
+          <p:cNvSpPr>
+            <a:spLocks noGrp="1"/>
+          </p:cNvSpPr>
+          <p:nvPr>
+            <p:ph type="subTitle" idx="1"/>
+          </p:nvPr>
+        </p:nvSpPr>
+        <p:spPr/>
+        <p:txBody>
+          <a:bodyPr/>
+          <a:lstStyle/>
+          <a:p>
+            <a:endParaRPr lang="en-IN"/>
+          </a:p>
+        </p:txBody>
+      </p:sp>
+    </p:spTree>
+    <p:extLst>
+      <p:ext uri="{BB962C8B-B14F-4D97-AF65-F5344CB8AC3E}">
+        <p14:creationId xmlns:p14="http://schemas.microsoft.com/office/powerpoint/2010/main" val="969874209"/>
+      </p:ext>
+    </p:extLst>
+  </p:cSld>
+  <p:clrMapOvr>
+    <a:masterClrMapping/>
+  </p:clrMapOvr>
+</p:sld>
+</file>
+
+<file path=ppt/slides/slide29.xml><?xml version="1.0" encoding="utf-8"?>
+<p:sld xmlns:a="http://schemas.openxmlformats.org/drawingml/2006/main" xmlns:r="http://schemas.openxmlformats.org/officeDocument/2006/relationships" xmlns:p="http://schemas.openxmlformats.org/presentationml/2006/main" show="0">
+  <p:cSld>
+    <p:spTree>
+      <p:nvGrpSpPr>
+        <p:cNvPr id="1" name=""/>
+        <p:cNvGrpSpPr/>
+        <p:nvPr/>
+      </p:nvGrpSpPr>
+      <p:grpSpPr>
+        <a:xfrm>
+          <a:off x="0" y="0"/>
+          <a:ext cx="0" cy="0"/>
+          <a:chOff x="0" y="0"/>
+          <a:chExt cx="0" cy="0"/>
+        </a:xfrm>
+      </p:grpSpPr>
+      <p:sp>
+        <p:nvSpPr>
+          <p:cNvPr id="2" name="Title 1">
+            <a:extLst>
+              <a:ext uri="{FF2B5EF4-FFF2-40B4-BE49-F238E27FC236}">
+                <a16:creationId xmlns:a16="http://schemas.microsoft.com/office/drawing/2014/main" id="{F4D88990-E9CC-6657-FEC1-28CCB58C92E9}"/>
+              </a:ext>
+            </a:extLst>
+          </p:cNvPr>
+          <p:cNvSpPr>
+            <a:spLocks noGrp="1"/>
+          </p:cNvSpPr>
+          <p:nvPr>
+            <p:ph type="title"/>
+          </p:nvPr>
+        </p:nvSpPr>
+        <p:spPr/>
+        <p:txBody>
+          <a:bodyPr/>
+          <a:lstStyle/>
+          <a:p>
+            <a:r>
+              <a:rPr lang="en-IN" dirty="0"/>
+              <a:t>Auto Renewal Icon</a:t>
+            </a:r>
+          </a:p>
+        </p:txBody>
+      </p:sp>
+      <p:sp>
+        <p:nvSpPr>
+          <p:cNvPr id="3" name="Content Placeholder 2">
+            <a:extLst>
+              <a:ext uri="{FF2B5EF4-FFF2-40B4-BE49-F238E27FC236}">
+                <a16:creationId xmlns:a16="http://schemas.microsoft.com/office/drawing/2014/main" id="{75F85ACB-3901-F66E-1658-153C24D7318E}"/>
+              </a:ext>
+            </a:extLst>
+          </p:cNvPr>
+          <p:cNvSpPr>
+            <a:spLocks noGrp="1"/>
+          </p:cNvSpPr>
+          <p:nvPr>
+            <p:ph idx="1"/>
+          </p:nvPr>
+        </p:nvSpPr>
+        <p:spPr/>
+        <p:txBody>
+          <a:bodyPr>
+            <a:normAutofit lnSpcReduction="10000"/>
+          </a:bodyPr>
+          <a:lstStyle/>
+          <a:p>
+            <a:r>
+              <a:rPr lang="en-IN" dirty="0"/>
+              <a:t>VAR </a:t>
+            </a:r>
+            <a:r>
+              <a:rPr lang="en-IN" dirty="0" err="1"/>
+              <a:t>IsAutoRenewal</a:t>
+            </a:r>
+            <a:r>
+              <a:rPr lang="en-IN" dirty="0"/>
+              <a:t> = </a:t>
+            </a:r>
+            <a:r>
+              <a:rPr lang="en-IN" dirty="0" err="1"/>
+              <a:t>Service_Company_Data</a:t>
+            </a:r>
+            <a:r>
+              <a:rPr lang="en-IN" dirty="0"/>
+              <a:t>[</a:t>
+            </a:r>
+            <a:r>
+              <a:rPr lang="en-IN" dirty="0" err="1"/>
+              <a:t>Is_Auto_Renewal</a:t>
+            </a:r>
+            <a:r>
+              <a:rPr lang="en-IN" dirty="0"/>
+              <a:t>] </a:t>
+            </a:r>
+          </a:p>
+          <a:p>
+            <a:r>
+              <a:rPr lang="en-IN" dirty="0"/>
+              <a:t>RETURN</a:t>
+            </a:r>
+          </a:p>
+          <a:p>
+            <a:r>
+              <a:rPr lang="en-IN" dirty="0"/>
+              <a:t>SWITCH(</a:t>
+            </a:r>
+          </a:p>
+          <a:p>
+            <a:r>
+              <a:rPr lang="en-IN" dirty="0"/>
+              <a:t>    TRUE(),</a:t>
+            </a:r>
+          </a:p>
+          <a:p>
+            <a:r>
+              <a:rPr lang="en-IN" dirty="0"/>
+              <a:t>    </a:t>
+            </a:r>
+            <a:r>
+              <a:rPr lang="en-IN" dirty="0" err="1"/>
+              <a:t>IsAutoRenewal</a:t>
+            </a:r>
+            <a:r>
+              <a:rPr lang="en-IN" dirty="0"/>
+              <a:t> = TRUE(), "✅",  // Green check</a:t>
+            </a:r>
+          </a:p>
+          <a:p>
+            <a:r>
+              <a:rPr lang="en-IN" dirty="0"/>
+              <a:t>    </a:t>
+            </a:r>
+            <a:r>
+              <a:rPr lang="en-IN" dirty="0" err="1"/>
+              <a:t>IsAutoRenewal</a:t>
+            </a:r>
+            <a:r>
+              <a:rPr lang="en-IN" dirty="0"/>
+              <a:t> = FALSE(), "❌",  // Red X</a:t>
+            </a:r>
+          </a:p>
+          <a:p>
+            <a:r>
+              <a:rPr lang="en-IN" dirty="0"/>
+              <a:t>    "⏺️"  // Gray circle for blanks/unknown</a:t>
+            </a:r>
+          </a:p>
+          <a:p>
+            <a:r>
+              <a:rPr lang="en-IN" dirty="0"/>
+              <a:t>)</a:t>
+            </a:r>
+          </a:p>
+          <a:p>
+            <a:endParaRPr lang="en-IN" dirty="0"/>
+          </a:p>
+        </p:txBody>
+      </p:sp>
+    </p:spTree>
+    <p:extLst>
+      <p:ext uri="{BB962C8B-B14F-4D97-AF65-F5344CB8AC3E}">
+        <p14:creationId xmlns:p14="http://schemas.microsoft.com/office/powerpoint/2010/main" val="24548468"/>
+      </p:ext>
+    </p:extLst>
+  </p:cSld>
+  <p:clrMapOvr>
+    <a:masterClrMapping/>
+  </p:clrMapOvr>
+</p:sld>
+</file>
+
 <file path=ppt/slides/slide3.xml><?xml version="1.0" encoding="utf-8"?>
 <p:sld xmlns:a="http://schemas.openxmlformats.org/drawingml/2006/main" xmlns:r="http://schemas.openxmlformats.org/officeDocument/2006/relationships" xmlns:p="http://schemas.openxmlformats.org/presentationml/2006/main">
   <p:cSld>
@@ -9305,7 +13277,7 @@
         </p:xfrm>
         <a:graphic>
           <a:graphicData uri="http://schemas.openxmlformats.org/drawingml/2006/chart">
-            <c:chart xmlns:c="http://schemas.openxmlformats.org/drawingml/2006/chart" xmlns:r="http://schemas.openxmlformats.org/officeDocument/2006/relationships" r:id="rId2"/>
+            <c:chart xmlns:c="http://schemas.openxmlformats.org/drawingml/2006/chart" xmlns:r="http://schemas.openxmlformats.org/officeDocument/2006/relationships" r:id="rId3"/>
           </a:graphicData>
         </a:graphic>
       </p:graphicFrame>
@@ -9324,11 +13296,11 @@
           <p:nvPr/>
         </p:nvPicPr>
         <p:blipFill>
-          <a:blip r:embed="rId3">
+          <a:blip r:embed="rId4">
             <a:extLst>
               <a:ext uri="{BEBA8EAE-BF5A-486C-A8C5-ECC9F3942E4B}">
                 <a14:imgProps xmlns:a14="http://schemas.microsoft.com/office/drawing/2010/main">
-                  <a14:imgLayer r:embed="rId4">
+                  <a14:imgLayer r:embed="rId5">
                     <a14:imgEffect>
                       <a14:artisticMarker/>
                     </a14:imgEffect>
@@ -9339,7 +13311,7 @@
                 <a14:useLocalDpi xmlns:a14="http://schemas.microsoft.com/office/drawing/2010/main" val="0"/>
               </a:ext>
               <a:ext uri="{837473B0-CC2E-450A-ABE3-18F120FF3D39}">
-                <a1611:picAttrSrcUrl xmlns:a1611="http://schemas.microsoft.com/office/drawing/2016/11/main" r:id="rId5"/>
+                <a1611:picAttrSrcUrl xmlns:a1611="http://schemas.microsoft.com/office/drawing/2016/11/main" r:id="rId6"/>
               </a:ext>
             </a:extLst>
           </a:blip>
@@ -9550,6 +13522,14 @@
   <p:clrMapOvr>
     <a:masterClrMapping/>
   </p:clrMapOvr>
+  <mc:AlternateContent xmlns:mc="http://schemas.openxmlformats.org/markup-compatibility/2006" xmlns:p14="http://schemas.microsoft.com/office/powerpoint/2010/main">
+    <mc:Choice Requires="p14">
+      <p:transition spd="slow" p14:dur="2000" advClick="0"/>
+    </mc:Choice>
+    <mc:Fallback xmlns="">
+      <p:transition spd="slow" advClick="0"/>
+    </mc:Fallback>
+  </mc:AlternateContent>
   <p:timing>
     <p:tnLst>
       <p:par>
@@ -9571,7 +13551,7 @@
                             </p:stCondLst>
                             <p:childTnLst>
                               <p:par>
-                                <p:cTn id="5" presetID="42" presetClass="entr" presetSubtype="0" fill="hold" grpId="0" nodeType="clickEffect">
+                                <p:cTn id="5" presetID="10" presetClass="entr" presetSubtype="0" fill="hold" grpId="0" nodeType="clickEffect">
                                   <p:stCondLst>
                                     <p:cond delay="0"/>
                                   </p:stCondLst>
@@ -9579,105 +13559,6 @@
                                     <p:set>
                                       <p:cBhvr>
                                         <p:cTn id="6" dur="1" fill="hold">
-                                          <p:stCondLst>
-                                            <p:cond delay="0"/>
-                                          </p:stCondLst>
-                                        </p:cTn>
-                                        <p:tgtEl>
-                                          <p:spTgt spid="2"/>
-                                        </p:tgtEl>
-                                        <p:attrNameLst>
-                                          <p:attrName>style.visibility</p:attrName>
-                                        </p:attrNameLst>
-                                      </p:cBhvr>
-                                      <p:to>
-                                        <p:strVal val="visible"/>
-                                      </p:to>
-                                    </p:set>
-                                    <p:animEffect transition="in" filter="fade">
-                                      <p:cBhvr>
-                                        <p:cTn id="7" dur="1000"/>
-                                        <p:tgtEl>
-                                          <p:spTgt spid="2"/>
-                                        </p:tgtEl>
-                                      </p:cBhvr>
-                                    </p:animEffect>
-                                    <p:anim calcmode="lin" valueType="num">
-                                      <p:cBhvr>
-                                        <p:cTn id="8" dur="1000" fill="hold"/>
-                                        <p:tgtEl>
-                                          <p:spTgt spid="2"/>
-                                        </p:tgtEl>
-                                        <p:attrNameLst>
-                                          <p:attrName>ppt_x</p:attrName>
-                                        </p:attrNameLst>
-                                      </p:cBhvr>
-                                      <p:tavLst>
-                                        <p:tav tm="0">
-                                          <p:val>
-                                            <p:strVal val="#ppt_x"/>
-                                          </p:val>
-                                        </p:tav>
-                                        <p:tav tm="100000">
-                                          <p:val>
-                                            <p:strVal val="#ppt_x"/>
-                                          </p:val>
-                                        </p:tav>
-                                      </p:tavLst>
-                                    </p:anim>
-                                    <p:anim calcmode="lin" valueType="num">
-                                      <p:cBhvr>
-                                        <p:cTn id="9" dur="1000" fill="hold"/>
-                                        <p:tgtEl>
-                                          <p:spTgt spid="2"/>
-                                        </p:tgtEl>
-                                        <p:attrNameLst>
-                                          <p:attrName>ppt_y</p:attrName>
-                                        </p:attrNameLst>
-                                      </p:cBhvr>
-                                      <p:tavLst>
-                                        <p:tav tm="0">
-                                          <p:val>
-                                            <p:strVal val="#ppt_y+.1"/>
-                                          </p:val>
-                                        </p:tav>
-                                        <p:tav tm="100000">
-                                          <p:val>
-                                            <p:strVal val="#ppt_y"/>
-                                          </p:val>
-                                        </p:tav>
-                                      </p:tavLst>
-                                    </p:anim>
-                                  </p:childTnLst>
-                                </p:cTn>
-                              </p:par>
-                            </p:childTnLst>
-                          </p:cTn>
-                        </p:par>
-                      </p:childTnLst>
-                    </p:cTn>
-                  </p:par>
-                  <p:par>
-                    <p:cTn id="10" fill="hold">
-                      <p:stCondLst>
-                        <p:cond delay="indefinite"/>
-                      </p:stCondLst>
-                      <p:childTnLst>
-                        <p:par>
-                          <p:cTn id="11" fill="hold">
-                            <p:stCondLst>
-                              <p:cond delay="0"/>
-                            </p:stCondLst>
-                            <p:childTnLst>
-                              <p:par>
-                                <p:cTn id="12" presetID="10" presetClass="entr" presetSubtype="0" fill="hold" grpId="0" nodeType="clickEffect">
-                                  <p:stCondLst>
-                                    <p:cond delay="0"/>
-                                  </p:stCondLst>
-                                  <p:childTnLst>
-                                    <p:set>
-                                      <p:cBhvr>
-                                        <p:cTn id="13" dur="1" fill="hold">
                                           <p:stCondLst>
                                             <p:cond delay="0"/>
                                           </p:stCondLst>
@@ -9695,7 +13576,7 @@
                                     </p:set>
                                     <p:animEffect transition="in" filter="fade">
                                       <p:cBhvr>
-                                        <p:cTn id="14" dur="500"/>
+                                        <p:cTn id="7" dur="500"/>
                                         <p:tgtEl>
                                           <p:spTgt spid="6"/>
                                         </p:tgtEl>
@@ -9705,14 +13586,14 @@
                                 </p:cTn>
                               </p:par>
                               <p:par>
-                                <p:cTn id="15" presetID="10" presetClass="entr" presetSubtype="0" fill="hold" nodeType="withEffect">
+                                <p:cTn id="8" presetID="10" presetClass="entr" presetSubtype="0" fill="hold" nodeType="withEffect">
                                   <p:stCondLst>
                                     <p:cond delay="0"/>
                                   </p:stCondLst>
                                   <p:childTnLst>
                                     <p:set>
                                       <p:cBhvr>
-                                        <p:cTn id="16" dur="1" fill="hold">
+                                        <p:cTn id="9" dur="1" fill="hold">
                                           <p:stCondLst>
                                             <p:cond delay="0"/>
                                           </p:stCondLst>
@@ -9730,7 +13611,7 @@
                                     </p:set>
                                     <p:animEffect transition="in" filter="fade">
                                       <p:cBhvr>
-                                        <p:cTn id="17" dur="500"/>
+                                        <p:cTn id="10" dur="500"/>
                                         <p:tgtEl>
                                           <p:spTgt spid="8"/>
                                         </p:tgtEl>
@@ -9740,14 +13621,14 @@
                                 </p:cTn>
                               </p:par>
                               <p:par>
-                                <p:cTn id="18" presetID="10" presetClass="entr" presetSubtype="0" fill="hold" grpId="0" nodeType="withEffect">
+                                <p:cTn id="11" presetID="10" presetClass="entr" presetSubtype="0" fill="hold" grpId="0" nodeType="withEffect">
                                   <p:stCondLst>
                                     <p:cond delay="0"/>
                                   </p:stCondLst>
                                   <p:childTnLst>
                                     <p:set>
                                       <p:cBhvr>
-                                        <p:cTn id="19" dur="1" fill="hold">
+                                        <p:cTn id="12" dur="1" fill="hold">
                                           <p:stCondLst>
                                             <p:cond delay="0"/>
                                           </p:stCondLst>
@@ -9765,7 +13646,7 @@
                                     </p:set>
                                     <p:animEffect transition="in" filter="fade">
                                       <p:cBhvr>
-                                        <p:cTn id="20" dur="500"/>
+                                        <p:cTn id="13" dur="500"/>
                                         <p:tgtEl>
                                           <p:spTgt spid="9"/>
                                         </p:tgtEl>
@@ -9781,26 +13662,26 @@
                     </p:cTn>
                   </p:par>
                   <p:par>
-                    <p:cTn id="21" fill="hold">
+                    <p:cTn id="14" fill="hold">
                       <p:stCondLst>
                         <p:cond delay="indefinite"/>
                       </p:stCondLst>
                       <p:childTnLst>
                         <p:par>
-                          <p:cTn id="22" fill="hold">
+                          <p:cTn id="15" fill="hold">
                             <p:stCondLst>
                               <p:cond delay="0"/>
                             </p:stCondLst>
                             <p:childTnLst>
                               <p:par>
-                                <p:cTn id="23" presetID="10" presetClass="entr" presetSubtype="0" fill="hold" grpId="0" nodeType="clickEffect">
+                                <p:cTn id="16" presetID="10" presetClass="entr" presetSubtype="0" fill="hold" grpId="0" nodeType="clickEffect">
                                   <p:stCondLst>
                                     <p:cond delay="0"/>
                                   </p:stCondLst>
                                   <p:childTnLst>
                                     <p:set>
                                       <p:cBhvr>
-                                        <p:cTn id="24" dur="1" fill="hold">
+                                        <p:cTn id="17" dur="1" fill="hold">
                                           <p:stCondLst>
                                             <p:cond delay="0"/>
                                           </p:stCondLst>
@@ -9818,7 +13699,7 @@
                                     </p:set>
                                     <p:animEffect transition="in" filter="fade">
                                       <p:cBhvr>
-                                        <p:cTn id="25" dur="500"/>
+                                        <p:cTn id="18" dur="500"/>
                                         <p:tgtEl>
                                           <p:spTgt spid="10"/>
                                         </p:tgtEl>
@@ -9834,26 +13715,26 @@
                     </p:cTn>
                   </p:par>
                   <p:par>
-                    <p:cTn id="26" fill="hold">
+                    <p:cTn id="19" fill="hold">
                       <p:stCondLst>
                         <p:cond delay="indefinite"/>
                       </p:stCondLst>
                       <p:childTnLst>
                         <p:par>
-                          <p:cTn id="27" fill="hold">
+                          <p:cTn id="20" fill="hold">
                             <p:stCondLst>
                               <p:cond delay="0"/>
                             </p:stCondLst>
                             <p:childTnLst>
                               <p:par>
-                                <p:cTn id="28" presetID="10" presetClass="entr" presetSubtype="0" fill="hold" grpId="0" nodeType="clickEffect">
+                                <p:cTn id="21" presetID="10" presetClass="entr" presetSubtype="0" fill="hold" grpId="0" nodeType="clickEffect">
                                   <p:stCondLst>
                                     <p:cond delay="0"/>
                                   </p:stCondLst>
                                   <p:childTnLst>
                                     <p:set>
                                       <p:cBhvr>
-                                        <p:cTn id="29" dur="1" fill="hold">
+                                        <p:cTn id="22" dur="1" fill="hold">
                                           <p:stCondLst>
                                             <p:cond delay="0"/>
                                           </p:stCondLst>
@@ -9871,7 +13752,7 @@
                                     </p:set>
                                     <p:animEffect transition="in" filter="fade">
                                       <p:cBhvr>
-                                        <p:cTn id="30" dur="500"/>
+                                        <p:cTn id="23" dur="500"/>
                                         <p:tgtEl>
                                           <p:spTgt spid="11"/>
                                         </p:tgtEl>
@@ -9908,7 +13789,6 @@
       </p:par>
     </p:tnLst>
     <p:bldLst>
-      <p:bldP spid="2" grpId="0"/>
       <p:bldGraphic spid="6" grpId="0">
         <p:bldAsOne/>
       </p:bldGraphic>
@@ -9917,6 +13797,240 @@
       <p:bldP spid="11" grpId="0" animBg="1"/>
     </p:bldLst>
   </p:timing>
+</p:sld>
+</file>
+
+<file path=ppt/slides/slide30.xml><?xml version="1.0" encoding="utf-8"?>
+<p:sld xmlns:a="http://schemas.openxmlformats.org/drawingml/2006/main" xmlns:r="http://schemas.openxmlformats.org/officeDocument/2006/relationships" xmlns:p="http://schemas.openxmlformats.org/presentationml/2006/main" show="0">
+  <p:cSld>
+    <p:spTree>
+      <p:nvGrpSpPr>
+        <p:cNvPr id="1" name=""/>
+        <p:cNvGrpSpPr/>
+        <p:nvPr/>
+      </p:nvGrpSpPr>
+      <p:grpSpPr>
+        <a:xfrm>
+          <a:off x="0" y="0"/>
+          <a:ext cx="0" cy="0"/>
+          <a:chOff x="0" y="0"/>
+          <a:chExt cx="0" cy="0"/>
+        </a:xfrm>
+      </p:grpSpPr>
+      <p:sp>
+        <p:nvSpPr>
+          <p:cNvPr id="2" name="Title 1">
+            <a:extLst>
+              <a:ext uri="{FF2B5EF4-FFF2-40B4-BE49-F238E27FC236}">
+                <a16:creationId xmlns:a16="http://schemas.microsoft.com/office/drawing/2014/main" id="{4D48410E-12B5-297C-02BC-F24F006AB7CA}"/>
+              </a:ext>
+            </a:extLst>
+          </p:cNvPr>
+          <p:cNvSpPr>
+            <a:spLocks noGrp="1"/>
+          </p:cNvSpPr>
+          <p:nvPr>
+            <p:ph type="title"/>
+          </p:nvPr>
+        </p:nvSpPr>
+        <p:spPr/>
+        <p:txBody>
+          <a:bodyPr/>
+          <a:lstStyle/>
+          <a:p>
+            <a:r>
+              <a:rPr lang="en-US" dirty="0"/>
+              <a:t>Churn Risk Flag</a:t>
+            </a:r>
+            <a:endParaRPr lang="en-IN" dirty="0"/>
+          </a:p>
+        </p:txBody>
+      </p:sp>
+      <p:sp>
+        <p:nvSpPr>
+          <p:cNvPr id="3" name="Content Placeholder 2">
+            <a:extLst>
+              <a:ext uri="{FF2B5EF4-FFF2-40B4-BE49-F238E27FC236}">
+                <a16:creationId xmlns:a16="http://schemas.microsoft.com/office/drawing/2014/main" id="{4422291E-311F-6710-F446-084BE4667DBC}"/>
+              </a:ext>
+            </a:extLst>
+          </p:cNvPr>
+          <p:cNvSpPr>
+            <a:spLocks noGrp="1"/>
+          </p:cNvSpPr>
+          <p:nvPr>
+            <p:ph idx="1"/>
+          </p:nvPr>
+        </p:nvSpPr>
+        <p:spPr/>
+        <p:txBody>
+          <a:bodyPr>
+            <a:normAutofit fontScale="47500" lnSpcReduction="20000"/>
+          </a:bodyPr>
+          <a:lstStyle/>
+          <a:p>
+            <a:r>
+              <a:rPr lang="en-US" dirty="0"/>
+              <a:t>SWITCH(</a:t>
+            </a:r>
+          </a:p>
+          <a:p>
+            <a:r>
+              <a:rPr lang="en-US" dirty="0"/>
+              <a:t>    TRUE(),</a:t>
+            </a:r>
+          </a:p>
+          <a:p>
+            <a:r>
+              <a:rPr lang="en-US" dirty="0"/>
+              <a:t>    // Highest Priority: Paused or Cancelled</a:t>
+            </a:r>
+          </a:p>
+          <a:p>
+            <a:r>
+              <a:rPr lang="en-US" dirty="0"/>
+              <a:t>    '</a:t>
+            </a:r>
+            <a:r>
+              <a:rPr lang="en-US" dirty="0" err="1"/>
+              <a:t>Service_Company_Data</a:t>
+            </a:r>
+            <a:r>
+              <a:rPr lang="en-US" dirty="0"/>
+              <a:t>'[Status] = "Paused" || '</a:t>
+            </a:r>
+            <a:r>
+              <a:rPr lang="en-US" dirty="0" err="1"/>
+              <a:t>Service_Company_Data</a:t>
+            </a:r>
+            <a:r>
+              <a:rPr lang="en-US" dirty="0"/>
+              <a:t>'[Status] = "Cancelled", "Review Terms",</a:t>
+            </a:r>
+          </a:p>
+          <a:p>
+            <a:br>
+              <a:rPr lang="en-US" dirty="0"/>
+            </a:br>
+            <a:r>
+              <a:rPr lang="en-US" dirty="0"/>
+              <a:t>    // Second Priority: Active and End Date is not blank</a:t>
+            </a:r>
+          </a:p>
+          <a:p>
+            <a:r>
+              <a:rPr lang="en-US" dirty="0"/>
+              <a:t>    '</a:t>
+            </a:r>
+            <a:r>
+              <a:rPr lang="en-US" dirty="0" err="1"/>
+              <a:t>Service_Company_Data</a:t>
+            </a:r>
+            <a:r>
+              <a:rPr lang="en-US" dirty="0"/>
+              <a:t>'[Status] = "Active" &amp;&amp; NOT ISBLANK('</a:t>
+            </a:r>
+            <a:r>
+              <a:rPr lang="en-US" dirty="0" err="1"/>
+              <a:t>Service_Company_Data</a:t>
+            </a:r>
+            <a:r>
+              <a:rPr lang="en-US" dirty="0"/>
+              <a:t>'[</a:t>
+            </a:r>
+            <a:r>
+              <a:rPr lang="en-US" dirty="0" err="1"/>
+              <a:t>End_Date</a:t>
+            </a:r>
+            <a:r>
+              <a:rPr lang="en-US" dirty="0"/>
+              <a:t>]), "Active / Contract Ending Soon",</a:t>
+            </a:r>
+          </a:p>
+          <a:p>
+            <a:br>
+              <a:rPr lang="en-US" dirty="0"/>
+            </a:br>
+            <a:r>
+              <a:rPr lang="en-US" dirty="0"/>
+              <a:t>    // Third Priority: Completed and End Date is blank (potential data issue)</a:t>
+            </a:r>
+          </a:p>
+          <a:p>
+            <a:r>
+              <a:rPr lang="en-US" dirty="0"/>
+              <a:t>    '</a:t>
+            </a:r>
+            <a:r>
+              <a:rPr lang="en-US" dirty="0" err="1"/>
+              <a:t>Service_Company_Data</a:t>
+            </a:r>
+            <a:r>
+              <a:rPr lang="en-US" dirty="0"/>
+              <a:t>'[Status] = "Completed" &amp;&amp; ISBLANK('</a:t>
+            </a:r>
+            <a:r>
+              <a:rPr lang="en-US" dirty="0" err="1"/>
+              <a:t>Service_Company_Data</a:t>
+            </a:r>
+            <a:r>
+              <a:rPr lang="en-US" dirty="0"/>
+              <a:t>'[</a:t>
+            </a:r>
+            <a:r>
+              <a:rPr lang="en-US" dirty="0" err="1"/>
+              <a:t>End_Date</a:t>
+            </a:r>
+            <a:r>
+              <a:rPr lang="en-US" dirty="0"/>
+              <a:t>]), "Completed (Possible Data Anomaly)",</a:t>
+            </a:r>
+          </a:p>
+          <a:p>
+            <a:br>
+              <a:rPr lang="en-US" dirty="0"/>
+            </a:br>
+            <a:r>
+              <a:rPr lang="en-US" dirty="0"/>
+              <a:t>    // Default: All other cases (e.g., Active without End Date, or other statuses not explicitly handled)</a:t>
+            </a:r>
+          </a:p>
+          <a:p>
+            <a:r>
+              <a:rPr lang="en-US" dirty="0"/>
+              <a:t>    "Active Status / Contract Ending"</a:t>
+            </a:r>
+          </a:p>
+          <a:p>
+            <a:r>
+              <a:rPr lang="en-US" dirty="0"/>
+              <a:t>)</a:t>
+            </a:r>
+          </a:p>
+          <a:p>
+            <a:br>
+              <a:rPr lang="en-US" dirty="0"/>
+            </a:br>
+            <a:br>
+              <a:rPr lang="en-US" dirty="0"/>
+            </a:br>
+            <a:endParaRPr lang="en-US" dirty="0"/>
+          </a:p>
+          <a:p>
+            <a:endParaRPr lang="en-IN" dirty="0"/>
+          </a:p>
+        </p:txBody>
+      </p:sp>
+    </p:spTree>
+    <p:extLst>
+      <p:ext uri="{BB962C8B-B14F-4D97-AF65-F5344CB8AC3E}">
+        <p14:creationId xmlns:p14="http://schemas.microsoft.com/office/powerpoint/2010/main" val="2787956823"/>
+      </p:ext>
+    </p:extLst>
+  </p:cSld>
+  <p:clrMapOvr>
+    <a:masterClrMapping/>
+  </p:clrMapOvr>
 </p:sld>
 </file>
 
@@ -10244,7 +14358,7 @@
                             </p:stCondLst>
                             <p:childTnLst>
                               <p:par>
-                                <p:cTn id="5" presetID="16" presetClass="entr" presetSubtype="21" fill="hold" grpId="0" nodeType="clickEffect">
+                                <p:cTn id="5" presetID="22" presetClass="entr" presetSubtype="4" fill="hold" grpId="0" nodeType="clickEffect">
                                   <p:stCondLst>
                                     <p:cond delay="0"/>
                                   </p:stCondLst>
@@ -10257,7 +14371,7 @@
                                           </p:stCondLst>
                                         </p:cTn>
                                         <p:tgtEl>
-                                          <p:spTgt spid="2"/>
+                                          <p:spTgt spid="4"/>
                                         </p:tgtEl>
                                         <p:attrNameLst>
                                           <p:attrName>style.visibility</p:attrName>
@@ -10267,11 +14381,11 @@
                                         <p:strVal val="visible"/>
                                       </p:to>
                                     </p:set>
-                                    <p:animEffect transition="in" filter="barn(inVertical)">
+                                    <p:animEffect transition="in" filter="wipe(down)">
                                       <p:cBhvr>
                                         <p:cTn id="7" dur="500"/>
                                         <p:tgtEl>
-                                          <p:spTgt spid="2"/>
+                                          <p:spTgt spid="4"/>
                                         </p:tgtEl>
                                       </p:cBhvr>
                                     </p:animEffect>
@@ -10298,1377 +14412,6 @@
                             <p:childTnLst>
                               <p:par>
                                 <p:cTn id="10" presetID="22" presetClass="entr" presetSubtype="4" fill="hold" grpId="0" nodeType="clickEffect">
-                                  <p:stCondLst>
-                                    <p:cond delay="0"/>
-                                  </p:stCondLst>
-                                  <p:childTnLst>
-                                    <p:set>
-                                      <p:cBhvr>
-                                        <p:cTn id="11" dur="1" fill="hold">
-                                          <p:stCondLst>
-                                            <p:cond delay="0"/>
-                                          </p:stCondLst>
-                                        </p:cTn>
-                                        <p:tgtEl>
-                                          <p:spTgt spid="4"/>
-                                        </p:tgtEl>
-                                        <p:attrNameLst>
-                                          <p:attrName>style.visibility</p:attrName>
-                                        </p:attrNameLst>
-                                      </p:cBhvr>
-                                      <p:to>
-                                        <p:strVal val="visible"/>
-                                      </p:to>
-                                    </p:set>
-                                    <p:animEffect transition="in" filter="wipe(down)">
-                                      <p:cBhvr>
-                                        <p:cTn id="12" dur="500"/>
-                                        <p:tgtEl>
-                                          <p:spTgt spid="4"/>
-                                        </p:tgtEl>
-                                      </p:cBhvr>
-                                    </p:animEffect>
-                                  </p:childTnLst>
-                                </p:cTn>
-                              </p:par>
-                            </p:childTnLst>
-                          </p:cTn>
-                        </p:par>
-                      </p:childTnLst>
-                    </p:cTn>
-                  </p:par>
-                  <p:par>
-                    <p:cTn id="13" fill="hold">
-                      <p:stCondLst>
-                        <p:cond delay="indefinite"/>
-                      </p:stCondLst>
-                      <p:childTnLst>
-                        <p:par>
-                          <p:cTn id="14" fill="hold">
-                            <p:stCondLst>
-                              <p:cond delay="0"/>
-                            </p:stCondLst>
-                            <p:childTnLst>
-                              <p:par>
-                                <p:cTn id="15" presetID="22" presetClass="entr" presetSubtype="4" fill="hold" grpId="0" nodeType="clickEffect">
-                                  <p:stCondLst>
-                                    <p:cond delay="0"/>
-                                  </p:stCondLst>
-                                  <p:childTnLst>
-                                    <p:set>
-                                      <p:cBhvr>
-                                        <p:cTn id="16" dur="1" fill="hold">
-                                          <p:stCondLst>
-                                            <p:cond delay="0"/>
-                                          </p:stCondLst>
-                                        </p:cTn>
-                                        <p:tgtEl>
-                                          <p:spTgt spid="5"/>
-                                        </p:tgtEl>
-                                        <p:attrNameLst>
-                                          <p:attrName>style.visibility</p:attrName>
-                                        </p:attrNameLst>
-                                      </p:cBhvr>
-                                      <p:to>
-                                        <p:strVal val="visible"/>
-                                      </p:to>
-                                    </p:set>
-                                    <p:animEffect transition="in" filter="wipe(down)">
-                                      <p:cBhvr>
-                                        <p:cTn id="17" dur="500"/>
-                                        <p:tgtEl>
-                                          <p:spTgt spid="5"/>
-                                        </p:tgtEl>
-                                      </p:cBhvr>
-                                    </p:animEffect>
-                                  </p:childTnLst>
-                                </p:cTn>
-                              </p:par>
-                            </p:childTnLst>
-                          </p:cTn>
-                        </p:par>
-                      </p:childTnLst>
-                    </p:cTn>
-                  </p:par>
-                  <p:par>
-                    <p:cTn id="18" fill="hold">
-                      <p:stCondLst>
-                        <p:cond delay="indefinite"/>
-                      </p:stCondLst>
-                      <p:childTnLst>
-                        <p:par>
-                          <p:cTn id="19" fill="hold">
-                            <p:stCondLst>
-                              <p:cond delay="0"/>
-                            </p:stCondLst>
-                            <p:childTnLst>
-                              <p:par>
-                                <p:cTn id="20" presetID="22" presetClass="entr" presetSubtype="4" fill="hold" grpId="0" nodeType="clickEffect">
-                                  <p:stCondLst>
-                                    <p:cond delay="0"/>
-                                  </p:stCondLst>
-                                  <p:childTnLst>
-                                    <p:set>
-                                      <p:cBhvr>
-                                        <p:cTn id="21" dur="1" fill="hold">
-                                          <p:stCondLst>
-                                            <p:cond delay="0"/>
-                                          </p:stCondLst>
-                                        </p:cTn>
-                                        <p:tgtEl>
-                                          <p:spTgt spid="6"/>
-                                        </p:tgtEl>
-                                        <p:attrNameLst>
-                                          <p:attrName>style.visibility</p:attrName>
-                                        </p:attrNameLst>
-                                      </p:cBhvr>
-                                      <p:to>
-                                        <p:strVal val="visible"/>
-                                      </p:to>
-                                    </p:set>
-                                    <p:animEffect transition="in" filter="wipe(down)">
-                                      <p:cBhvr>
-                                        <p:cTn id="22" dur="500"/>
-                                        <p:tgtEl>
-                                          <p:spTgt spid="6"/>
-                                        </p:tgtEl>
-                                      </p:cBhvr>
-                                    </p:animEffect>
-                                  </p:childTnLst>
-                                </p:cTn>
-                              </p:par>
-                            </p:childTnLst>
-                          </p:cTn>
-                        </p:par>
-                      </p:childTnLst>
-                    </p:cTn>
-                  </p:par>
-                  <p:par>
-                    <p:cTn id="23" fill="hold">
-                      <p:stCondLst>
-                        <p:cond delay="indefinite"/>
-                      </p:stCondLst>
-                      <p:childTnLst>
-                        <p:par>
-                          <p:cTn id="24" fill="hold">
-                            <p:stCondLst>
-                              <p:cond delay="0"/>
-                            </p:stCondLst>
-                            <p:childTnLst>
-                              <p:par>
-                                <p:cTn id="25" presetID="1" presetClass="entr" presetSubtype="0" fill="hold" grpId="0" nodeType="clickEffect">
-                                  <p:stCondLst>
-                                    <p:cond delay="0"/>
-                                  </p:stCondLst>
-                                  <p:childTnLst>
-                                    <p:set>
-                                      <p:cBhvr>
-                                        <p:cTn id="26" dur="1" fill="hold">
-                                          <p:stCondLst>
-                                            <p:cond delay="0"/>
-                                          </p:stCondLst>
-                                        </p:cTn>
-                                        <p:tgtEl>
-                                          <p:spTgt spid="7"/>
-                                        </p:tgtEl>
-                                        <p:attrNameLst>
-                                          <p:attrName>style.visibility</p:attrName>
-                                        </p:attrNameLst>
-                                      </p:cBhvr>
-                                      <p:to>
-                                        <p:strVal val="visible"/>
-                                      </p:to>
-                                    </p:set>
-                                  </p:childTnLst>
-                                </p:cTn>
-                              </p:par>
-                            </p:childTnLst>
-                          </p:cTn>
-                        </p:par>
-                      </p:childTnLst>
-                    </p:cTn>
-                  </p:par>
-                </p:childTnLst>
-              </p:cTn>
-              <p:prevCondLst>
-                <p:cond evt="onPrev" delay="0">
-                  <p:tgtEl>
-                    <p:sldTgt/>
-                  </p:tgtEl>
-                </p:cond>
-              </p:prevCondLst>
-              <p:nextCondLst>
-                <p:cond evt="onNext" delay="0">
-                  <p:tgtEl>
-                    <p:sldTgt/>
-                  </p:tgtEl>
-                </p:cond>
-              </p:nextCondLst>
-            </p:seq>
-          </p:childTnLst>
-        </p:cTn>
-      </p:par>
-    </p:tnLst>
-    <p:bldLst>
-      <p:bldP spid="2" grpId="0"/>
-      <p:bldP spid="4" grpId="0" animBg="1"/>
-      <p:bldP spid="5" grpId="0" animBg="1"/>
-      <p:bldP spid="6" grpId="0" animBg="1"/>
-      <p:bldP spid="7" grpId="0" animBg="1"/>
-    </p:bldLst>
-  </p:timing>
-</p:sld>
-</file>
-
-<file path=ppt/slides/slide5.xml><?xml version="1.0" encoding="utf-8"?>
-<p:sld xmlns:a="http://schemas.openxmlformats.org/drawingml/2006/main" xmlns:r="http://schemas.openxmlformats.org/officeDocument/2006/relationships" xmlns:p="http://schemas.openxmlformats.org/presentationml/2006/main">
-  <p:cSld>
-    <p:spTree>
-      <p:nvGrpSpPr>
-        <p:cNvPr id="1" name=""/>
-        <p:cNvGrpSpPr/>
-        <p:nvPr/>
-      </p:nvGrpSpPr>
-      <p:grpSpPr>
-        <a:xfrm>
-          <a:off x="0" y="0"/>
-          <a:ext cx="0" cy="0"/>
-          <a:chOff x="0" y="0"/>
-          <a:chExt cx="0" cy="0"/>
-        </a:xfrm>
-      </p:grpSpPr>
-      <p:sp>
-        <p:nvSpPr>
-          <p:cNvPr id="2" name="Title 1">
-            <a:extLst>
-              <a:ext uri="{FF2B5EF4-FFF2-40B4-BE49-F238E27FC236}">
-                <a16:creationId xmlns:a16="http://schemas.microsoft.com/office/drawing/2014/main" id="{EAF6915D-3BDA-5961-AE16-C64B204F7A79}"/>
-              </a:ext>
-            </a:extLst>
-          </p:cNvPr>
-          <p:cNvSpPr>
-            <a:spLocks noGrp="1"/>
-          </p:cNvSpPr>
-          <p:nvPr>
-            <p:ph type="title"/>
-          </p:nvPr>
-        </p:nvSpPr>
-        <p:spPr/>
-        <p:txBody>
-          <a:bodyPr/>
-          <a:lstStyle/>
-          <a:p>
-            <a:r>
-              <a:rPr lang="en-IN" dirty="0"/>
-              <a:t>The Churn</a:t>
-            </a:r>
-          </a:p>
-        </p:txBody>
-      </p:sp>
-      <p:pic>
-        <p:nvPicPr>
-          <p:cNvPr id="5" name="Picture 4">
-            <a:extLst>
-              <a:ext uri="{FF2B5EF4-FFF2-40B4-BE49-F238E27FC236}">
-                <a16:creationId xmlns:a16="http://schemas.microsoft.com/office/drawing/2014/main" id="{777C3CD3-6CC6-89CD-F270-8479F0BBAA74}"/>
-              </a:ext>
-            </a:extLst>
-          </p:cNvPr>
-          <p:cNvPicPr>
-            <a:picLocks noChangeAspect="1"/>
-          </p:cNvPicPr>
-          <p:nvPr/>
-        </p:nvPicPr>
-        <p:blipFill>
-          <a:blip r:embed="rId2">
-            <a:extLst>
-              <a:ext uri="{BEBA8EAE-BF5A-486C-A8C5-ECC9F3942E4B}">
-                <a14:imgProps xmlns:a14="http://schemas.microsoft.com/office/drawing/2010/main">
-                  <a14:imgLayer r:embed="rId3">
-                    <a14:imgEffect>
-                      <a14:artisticBlur/>
-                    </a14:imgEffect>
-                  </a14:imgLayer>
-                </a14:imgProps>
-              </a:ext>
-              <a:ext uri="{28A0092B-C50C-407E-A947-70E740481C1C}">
-                <a14:useLocalDpi xmlns:a14="http://schemas.microsoft.com/office/drawing/2010/main" val="0"/>
-              </a:ext>
-            </a:extLst>
-          </a:blip>
-          <a:stretch>
-            <a:fillRect/>
-          </a:stretch>
-        </p:blipFill>
-        <p:spPr>
-          <a:xfrm>
-            <a:off x="1637016" y="2086521"/>
-            <a:ext cx="8917968" cy="958899"/>
-          </a:xfrm>
-          <a:prstGeom prst="rect">
-            <a:avLst/>
-          </a:prstGeom>
-        </p:spPr>
-      </p:pic>
-      <p:sp>
-        <p:nvSpPr>
-          <p:cNvPr id="6" name="Rectangle 5">
-            <a:extLst>
-              <a:ext uri="{FF2B5EF4-FFF2-40B4-BE49-F238E27FC236}">
-                <a16:creationId xmlns:a16="http://schemas.microsoft.com/office/drawing/2014/main" id="{8CE9339E-D208-7483-C2A1-416A6C0C5F9D}"/>
-              </a:ext>
-            </a:extLst>
-          </p:cNvPr>
-          <p:cNvSpPr/>
-          <p:nvPr/>
-        </p:nvSpPr>
-        <p:spPr>
-          <a:xfrm>
-            <a:off x="1078786" y="3667874"/>
-            <a:ext cx="10275013" cy="914400"/>
-          </a:xfrm>
-          <a:prstGeom prst="rect">
-            <a:avLst/>
-          </a:prstGeom>
-          <a:noFill/>
-          <a:ln>
-            <a:solidFill>
-              <a:srgbClr val="FFC107"/>
-            </a:solidFill>
-          </a:ln>
-        </p:spPr>
-        <p:style>
-          <a:lnRef idx="2">
-            <a:schemeClr val="accent1">
-              <a:shade val="15000"/>
-            </a:schemeClr>
-          </a:lnRef>
-          <a:fillRef idx="1">
-            <a:schemeClr val="accent1"/>
-          </a:fillRef>
-          <a:effectRef idx="0">
-            <a:schemeClr val="accent1"/>
-          </a:effectRef>
-          <a:fontRef idx="minor">
-            <a:schemeClr val="lt1"/>
-          </a:fontRef>
-        </p:style>
-        <p:txBody>
-          <a:bodyPr rtlCol="0" anchor="ctr"/>
-          <a:lstStyle/>
-          <a:p>
-            <a:pPr algn="ctr"/>
-            <a:r>
-              <a:rPr lang="en-IN" dirty="0">
-                <a:solidFill>
-                  <a:sysClr val="windowText" lastClr="000000"/>
-                </a:solidFill>
-              </a:rPr>
-              <a:t>Suppose 24 accounts are ticking. But which ones? And why?</a:t>
-            </a:r>
-          </a:p>
-        </p:txBody>
-      </p:sp>
-      <p:sp>
-        <p:nvSpPr>
-          <p:cNvPr id="7" name="Rectangle 6">
-            <a:extLst>
-              <a:ext uri="{FF2B5EF4-FFF2-40B4-BE49-F238E27FC236}">
-                <a16:creationId xmlns:a16="http://schemas.microsoft.com/office/drawing/2014/main" id="{6EA44666-39EC-4B1F-B6A6-47C272F56798}"/>
-              </a:ext>
-            </a:extLst>
-          </p:cNvPr>
-          <p:cNvSpPr/>
-          <p:nvPr/>
-        </p:nvSpPr>
-        <p:spPr>
-          <a:xfrm>
-            <a:off x="1078785" y="5022606"/>
-            <a:ext cx="10275013" cy="914400"/>
-          </a:xfrm>
-          <a:prstGeom prst="rect">
-            <a:avLst/>
-          </a:prstGeom>
-          <a:noFill/>
-          <a:ln>
-            <a:solidFill>
-              <a:srgbClr val="FFC107"/>
-            </a:solidFill>
-          </a:ln>
-        </p:spPr>
-        <p:style>
-          <a:lnRef idx="2">
-            <a:schemeClr val="accent1">
-              <a:shade val="15000"/>
-            </a:schemeClr>
-          </a:lnRef>
-          <a:fillRef idx="1">
-            <a:schemeClr val="accent1"/>
-          </a:fillRef>
-          <a:effectRef idx="0">
-            <a:schemeClr val="accent1"/>
-          </a:effectRef>
-          <a:fontRef idx="minor">
-            <a:schemeClr val="lt1"/>
-          </a:fontRef>
-        </p:style>
-        <p:txBody>
-          <a:bodyPr rtlCol="0" anchor="ctr"/>
-          <a:lstStyle/>
-          <a:p>
-            <a:pPr algn="ctr"/>
-            <a:r>
-              <a:rPr lang="en-IN" dirty="0">
-                <a:solidFill>
-                  <a:sysClr val="windowText" lastClr="000000"/>
-                </a:solidFill>
-              </a:rPr>
-              <a:t>We might think we know, but we can go wrong…</a:t>
-            </a:r>
-          </a:p>
-        </p:txBody>
-      </p:sp>
-    </p:spTree>
-    <p:extLst>
-      <p:ext uri="{BB962C8B-B14F-4D97-AF65-F5344CB8AC3E}">
-        <p14:creationId xmlns:p14="http://schemas.microsoft.com/office/powerpoint/2010/main" val="636543214"/>
-      </p:ext>
-    </p:extLst>
-  </p:cSld>
-  <p:clrMapOvr>
-    <a:masterClrMapping/>
-  </p:clrMapOvr>
-  <p:timing>
-    <p:tnLst>
-      <p:par>
-        <p:cTn id="1" dur="indefinite" restart="never" nodeType="tmRoot">
-          <p:childTnLst>
-            <p:seq concurrent="1" nextAc="seek">
-              <p:cTn id="2" dur="indefinite" nodeType="mainSeq">
-                <p:childTnLst>
-                  <p:par>
-                    <p:cTn id="3" fill="hold">
-                      <p:stCondLst>
-                        <p:cond delay="indefinite"/>
-                      </p:stCondLst>
-                      <p:childTnLst>
-                        <p:par>
-                          <p:cTn id="4" fill="hold">
-                            <p:stCondLst>
-                              <p:cond delay="0"/>
-                            </p:stCondLst>
-                            <p:childTnLst>
-                              <p:par>
-                                <p:cTn id="5" presetID="42" presetClass="entr" presetSubtype="0" fill="hold" grpId="0" nodeType="clickEffect">
-                                  <p:stCondLst>
-                                    <p:cond delay="0"/>
-                                  </p:stCondLst>
-                                  <p:childTnLst>
-                                    <p:set>
-                                      <p:cBhvr>
-                                        <p:cTn id="6" dur="1" fill="hold">
-                                          <p:stCondLst>
-                                            <p:cond delay="0"/>
-                                          </p:stCondLst>
-                                        </p:cTn>
-                                        <p:tgtEl>
-                                          <p:spTgt spid="2"/>
-                                        </p:tgtEl>
-                                        <p:attrNameLst>
-                                          <p:attrName>style.visibility</p:attrName>
-                                        </p:attrNameLst>
-                                      </p:cBhvr>
-                                      <p:to>
-                                        <p:strVal val="visible"/>
-                                      </p:to>
-                                    </p:set>
-                                    <p:animEffect transition="in" filter="fade">
-                                      <p:cBhvr>
-                                        <p:cTn id="7" dur="1000"/>
-                                        <p:tgtEl>
-                                          <p:spTgt spid="2"/>
-                                        </p:tgtEl>
-                                      </p:cBhvr>
-                                    </p:animEffect>
-                                    <p:anim calcmode="lin" valueType="num">
-                                      <p:cBhvr>
-                                        <p:cTn id="8" dur="1000" fill="hold"/>
-                                        <p:tgtEl>
-                                          <p:spTgt spid="2"/>
-                                        </p:tgtEl>
-                                        <p:attrNameLst>
-                                          <p:attrName>ppt_x</p:attrName>
-                                        </p:attrNameLst>
-                                      </p:cBhvr>
-                                      <p:tavLst>
-                                        <p:tav tm="0">
-                                          <p:val>
-                                            <p:strVal val="#ppt_x"/>
-                                          </p:val>
-                                        </p:tav>
-                                        <p:tav tm="100000">
-                                          <p:val>
-                                            <p:strVal val="#ppt_x"/>
-                                          </p:val>
-                                        </p:tav>
-                                      </p:tavLst>
-                                    </p:anim>
-                                    <p:anim calcmode="lin" valueType="num">
-                                      <p:cBhvr>
-                                        <p:cTn id="9" dur="1000" fill="hold"/>
-                                        <p:tgtEl>
-                                          <p:spTgt spid="2"/>
-                                        </p:tgtEl>
-                                        <p:attrNameLst>
-                                          <p:attrName>ppt_y</p:attrName>
-                                        </p:attrNameLst>
-                                      </p:cBhvr>
-                                      <p:tavLst>
-                                        <p:tav tm="0">
-                                          <p:val>
-                                            <p:strVal val="#ppt_y+.1"/>
-                                          </p:val>
-                                        </p:tav>
-                                        <p:tav tm="100000">
-                                          <p:val>
-                                            <p:strVal val="#ppt_y"/>
-                                          </p:val>
-                                        </p:tav>
-                                      </p:tavLst>
-                                    </p:anim>
-                                  </p:childTnLst>
-                                </p:cTn>
-                              </p:par>
-                            </p:childTnLst>
-                          </p:cTn>
-                        </p:par>
-                      </p:childTnLst>
-                    </p:cTn>
-                  </p:par>
-                  <p:par>
-                    <p:cTn id="10" fill="hold">
-                      <p:stCondLst>
-                        <p:cond delay="indefinite"/>
-                      </p:stCondLst>
-                      <p:childTnLst>
-                        <p:par>
-                          <p:cTn id="11" fill="hold">
-                            <p:stCondLst>
-                              <p:cond delay="0"/>
-                            </p:stCondLst>
-                            <p:childTnLst>
-                              <p:par>
-                                <p:cTn id="12" presetID="10" presetClass="entr" presetSubtype="0" fill="hold" nodeType="clickEffect">
-                                  <p:stCondLst>
-                                    <p:cond delay="0"/>
-                                  </p:stCondLst>
-                                  <p:childTnLst>
-                                    <p:set>
-                                      <p:cBhvr>
-                                        <p:cTn id="13" dur="1" fill="hold">
-                                          <p:stCondLst>
-                                            <p:cond delay="0"/>
-                                          </p:stCondLst>
-                                        </p:cTn>
-                                        <p:tgtEl>
-                                          <p:spTgt spid="5"/>
-                                        </p:tgtEl>
-                                        <p:attrNameLst>
-                                          <p:attrName>style.visibility</p:attrName>
-                                        </p:attrNameLst>
-                                      </p:cBhvr>
-                                      <p:to>
-                                        <p:strVal val="visible"/>
-                                      </p:to>
-                                    </p:set>
-                                    <p:animEffect transition="in" filter="fade">
-                                      <p:cBhvr>
-                                        <p:cTn id="14" dur="500"/>
-                                        <p:tgtEl>
-                                          <p:spTgt spid="5"/>
-                                        </p:tgtEl>
-                                      </p:cBhvr>
-                                    </p:animEffect>
-                                  </p:childTnLst>
-                                </p:cTn>
-                              </p:par>
-                            </p:childTnLst>
-                          </p:cTn>
-                        </p:par>
-                      </p:childTnLst>
-                    </p:cTn>
-                  </p:par>
-                  <p:par>
-                    <p:cTn id="15" fill="hold">
-                      <p:stCondLst>
-                        <p:cond delay="indefinite"/>
-                      </p:stCondLst>
-                      <p:childTnLst>
-                        <p:par>
-                          <p:cTn id="16" fill="hold">
-                            <p:stCondLst>
-                              <p:cond delay="0"/>
-                            </p:stCondLst>
-                            <p:childTnLst>
-                              <p:par>
-                                <p:cTn id="17" presetID="10" presetClass="entr" presetSubtype="0" fill="hold" grpId="0" nodeType="clickEffect">
-                                  <p:stCondLst>
-                                    <p:cond delay="0"/>
-                                  </p:stCondLst>
-                                  <p:childTnLst>
-                                    <p:set>
-                                      <p:cBhvr>
-                                        <p:cTn id="18" dur="1" fill="hold">
-                                          <p:stCondLst>
-                                            <p:cond delay="0"/>
-                                          </p:stCondLst>
-                                        </p:cTn>
-                                        <p:tgtEl>
-                                          <p:spTgt spid="6"/>
-                                        </p:tgtEl>
-                                        <p:attrNameLst>
-                                          <p:attrName>style.visibility</p:attrName>
-                                        </p:attrNameLst>
-                                      </p:cBhvr>
-                                      <p:to>
-                                        <p:strVal val="visible"/>
-                                      </p:to>
-                                    </p:set>
-                                    <p:animEffect transition="in" filter="fade">
-                                      <p:cBhvr>
-                                        <p:cTn id="19" dur="500"/>
-                                        <p:tgtEl>
-                                          <p:spTgt spid="6"/>
-                                        </p:tgtEl>
-                                      </p:cBhvr>
-                                    </p:animEffect>
-                                  </p:childTnLst>
-                                </p:cTn>
-                              </p:par>
-                            </p:childTnLst>
-                          </p:cTn>
-                        </p:par>
-                      </p:childTnLst>
-                    </p:cTn>
-                  </p:par>
-                  <p:par>
-                    <p:cTn id="20" fill="hold">
-                      <p:stCondLst>
-                        <p:cond delay="indefinite"/>
-                      </p:stCondLst>
-                      <p:childTnLst>
-                        <p:par>
-                          <p:cTn id="21" fill="hold">
-                            <p:stCondLst>
-                              <p:cond delay="0"/>
-                            </p:stCondLst>
-                            <p:childTnLst>
-                              <p:par>
-                                <p:cTn id="22" presetID="10" presetClass="entr" presetSubtype="0" fill="hold" grpId="0" nodeType="clickEffect">
-                                  <p:stCondLst>
-                                    <p:cond delay="0"/>
-                                  </p:stCondLst>
-                                  <p:childTnLst>
-                                    <p:set>
-                                      <p:cBhvr>
-                                        <p:cTn id="23" dur="1" fill="hold">
-                                          <p:stCondLst>
-                                            <p:cond delay="0"/>
-                                          </p:stCondLst>
-                                        </p:cTn>
-                                        <p:tgtEl>
-                                          <p:spTgt spid="7"/>
-                                        </p:tgtEl>
-                                        <p:attrNameLst>
-                                          <p:attrName>style.visibility</p:attrName>
-                                        </p:attrNameLst>
-                                      </p:cBhvr>
-                                      <p:to>
-                                        <p:strVal val="visible"/>
-                                      </p:to>
-                                    </p:set>
-                                    <p:animEffect transition="in" filter="fade">
-                                      <p:cBhvr>
-                                        <p:cTn id="24" dur="500"/>
-                                        <p:tgtEl>
-                                          <p:spTgt spid="7"/>
-                                        </p:tgtEl>
-                                      </p:cBhvr>
-                                    </p:animEffect>
-                                  </p:childTnLst>
-                                </p:cTn>
-                              </p:par>
-                            </p:childTnLst>
-                          </p:cTn>
-                        </p:par>
-                      </p:childTnLst>
-                    </p:cTn>
-                  </p:par>
-                </p:childTnLst>
-              </p:cTn>
-              <p:prevCondLst>
-                <p:cond evt="onPrev" delay="0">
-                  <p:tgtEl>
-                    <p:sldTgt/>
-                  </p:tgtEl>
-                </p:cond>
-              </p:prevCondLst>
-              <p:nextCondLst>
-                <p:cond evt="onNext" delay="0">
-                  <p:tgtEl>
-                    <p:sldTgt/>
-                  </p:tgtEl>
-                </p:cond>
-              </p:nextCondLst>
-            </p:seq>
-          </p:childTnLst>
-        </p:cTn>
-      </p:par>
-    </p:tnLst>
-    <p:bldLst>
-      <p:bldP spid="2" grpId="0"/>
-      <p:bldP spid="6" grpId="0" animBg="1"/>
-      <p:bldP spid="7" grpId="0" animBg="1"/>
-    </p:bldLst>
-  </p:timing>
-</p:sld>
-</file>
-
-<file path=ppt/slides/slide6.xml><?xml version="1.0" encoding="utf-8"?>
-<p:sld xmlns:a="http://schemas.openxmlformats.org/drawingml/2006/main" xmlns:r="http://schemas.openxmlformats.org/officeDocument/2006/relationships" xmlns:p="http://schemas.openxmlformats.org/presentationml/2006/main">
-  <p:cSld>
-    <p:spTree>
-      <p:nvGrpSpPr>
-        <p:cNvPr id="1" name=""/>
-        <p:cNvGrpSpPr/>
-        <p:nvPr/>
-      </p:nvGrpSpPr>
-      <p:grpSpPr>
-        <a:xfrm>
-          <a:off x="0" y="0"/>
-          <a:ext cx="0" cy="0"/>
-          <a:chOff x="0" y="0"/>
-          <a:chExt cx="0" cy="0"/>
-        </a:xfrm>
-      </p:grpSpPr>
-      <p:sp>
-        <p:nvSpPr>
-          <p:cNvPr id="2" name="Title 1">
-            <a:extLst>
-              <a:ext uri="{FF2B5EF4-FFF2-40B4-BE49-F238E27FC236}">
-                <a16:creationId xmlns:a16="http://schemas.microsoft.com/office/drawing/2014/main" id="{BC325E02-03A2-8442-0193-0F13E08E425B}"/>
-              </a:ext>
-            </a:extLst>
-          </p:cNvPr>
-          <p:cNvSpPr>
-            <a:spLocks noGrp="1"/>
-          </p:cNvSpPr>
-          <p:nvPr>
-            <p:ph type="title"/>
-          </p:nvPr>
-        </p:nvSpPr>
-        <p:spPr/>
-        <p:txBody>
-          <a:bodyPr/>
-          <a:lstStyle/>
-          <a:p>
-            <a:r>
-              <a:rPr lang="en-IN" dirty="0"/>
-              <a:t>The Ticket</a:t>
-            </a:r>
-          </a:p>
-        </p:txBody>
-      </p:sp>
-      <p:pic>
-        <p:nvPicPr>
-          <p:cNvPr id="5" name="Picture 4">
-            <a:extLst>
-              <a:ext uri="{FF2B5EF4-FFF2-40B4-BE49-F238E27FC236}">
-                <a16:creationId xmlns:a16="http://schemas.microsoft.com/office/drawing/2014/main" id="{99F7BFA3-76DB-3B42-53CA-AF953D192CD2}"/>
-              </a:ext>
-            </a:extLst>
-          </p:cNvPr>
-          <p:cNvPicPr>
-            <a:picLocks noChangeAspect="1"/>
-          </p:cNvPicPr>
-          <p:nvPr/>
-        </p:nvPicPr>
-        <p:blipFill>
-          <a:blip r:embed="rId2">
-            <a:extLst>
-              <a:ext uri="{BEBA8EAE-BF5A-486C-A8C5-ECC9F3942E4B}">
-                <a14:imgProps xmlns:a14="http://schemas.microsoft.com/office/drawing/2010/main">
-                  <a14:imgLayer r:embed="rId3">
-                    <a14:imgEffect>
-                      <a14:artisticPaintStrokes/>
-                    </a14:imgEffect>
-                  </a14:imgLayer>
-                </a14:imgProps>
-              </a:ext>
-              <a:ext uri="{28A0092B-C50C-407E-A947-70E740481C1C}">
-                <a14:useLocalDpi xmlns:a14="http://schemas.microsoft.com/office/drawing/2010/main" val="0"/>
-              </a:ext>
-            </a:extLst>
-          </a:blip>
-          <a:stretch>
-            <a:fillRect/>
-          </a:stretch>
-        </p:blipFill>
-        <p:spPr>
-          <a:xfrm>
-            <a:off x="3398980" y="2352585"/>
-            <a:ext cx="5394040" cy="319002"/>
-          </a:xfrm>
-          <a:prstGeom prst="rect">
-            <a:avLst/>
-          </a:prstGeom>
-        </p:spPr>
-      </p:pic>
-      <p:sp>
-        <p:nvSpPr>
-          <p:cNvPr id="6" name="Rectangle 5">
-            <a:extLst>
-              <a:ext uri="{FF2B5EF4-FFF2-40B4-BE49-F238E27FC236}">
-                <a16:creationId xmlns:a16="http://schemas.microsoft.com/office/drawing/2014/main" id="{F0F86229-D561-FBD9-EC8B-11F88CE637B4}"/>
-              </a:ext>
-            </a:extLst>
-          </p:cNvPr>
-          <p:cNvSpPr/>
-          <p:nvPr/>
-        </p:nvSpPr>
-        <p:spPr>
-          <a:xfrm>
-            <a:off x="1097194" y="3811712"/>
-            <a:ext cx="9997611" cy="914400"/>
-          </a:xfrm>
-          <a:prstGeom prst="rect">
-            <a:avLst/>
-          </a:prstGeom>
-          <a:noFill/>
-          <a:ln>
-            <a:solidFill>
-              <a:srgbClr val="FFC107"/>
-            </a:solidFill>
-          </a:ln>
-        </p:spPr>
-        <p:style>
-          <a:lnRef idx="2">
-            <a:schemeClr val="accent1">
-              <a:shade val="15000"/>
-            </a:schemeClr>
-          </a:lnRef>
-          <a:fillRef idx="1">
-            <a:schemeClr val="accent1"/>
-          </a:fillRef>
-          <a:effectRef idx="0">
-            <a:schemeClr val="accent1"/>
-          </a:effectRef>
-          <a:fontRef idx="minor">
-            <a:schemeClr val="lt1"/>
-          </a:fontRef>
-        </p:style>
-        <p:txBody>
-          <a:bodyPr rtlCol="0" anchor="ctr"/>
-          <a:lstStyle/>
-          <a:p>
-            <a:pPr algn="ctr"/>
-            <a:r>
-              <a:rPr lang="en-IN" dirty="0">
-                <a:solidFill>
-                  <a:sysClr val="windowText" lastClr="000000"/>
-                </a:solidFill>
-              </a:rPr>
-              <a:t>One team is drowning in 132 tickets. Who’s rescuing them? </a:t>
-            </a:r>
-          </a:p>
-        </p:txBody>
-      </p:sp>
-    </p:spTree>
-    <p:extLst>
-      <p:ext uri="{BB962C8B-B14F-4D97-AF65-F5344CB8AC3E}">
-        <p14:creationId xmlns:p14="http://schemas.microsoft.com/office/powerpoint/2010/main" val="2523794319"/>
-      </p:ext>
-    </p:extLst>
-  </p:cSld>
-  <p:clrMapOvr>
-    <a:masterClrMapping/>
-  </p:clrMapOvr>
-  <p:timing>
-    <p:tnLst>
-      <p:par>
-        <p:cTn id="1" dur="indefinite" restart="never" nodeType="tmRoot">
-          <p:childTnLst>
-            <p:seq concurrent="1" nextAc="seek">
-              <p:cTn id="2" dur="indefinite" nodeType="mainSeq">
-                <p:childTnLst>
-                  <p:par>
-                    <p:cTn id="3" fill="hold">
-                      <p:stCondLst>
-                        <p:cond delay="indefinite"/>
-                      </p:stCondLst>
-                      <p:childTnLst>
-                        <p:par>
-                          <p:cTn id="4" fill="hold">
-                            <p:stCondLst>
-                              <p:cond delay="0"/>
-                            </p:stCondLst>
-                            <p:childTnLst>
-                              <p:par>
-                                <p:cTn id="5" presetID="42" presetClass="entr" presetSubtype="0" fill="hold" grpId="0" nodeType="clickEffect">
-                                  <p:stCondLst>
-                                    <p:cond delay="0"/>
-                                  </p:stCondLst>
-                                  <p:childTnLst>
-                                    <p:set>
-                                      <p:cBhvr>
-                                        <p:cTn id="6" dur="1" fill="hold">
-                                          <p:stCondLst>
-                                            <p:cond delay="0"/>
-                                          </p:stCondLst>
-                                        </p:cTn>
-                                        <p:tgtEl>
-                                          <p:spTgt spid="2"/>
-                                        </p:tgtEl>
-                                        <p:attrNameLst>
-                                          <p:attrName>style.visibility</p:attrName>
-                                        </p:attrNameLst>
-                                      </p:cBhvr>
-                                      <p:to>
-                                        <p:strVal val="visible"/>
-                                      </p:to>
-                                    </p:set>
-                                    <p:animEffect transition="in" filter="fade">
-                                      <p:cBhvr>
-                                        <p:cTn id="7" dur="1000"/>
-                                        <p:tgtEl>
-                                          <p:spTgt spid="2"/>
-                                        </p:tgtEl>
-                                      </p:cBhvr>
-                                    </p:animEffect>
-                                    <p:anim calcmode="lin" valueType="num">
-                                      <p:cBhvr>
-                                        <p:cTn id="8" dur="1000" fill="hold"/>
-                                        <p:tgtEl>
-                                          <p:spTgt spid="2"/>
-                                        </p:tgtEl>
-                                        <p:attrNameLst>
-                                          <p:attrName>ppt_x</p:attrName>
-                                        </p:attrNameLst>
-                                      </p:cBhvr>
-                                      <p:tavLst>
-                                        <p:tav tm="0">
-                                          <p:val>
-                                            <p:strVal val="#ppt_x"/>
-                                          </p:val>
-                                        </p:tav>
-                                        <p:tav tm="100000">
-                                          <p:val>
-                                            <p:strVal val="#ppt_x"/>
-                                          </p:val>
-                                        </p:tav>
-                                      </p:tavLst>
-                                    </p:anim>
-                                    <p:anim calcmode="lin" valueType="num">
-                                      <p:cBhvr>
-                                        <p:cTn id="9" dur="1000" fill="hold"/>
-                                        <p:tgtEl>
-                                          <p:spTgt spid="2"/>
-                                        </p:tgtEl>
-                                        <p:attrNameLst>
-                                          <p:attrName>ppt_y</p:attrName>
-                                        </p:attrNameLst>
-                                      </p:cBhvr>
-                                      <p:tavLst>
-                                        <p:tav tm="0">
-                                          <p:val>
-                                            <p:strVal val="#ppt_y+.1"/>
-                                          </p:val>
-                                        </p:tav>
-                                        <p:tav tm="100000">
-                                          <p:val>
-                                            <p:strVal val="#ppt_y"/>
-                                          </p:val>
-                                        </p:tav>
-                                      </p:tavLst>
-                                    </p:anim>
-                                  </p:childTnLst>
-                                </p:cTn>
-                              </p:par>
-                            </p:childTnLst>
-                          </p:cTn>
-                        </p:par>
-                      </p:childTnLst>
-                    </p:cTn>
-                  </p:par>
-                  <p:par>
-                    <p:cTn id="10" fill="hold">
-                      <p:stCondLst>
-                        <p:cond delay="indefinite"/>
-                      </p:stCondLst>
-                      <p:childTnLst>
-                        <p:par>
-                          <p:cTn id="11" fill="hold">
-                            <p:stCondLst>
-                              <p:cond delay="0"/>
-                            </p:stCondLst>
-                            <p:childTnLst>
-                              <p:par>
-                                <p:cTn id="12" presetID="10" presetClass="entr" presetSubtype="0" fill="hold" nodeType="clickEffect">
-                                  <p:stCondLst>
-                                    <p:cond delay="0"/>
-                                  </p:stCondLst>
-                                  <p:childTnLst>
-                                    <p:set>
-                                      <p:cBhvr>
-                                        <p:cTn id="13" dur="1" fill="hold">
-                                          <p:stCondLst>
-                                            <p:cond delay="0"/>
-                                          </p:stCondLst>
-                                        </p:cTn>
-                                        <p:tgtEl>
-                                          <p:spTgt spid="5"/>
-                                        </p:tgtEl>
-                                        <p:attrNameLst>
-                                          <p:attrName>style.visibility</p:attrName>
-                                        </p:attrNameLst>
-                                      </p:cBhvr>
-                                      <p:to>
-                                        <p:strVal val="visible"/>
-                                      </p:to>
-                                    </p:set>
-                                    <p:animEffect transition="in" filter="fade">
-                                      <p:cBhvr>
-                                        <p:cTn id="14" dur="500"/>
-                                        <p:tgtEl>
-                                          <p:spTgt spid="5"/>
-                                        </p:tgtEl>
-                                      </p:cBhvr>
-                                    </p:animEffect>
-                                  </p:childTnLst>
-                                </p:cTn>
-                              </p:par>
-                            </p:childTnLst>
-                          </p:cTn>
-                        </p:par>
-                      </p:childTnLst>
-                    </p:cTn>
-                  </p:par>
-                  <p:par>
-                    <p:cTn id="15" fill="hold">
-                      <p:stCondLst>
-                        <p:cond delay="indefinite"/>
-                      </p:stCondLst>
-                      <p:childTnLst>
-                        <p:par>
-                          <p:cTn id="16" fill="hold">
-                            <p:stCondLst>
-                              <p:cond delay="0"/>
-                            </p:stCondLst>
-                            <p:childTnLst>
-                              <p:par>
-                                <p:cTn id="17" presetID="10" presetClass="entr" presetSubtype="0" fill="hold" grpId="0" nodeType="clickEffect">
-                                  <p:stCondLst>
-                                    <p:cond delay="0"/>
-                                  </p:stCondLst>
-                                  <p:childTnLst>
-                                    <p:set>
-                                      <p:cBhvr>
-                                        <p:cTn id="18" dur="1" fill="hold">
-                                          <p:stCondLst>
-                                            <p:cond delay="0"/>
-                                          </p:stCondLst>
-                                        </p:cTn>
-                                        <p:tgtEl>
-                                          <p:spTgt spid="6"/>
-                                        </p:tgtEl>
-                                        <p:attrNameLst>
-                                          <p:attrName>style.visibility</p:attrName>
-                                        </p:attrNameLst>
-                                      </p:cBhvr>
-                                      <p:to>
-                                        <p:strVal val="visible"/>
-                                      </p:to>
-                                    </p:set>
-                                    <p:animEffect transition="in" filter="fade">
-                                      <p:cBhvr>
-                                        <p:cTn id="19" dur="500"/>
-                                        <p:tgtEl>
-                                          <p:spTgt spid="6"/>
-                                        </p:tgtEl>
-                                      </p:cBhvr>
-                                    </p:animEffect>
-                                  </p:childTnLst>
-                                </p:cTn>
-                              </p:par>
-                            </p:childTnLst>
-                          </p:cTn>
-                        </p:par>
-                      </p:childTnLst>
-                    </p:cTn>
-                  </p:par>
-                </p:childTnLst>
-              </p:cTn>
-              <p:prevCondLst>
-                <p:cond evt="onPrev" delay="0">
-                  <p:tgtEl>
-                    <p:sldTgt/>
-                  </p:tgtEl>
-                </p:cond>
-              </p:prevCondLst>
-              <p:nextCondLst>
-                <p:cond evt="onNext" delay="0">
-                  <p:tgtEl>
-                    <p:sldTgt/>
-                  </p:tgtEl>
-                </p:cond>
-              </p:nextCondLst>
-            </p:seq>
-          </p:childTnLst>
-        </p:cTn>
-      </p:par>
-    </p:tnLst>
-    <p:bldLst>
-      <p:bldP spid="2" grpId="0"/>
-      <p:bldP spid="6" grpId="0" animBg="1"/>
-    </p:bldLst>
-  </p:timing>
-</p:sld>
-</file>
-
-<file path=ppt/slides/slide7.xml><?xml version="1.0" encoding="utf-8"?>
-<p:sld xmlns:a="http://schemas.openxmlformats.org/drawingml/2006/main" xmlns:r="http://schemas.openxmlformats.org/officeDocument/2006/relationships" xmlns:p="http://schemas.openxmlformats.org/presentationml/2006/main">
-  <p:cSld>
-    <p:spTree>
-      <p:nvGrpSpPr>
-        <p:cNvPr id="1" name=""/>
-        <p:cNvGrpSpPr/>
-        <p:nvPr/>
-      </p:nvGrpSpPr>
-      <p:grpSpPr>
-        <a:xfrm>
-          <a:off x="0" y="0"/>
-          <a:ext cx="0" cy="0"/>
-          <a:chOff x="0" y="0"/>
-          <a:chExt cx="0" cy="0"/>
-        </a:xfrm>
-      </p:grpSpPr>
-      <p:sp>
-        <p:nvSpPr>
-          <p:cNvPr id="2" name="Title 1">
-            <a:extLst>
-              <a:ext uri="{FF2B5EF4-FFF2-40B4-BE49-F238E27FC236}">
-                <a16:creationId xmlns:a16="http://schemas.microsoft.com/office/drawing/2014/main" id="{7B46E510-1BBF-1549-5789-2E0C89B14DFF}"/>
-              </a:ext>
-            </a:extLst>
-          </p:cNvPr>
-          <p:cNvSpPr>
-            <a:spLocks noGrp="1"/>
-          </p:cNvSpPr>
-          <p:nvPr>
-            <p:ph type="title"/>
-          </p:nvPr>
-        </p:nvSpPr>
-        <p:spPr/>
-        <p:txBody>
-          <a:bodyPr/>
-          <a:lstStyle/>
-          <a:p>
-            <a:r>
-              <a:rPr lang="en-IN" dirty="0"/>
-              <a:t>The Silent Growth</a:t>
-            </a:r>
-          </a:p>
-        </p:txBody>
-      </p:sp>
-      <p:pic>
-        <p:nvPicPr>
-          <p:cNvPr id="5" name="Picture 4">
-            <a:extLst>
-              <a:ext uri="{FF2B5EF4-FFF2-40B4-BE49-F238E27FC236}">
-                <a16:creationId xmlns:a16="http://schemas.microsoft.com/office/drawing/2014/main" id="{4003C541-E7AB-E6CE-18AB-65EC3584CCD0}"/>
-              </a:ext>
-            </a:extLst>
-          </p:cNvPr>
-          <p:cNvPicPr>
-            <a:picLocks noChangeAspect="1"/>
-          </p:cNvPicPr>
-          <p:nvPr/>
-        </p:nvPicPr>
-        <p:blipFill>
-          <a:blip r:embed="rId2">
-            <a:extLst>
-              <a:ext uri="{BEBA8EAE-BF5A-486C-A8C5-ECC9F3942E4B}">
-                <a14:imgProps xmlns:a14="http://schemas.microsoft.com/office/drawing/2010/main">
-                  <a14:imgLayer r:embed="rId3">
-                    <a14:imgEffect>
-                      <a14:artisticFilmGrain/>
-                    </a14:imgEffect>
-                  </a14:imgLayer>
-                </a14:imgProps>
-              </a:ext>
-              <a:ext uri="{28A0092B-C50C-407E-A947-70E740481C1C}">
-                <a14:useLocalDpi xmlns:a14="http://schemas.microsoft.com/office/drawing/2010/main" val="0"/>
-              </a:ext>
-            </a:extLst>
-          </a:blip>
-          <a:stretch>
-            <a:fillRect/>
-          </a:stretch>
-        </p:blipFill>
-        <p:spPr>
-          <a:xfrm>
-            <a:off x="2791535" y="2243151"/>
-            <a:ext cx="6608929" cy="527093"/>
-          </a:xfrm>
-          <a:prstGeom prst="rect">
-            <a:avLst/>
-          </a:prstGeom>
-        </p:spPr>
-      </p:pic>
-      <p:sp>
-        <p:nvSpPr>
-          <p:cNvPr id="6" name="Rectangle 5">
-            <a:extLst>
-              <a:ext uri="{FF2B5EF4-FFF2-40B4-BE49-F238E27FC236}">
-                <a16:creationId xmlns:a16="http://schemas.microsoft.com/office/drawing/2014/main" id="{AAAD780F-B04A-268C-BD21-FB8CF3235D5A}"/>
-              </a:ext>
-            </a:extLst>
-          </p:cNvPr>
-          <p:cNvSpPr/>
-          <p:nvPr/>
-        </p:nvSpPr>
-        <p:spPr>
-          <a:xfrm>
-            <a:off x="1222624" y="4150759"/>
-            <a:ext cx="10037851" cy="914400"/>
-          </a:xfrm>
-          <a:prstGeom prst="rect">
-            <a:avLst/>
-          </a:prstGeom>
-          <a:noFill/>
-          <a:ln>
-            <a:solidFill>
-              <a:srgbClr val="FFC107"/>
-            </a:solidFill>
-          </a:ln>
-        </p:spPr>
-        <p:style>
-          <a:lnRef idx="2">
-            <a:schemeClr val="accent1">
-              <a:shade val="15000"/>
-            </a:schemeClr>
-          </a:lnRef>
-          <a:fillRef idx="1">
-            <a:schemeClr val="accent1"/>
-          </a:fillRef>
-          <a:effectRef idx="0">
-            <a:schemeClr val="accent1"/>
-          </a:effectRef>
-          <a:fontRef idx="minor">
-            <a:schemeClr val="lt1"/>
-          </a:fontRef>
-        </p:style>
-        <p:txBody>
-          <a:bodyPr rtlCol="0" anchor="ctr"/>
-          <a:lstStyle/>
-          <a:p>
-            <a:pPr algn="ctr"/>
-            <a:r>
-              <a:rPr lang="en-IN" dirty="0">
-                <a:solidFill>
-                  <a:sysClr val="windowText" lastClr="000000"/>
-                </a:solidFill>
-              </a:rPr>
-              <a:t>Some clients are ready to give more revenue. Are we listening?</a:t>
-            </a:r>
-          </a:p>
-        </p:txBody>
-      </p:sp>
-    </p:spTree>
-    <p:extLst>
-      <p:ext uri="{BB962C8B-B14F-4D97-AF65-F5344CB8AC3E}">
-        <p14:creationId xmlns:p14="http://schemas.microsoft.com/office/powerpoint/2010/main" val="2747499993"/>
-      </p:ext>
-    </p:extLst>
-  </p:cSld>
-  <p:clrMapOvr>
-    <a:masterClrMapping/>
-  </p:clrMapOvr>
-  <p:timing>
-    <p:tnLst>
-      <p:par>
-        <p:cTn id="1" dur="indefinite" restart="never" nodeType="tmRoot">
-          <p:childTnLst>
-            <p:seq concurrent="1" nextAc="seek">
-              <p:cTn id="2" dur="indefinite" nodeType="mainSeq">
-                <p:childTnLst>
-                  <p:par>
-                    <p:cTn id="3" fill="hold">
-                      <p:stCondLst>
-                        <p:cond delay="indefinite"/>
-                      </p:stCondLst>
-                      <p:childTnLst>
-                        <p:par>
-                          <p:cTn id="4" fill="hold">
-                            <p:stCondLst>
-                              <p:cond delay="0"/>
-                            </p:stCondLst>
-                            <p:childTnLst>
-                              <p:par>
-                                <p:cTn id="5" presetID="16" presetClass="entr" presetSubtype="21" fill="hold" grpId="0" nodeType="clickEffect">
-                                  <p:stCondLst>
-                                    <p:cond delay="0"/>
-                                  </p:stCondLst>
-                                  <p:childTnLst>
-                                    <p:set>
-                                      <p:cBhvr>
-                                        <p:cTn id="6" dur="1" fill="hold">
-                                          <p:stCondLst>
-                                            <p:cond delay="0"/>
-                                          </p:stCondLst>
-                                        </p:cTn>
-                                        <p:tgtEl>
-                                          <p:spTgt spid="2"/>
-                                        </p:tgtEl>
-                                        <p:attrNameLst>
-                                          <p:attrName>style.visibility</p:attrName>
-                                        </p:attrNameLst>
-                                      </p:cBhvr>
-                                      <p:to>
-                                        <p:strVal val="visible"/>
-                                      </p:to>
-                                    </p:set>
-                                    <p:animEffect transition="in" filter="barn(inVertical)">
-                                      <p:cBhvr>
-                                        <p:cTn id="7" dur="500"/>
-                                        <p:tgtEl>
-                                          <p:spTgt spid="2"/>
-                                        </p:tgtEl>
-                                      </p:cBhvr>
-                                    </p:animEffect>
-                                  </p:childTnLst>
-                                </p:cTn>
-                              </p:par>
-                            </p:childTnLst>
-                          </p:cTn>
-                        </p:par>
-                      </p:childTnLst>
-                    </p:cTn>
-                  </p:par>
-                  <p:par>
-                    <p:cTn id="8" fill="hold">
-                      <p:stCondLst>
-                        <p:cond delay="indefinite"/>
-                      </p:stCondLst>
-                      <p:childTnLst>
-                        <p:par>
-                          <p:cTn id="9" fill="hold">
-                            <p:stCondLst>
-                              <p:cond delay="0"/>
-                            </p:stCondLst>
-                            <p:childTnLst>
-                              <p:par>
-                                <p:cTn id="10" presetID="22" presetClass="entr" presetSubtype="4" fill="hold" nodeType="clickEffect">
                                   <p:stCondLst>
                                     <p:cond delay="0"/>
                                   </p:stCondLst>
@@ -11721,7 +14464,7 @@
                             </p:stCondLst>
                             <p:childTnLst>
                               <p:par>
-                                <p:cTn id="15" presetID="10" presetClass="entr" presetSubtype="0" fill="hold" grpId="0" nodeType="clickEffect">
+                                <p:cTn id="15" presetID="22" presetClass="entr" presetSubtype="4" fill="hold" grpId="0" nodeType="clickEffect">
                                   <p:stCondLst>
                                     <p:cond delay="0"/>
                                   </p:stCondLst>
@@ -11744,7 +14487,7 @@
                                         <p:strVal val="visible"/>
                                       </p:to>
                                     </p:set>
-                                    <p:animEffect transition="in" filter="fade">
+                                    <p:animEffect transition="in" filter="wipe(down)">
                                       <p:cBhvr>
                                         <p:cTn id="17" dur="500"/>
                                         <p:tgtEl>
@@ -11761,458 +14504,27 @@
                       </p:childTnLst>
                     </p:cTn>
                   </p:par>
-                </p:childTnLst>
-              </p:cTn>
-              <p:prevCondLst>
-                <p:cond evt="onPrev" delay="0">
-                  <p:tgtEl>
-                    <p:sldTgt/>
-                  </p:tgtEl>
-                </p:cond>
-              </p:prevCondLst>
-              <p:nextCondLst>
-                <p:cond evt="onNext" delay="0">
-                  <p:tgtEl>
-                    <p:sldTgt/>
-                  </p:tgtEl>
-                </p:cond>
-              </p:nextCondLst>
-            </p:seq>
-          </p:childTnLst>
-        </p:cTn>
-      </p:par>
-    </p:tnLst>
-    <p:bldLst>
-      <p:bldP spid="2" grpId="0"/>
-      <p:bldP spid="6" grpId="0" animBg="1"/>
-    </p:bldLst>
-  </p:timing>
-</p:sld>
-</file>
-
-<file path=ppt/slides/slide8.xml><?xml version="1.0" encoding="utf-8"?>
-<p:sld xmlns:a="http://schemas.openxmlformats.org/drawingml/2006/main" xmlns:r="http://schemas.openxmlformats.org/officeDocument/2006/relationships" xmlns:p="http://schemas.openxmlformats.org/presentationml/2006/main">
-  <p:cSld>
-    <p:spTree>
-      <p:nvGrpSpPr>
-        <p:cNvPr id="1" name=""/>
-        <p:cNvGrpSpPr/>
-        <p:nvPr/>
-      </p:nvGrpSpPr>
-      <p:grpSpPr>
-        <a:xfrm>
-          <a:off x="0" y="0"/>
-          <a:ext cx="0" cy="0"/>
-          <a:chOff x="0" y="0"/>
-          <a:chExt cx="0" cy="0"/>
-        </a:xfrm>
-      </p:grpSpPr>
-      <p:sp>
-        <p:nvSpPr>
-          <p:cNvPr id="2" name="Title 1">
-            <a:extLst>
-              <a:ext uri="{FF2B5EF4-FFF2-40B4-BE49-F238E27FC236}">
-                <a16:creationId xmlns:a16="http://schemas.microsoft.com/office/drawing/2014/main" id="{42E584D5-D746-FFBE-3EAA-DA567F8909D1}"/>
-              </a:ext>
-            </a:extLst>
-          </p:cNvPr>
-          <p:cNvSpPr>
-            <a:spLocks noGrp="1"/>
-          </p:cNvSpPr>
-          <p:nvPr>
-            <p:ph type="title"/>
-          </p:nvPr>
-        </p:nvSpPr>
-        <p:spPr/>
-        <p:txBody>
-          <a:bodyPr/>
-          <a:lstStyle/>
-          <a:p>
-            <a:r>
-              <a:rPr lang="en-IN" dirty="0"/>
-              <a:t>The Solution</a:t>
-            </a:r>
-          </a:p>
-        </p:txBody>
-      </p:sp>
-      <p:pic>
-        <p:nvPicPr>
-          <p:cNvPr id="5" name="Picture 4">
-            <a:extLst>
-              <a:ext uri="{FF2B5EF4-FFF2-40B4-BE49-F238E27FC236}">
-                <a16:creationId xmlns:a16="http://schemas.microsoft.com/office/drawing/2014/main" id="{B00BBBD5-161B-4EE7-060E-722B802921EC}"/>
-              </a:ext>
-            </a:extLst>
-          </p:cNvPr>
-          <p:cNvPicPr>
-            <a:picLocks noChangeAspect="1"/>
-          </p:cNvPicPr>
-          <p:nvPr/>
-        </p:nvPicPr>
-        <p:blipFill>
-          <a:blip r:embed="rId2">
-            <a:extLst>
-              <a:ext uri="{28A0092B-C50C-407E-A947-70E740481C1C}">
-                <a14:useLocalDpi xmlns:a14="http://schemas.microsoft.com/office/drawing/2010/main" val="0"/>
-              </a:ext>
-            </a:extLst>
-          </a:blip>
-          <a:stretch>
-            <a:fillRect/>
-          </a:stretch>
-        </p:blipFill>
-        <p:spPr>
-          <a:xfrm>
-            <a:off x="5777340" y="2530011"/>
-            <a:ext cx="6202328" cy="3489131"/>
-          </a:xfrm>
-          <a:prstGeom prst="rect">
-            <a:avLst/>
-          </a:prstGeom>
-          <a:ln>
-            <a:noFill/>
-          </a:ln>
-          <a:effectLst>
-            <a:softEdge rad="112500"/>
-          </a:effectLst>
-        </p:spPr>
-      </p:pic>
-      <p:sp>
-        <p:nvSpPr>
-          <p:cNvPr id="6" name="Rectangle 5">
-            <a:extLst>
-              <a:ext uri="{FF2B5EF4-FFF2-40B4-BE49-F238E27FC236}">
-                <a16:creationId xmlns:a16="http://schemas.microsoft.com/office/drawing/2014/main" id="{98A3578F-A9A2-487D-EE45-BDB49737AE6E}"/>
-              </a:ext>
-            </a:extLst>
-          </p:cNvPr>
-          <p:cNvSpPr/>
-          <p:nvPr/>
-        </p:nvSpPr>
-        <p:spPr>
-          <a:xfrm>
-            <a:off x="680320" y="3074541"/>
-            <a:ext cx="4705565" cy="708917"/>
-          </a:xfrm>
-          <a:prstGeom prst="rect">
-            <a:avLst/>
-          </a:prstGeom>
-          <a:noFill/>
-          <a:ln>
-            <a:solidFill>
-              <a:srgbClr val="FFC107"/>
-            </a:solidFill>
-          </a:ln>
-        </p:spPr>
-        <p:style>
-          <a:lnRef idx="2">
-            <a:schemeClr val="accent1">
-              <a:shade val="15000"/>
-            </a:schemeClr>
-          </a:lnRef>
-          <a:fillRef idx="1">
-            <a:schemeClr val="accent1"/>
-          </a:fillRef>
-          <a:effectRef idx="0">
-            <a:schemeClr val="accent1"/>
-          </a:effectRef>
-          <a:fontRef idx="minor">
-            <a:schemeClr val="lt1"/>
-          </a:fontRef>
-        </p:style>
-        <p:txBody>
-          <a:bodyPr rtlCol="0" anchor="ctr"/>
-          <a:lstStyle/>
-          <a:p>
-            <a:pPr algn="ctr"/>
-            <a:r>
-              <a:rPr lang="en-IN" dirty="0">
-                <a:solidFill>
-                  <a:sysClr val="windowText" lastClr="000000"/>
-                </a:solidFill>
-              </a:rPr>
-              <a:t>What if you could get all these data with just 5 clicks or less?</a:t>
-            </a:r>
-          </a:p>
-        </p:txBody>
-      </p:sp>
-      <p:sp>
-        <p:nvSpPr>
-          <p:cNvPr id="7" name="Rectangle 6">
-            <a:extLst>
-              <a:ext uri="{FF2B5EF4-FFF2-40B4-BE49-F238E27FC236}">
-                <a16:creationId xmlns:a16="http://schemas.microsoft.com/office/drawing/2014/main" id="{14DA6645-2332-6B22-4390-3BACFDADFF97}"/>
-              </a:ext>
-            </a:extLst>
-          </p:cNvPr>
-          <p:cNvSpPr/>
-          <p:nvPr/>
-        </p:nvSpPr>
-        <p:spPr>
-          <a:xfrm>
-            <a:off x="680321" y="5238832"/>
-            <a:ext cx="4705565" cy="708917"/>
-          </a:xfrm>
-          <a:prstGeom prst="rect">
-            <a:avLst/>
-          </a:prstGeom>
-          <a:noFill/>
-          <a:ln>
-            <a:solidFill>
-              <a:srgbClr val="FFC107"/>
-            </a:solidFill>
-          </a:ln>
-        </p:spPr>
-        <p:style>
-          <a:lnRef idx="2">
-            <a:schemeClr val="accent1">
-              <a:shade val="15000"/>
-            </a:schemeClr>
-          </a:lnRef>
-          <a:fillRef idx="1">
-            <a:schemeClr val="accent1"/>
-          </a:fillRef>
-          <a:effectRef idx="0">
-            <a:schemeClr val="accent1"/>
-          </a:effectRef>
-          <a:fontRef idx="minor">
-            <a:schemeClr val="lt1"/>
-          </a:fontRef>
-        </p:style>
-        <p:txBody>
-          <a:bodyPr rtlCol="0" anchor="ctr"/>
-          <a:lstStyle/>
-          <a:p>
-            <a:pPr algn="ctr"/>
-            <a:r>
-              <a:rPr lang="en-IN" dirty="0">
-                <a:solidFill>
-                  <a:sysClr val="windowText" lastClr="000000"/>
-                </a:solidFill>
-              </a:rPr>
-              <a:t>Let me show you how</a:t>
-            </a:r>
-          </a:p>
-        </p:txBody>
-      </p:sp>
-    </p:spTree>
-    <p:extLst>
-      <p:ext uri="{BB962C8B-B14F-4D97-AF65-F5344CB8AC3E}">
-        <p14:creationId xmlns:p14="http://schemas.microsoft.com/office/powerpoint/2010/main" val="3618265448"/>
-      </p:ext>
-    </p:extLst>
-  </p:cSld>
-  <p:clrMapOvr>
-    <a:masterClrMapping/>
-  </p:clrMapOvr>
-  <p:timing>
-    <p:tnLst>
-      <p:par>
-        <p:cTn id="1" dur="indefinite" restart="never" nodeType="tmRoot">
-          <p:childTnLst>
-            <p:seq concurrent="1" nextAc="seek">
-              <p:cTn id="2" dur="indefinite" nodeType="mainSeq">
-                <p:childTnLst>
                   <p:par>
-                    <p:cTn id="3" fill="hold">
+                    <p:cTn id="18" fill="hold">
                       <p:stCondLst>
                         <p:cond delay="indefinite"/>
                       </p:stCondLst>
                       <p:childTnLst>
                         <p:par>
-                          <p:cTn id="4" fill="hold">
+                          <p:cTn id="19" fill="hold">
                             <p:stCondLst>
                               <p:cond delay="0"/>
                             </p:stCondLst>
                             <p:childTnLst>
                               <p:par>
-                                <p:cTn id="5" presetID="2" presetClass="entr" presetSubtype="4" fill="hold" grpId="0" nodeType="clickEffect">
+                                <p:cTn id="20" presetID="1" presetClass="entr" presetSubtype="0" fill="hold" grpId="0" nodeType="clickEffect">
                                   <p:stCondLst>
                                     <p:cond delay="0"/>
                                   </p:stCondLst>
                                   <p:childTnLst>
                                     <p:set>
                                       <p:cBhvr>
-                                        <p:cTn id="6" dur="1" fill="hold">
-                                          <p:stCondLst>
-                                            <p:cond delay="0"/>
-                                          </p:stCondLst>
-                                        </p:cTn>
-                                        <p:tgtEl>
-                                          <p:spTgt spid="2"/>
-                                        </p:tgtEl>
-                                        <p:attrNameLst>
-                                          <p:attrName>style.visibility</p:attrName>
-                                        </p:attrNameLst>
-                                      </p:cBhvr>
-                                      <p:to>
-                                        <p:strVal val="visible"/>
-                                      </p:to>
-                                    </p:set>
-                                    <p:anim calcmode="lin" valueType="num">
-                                      <p:cBhvr additive="base">
-                                        <p:cTn id="7" dur="500" fill="hold"/>
-                                        <p:tgtEl>
-                                          <p:spTgt spid="2"/>
-                                        </p:tgtEl>
-                                        <p:attrNameLst>
-                                          <p:attrName>ppt_x</p:attrName>
-                                        </p:attrNameLst>
-                                      </p:cBhvr>
-                                      <p:tavLst>
-                                        <p:tav tm="0">
-                                          <p:val>
-                                            <p:strVal val="#ppt_x"/>
-                                          </p:val>
-                                        </p:tav>
-                                        <p:tav tm="100000">
-                                          <p:val>
-                                            <p:strVal val="#ppt_x"/>
-                                          </p:val>
-                                        </p:tav>
-                                      </p:tavLst>
-                                    </p:anim>
-                                    <p:anim calcmode="lin" valueType="num">
-                                      <p:cBhvr additive="base">
-                                        <p:cTn id="8" dur="500" fill="hold"/>
-                                        <p:tgtEl>
-                                          <p:spTgt spid="2"/>
-                                        </p:tgtEl>
-                                        <p:attrNameLst>
-                                          <p:attrName>ppt_y</p:attrName>
-                                        </p:attrNameLst>
-                                      </p:cBhvr>
-                                      <p:tavLst>
-                                        <p:tav tm="0">
-                                          <p:val>
-                                            <p:strVal val="1+#ppt_h/2"/>
-                                          </p:val>
-                                        </p:tav>
-                                        <p:tav tm="100000">
-                                          <p:val>
-                                            <p:strVal val="#ppt_y"/>
-                                          </p:val>
-                                        </p:tav>
-                                      </p:tavLst>
-                                    </p:anim>
-                                  </p:childTnLst>
-                                </p:cTn>
-                              </p:par>
-                            </p:childTnLst>
-                          </p:cTn>
-                        </p:par>
-                      </p:childTnLst>
-                    </p:cTn>
-                  </p:par>
-                  <p:par>
-                    <p:cTn id="9" fill="hold">
-                      <p:stCondLst>
-                        <p:cond delay="indefinite"/>
-                      </p:stCondLst>
-                      <p:childTnLst>
-                        <p:par>
-                          <p:cTn id="10" fill="hold">
-                            <p:stCondLst>
-                              <p:cond delay="0"/>
-                            </p:stCondLst>
-                            <p:childTnLst>
-                              <p:par>
-                                <p:cTn id="11" presetID="10" presetClass="entr" presetSubtype="0" fill="hold" grpId="0" nodeType="clickEffect">
-                                  <p:stCondLst>
-                                    <p:cond delay="0"/>
-                                  </p:stCondLst>
-                                  <p:childTnLst>
-                                    <p:set>
-                                      <p:cBhvr>
-                                        <p:cTn id="12" dur="1" fill="hold">
-                                          <p:stCondLst>
-                                            <p:cond delay="0"/>
-                                          </p:stCondLst>
-                                        </p:cTn>
-                                        <p:tgtEl>
-                                          <p:spTgt spid="6"/>
-                                        </p:tgtEl>
-                                        <p:attrNameLst>
-                                          <p:attrName>style.visibility</p:attrName>
-                                        </p:attrNameLst>
-                                      </p:cBhvr>
-                                      <p:to>
-                                        <p:strVal val="visible"/>
-                                      </p:to>
-                                    </p:set>
-                                    <p:animEffect transition="in" filter="fade">
-                                      <p:cBhvr>
-                                        <p:cTn id="13" dur="500"/>
-                                        <p:tgtEl>
-                                          <p:spTgt spid="6"/>
-                                        </p:tgtEl>
-                                      </p:cBhvr>
-                                    </p:animEffect>
-                                  </p:childTnLst>
-                                </p:cTn>
-                              </p:par>
-                              <p:par>
-                                <p:cTn id="14" presetID="10" presetClass="entr" presetSubtype="0" fill="hold" nodeType="withEffect">
-                                  <p:stCondLst>
-                                    <p:cond delay="0"/>
-                                  </p:stCondLst>
-                                  <p:childTnLst>
-                                    <p:set>
-                                      <p:cBhvr>
-                                        <p:cTn id="15" dur="1" fill="hold">
-                                          <p:stCondLst>
-                                            <p:cond delay="0"/>
-                                          </p:stCondLst>
-                                        </p:cTn>
-                                        <p:tgtEl>
-                                          <p:spTgt spid="5"/>
-                                        </p:tgtEl>
-                                        <p:attrNameLst>
-                                          <p:attrName>style.visibility</p:attrName>
-                                        </p:attrNameLst>
-                                      </p:cBhvr>
-                                      <p:to>
-                                        <p:strVal val="visible"/>
-                                      </p:to>
-                                    </p:set>
-                                    <p:animEffect transition="in" filter="fade">
-                                      <p:cBhvr>
-                                        <p:cTn id="16" dur="500"/>
-                                        <p:tgtEl>
-                                          <p:spTgt spid="5"/>
-                                        </p:tgtEl>
-                                      </p:cBhvr>
-                                    </p:animEffect>
-                                  </p:childTnLst>
-                                </p:cTn>
-                              </p:par>
-                            </p:childTnLst>
-                          </p:cTn>
-                        </p:par>
-                      </p:childTnLst>
-                    </p:cTn>
-                  </p:par>
-                  <p:par>
-                    <p:cTn id="17" fill="hold">
-                      <p:stCondLst>
-                        <p:cond delay="indefinite"/>
-                      </p:stCondLst>
-                      <p:childTnLst>
-                        <p:par>
-                          <p:cTn id="18" fill="hold">
-                            <p:stCondLst>
-                              <p:cond delay="0"/>
-                            </p:stCondLst>
-                            <p:childTnLst>
-                              <p:par>
-                                <p:cTn id="19" presetID="1" presetClass="entr" presetSubtype="0" fill="hold" grpId="0" nodeType="clickEffect">
-                                  <p:stCondLst>
-                                    <p:cond delay="0"/>
-                                  </p:stCondLst>
-                                  <p:childTnLst>
-                                    <p:set>
-                                      <p:cBhvr>
-                                        <p:cTn id="20" dur="1" fill="hold">
+                                        <p:cTn id="21" dur="1" fill="hold">
                                           <p:stCondLst>
                                             <p:cond delay="0"/>
                                           </p:stCondLst>
@@ -12259,11 +14571,1496 @@
       </p:par>
     </p:tnLst>
     <p:bldLst>
-      <p:bldP spid="2" grpId="0"/>
+      <p:bldP spid="4" grpId="0" animBg="1"/>
+      <p:bldP spid="5" grpId="0" animBg="1"/>
       <p:bldP spid="6" grpId="0" animBg="1"/>
       <p:bldP spid="7" grpId="0" animBg="1"/>
     </p:bldLst>
   </p:timing>
+</p:sld>
+</file>
+
+<file path=ppt/slides/slide5.xml><?xml version="1.0" encoding="utf-8"?>
+<p:sld xmlns:a="http://schemas.openxmlformats.org/drawingml/2006/main" xmlns:r="http://schemas.openxmlformats.org/officeDocument/2006/relationships" xmlns:p="http://schemas.openxmlformats.org/presentationml/2006/main">
+  <p:cSld>
+    <p:spTree>
+      <p:nvGrpSpPr>
+        <p:cNvPr id="1" name=""/>
+        <p:cNvGrpSpPr/>
+        <p:nvPr/>
+      </p:nvGrpSpPr>
+      <p:grpSpPr>
+        <a:xfrm>
+          <a:off x="0" y="0"/>
+          <a:ext cx="0" cy="0"/>
+          <a:chOff x="0" y="0"/>
+          <a:chExt cx="0" cy="0"/>
+        </a:xfrm>
+      </p:grpSpPr>
+      <p:sp>
+        <p:nvSpPr>
+          <p:cNvPr id="2" name="Title 1">
+            <a:extLst>
+              <a:ext uri="{FF2B5EF4-FFF2-40B4-BE49-F238E27FC236}">
+                <a16:creationId xmlns:a16="http://schemas.microsoft.com/office/drawing/2014/main" id="{EAF6915D-3BDA-5961-AE16-C64B204F7A79}"/>
+              </a:ext>
+            </a:extLst>
+          </p:cNvPr>
+          <p:cNvSpPr>
+            <a:spLocks noGrp="1"/>
+          </p:cNvSpPr>
+          <p:nvPr>
+            <p:ph type="title"/>
+          </p:nvPr>
+        </p:nvSpPr>
+        <p:spPr/>
+        <p:txBody>
+          <a:bodyPr/>
+          <a:lstStyle/>
+          <a:p>
+            <a:r>
+              <a:rPr lang="en-IN" dirty="0"/>
+              <a:t>The Churn</a:t>
+            </a:r>
+          </a:p>
+        </p:txBody>
+      </p:sp>
+      <p:pic>
+        <p:nvPicPr>
+          <p:cNvPr id="5" name="Picture 4">
+            <a:extLst>
+              <a:ext uri="{FF2B5EF4-FFF2-40B4-BE49-F238E27FC236}">
+                <a16:creationId xmlns:a16="http://schemas.microsoft.com/office/drawing/2014/main" id="{777C3CD3-6CC6-89CD-F270-8479F0BBAA74}"/>
+              </a:ext>
+            </a:extLst>
+          </p:cNvPr>
+          <p:cNvPicPr>
+            <a:picLocks noChangeAspect="1"/>
+          </p:cNvPicPr>
+          <p:nvPr/>
+        </p:nvPicPr>
+        <p:blipFill>
+          <a:blip r:embed="rId3">
+            <a:extLst>
+              <a:ext uri="{BEBA8EAE-BF5A-486C-A8C5-ECC9F3942E4B}">
+                <a14:imgProps xmlns:a14="http://schemas.microsoft.com/office/drawing/2010/main">
+                  <a14:imgLayer r:embed="rId4">
+                    <a14:imgEffect>
+                      <a14:artisticBlur/>
+                    </a14:imgEffect>
+                  </a14:imgLayer>
+                </a14:imgProps>
+              </a:ext>
+              <a:ext uri="{28A0092B-C50C-407E-A947-70E740481C1C}">
+                <a14:useLocalDpi xmlns:a14="http://schemas.microsoft.com/office/drawing/2010/main" val="0"/>
+              </a:ext>
+            </a:extLst>
+          </a:blip>
+          <a:stretch>
+            <a:fillRect/>
+          </a:stretch>
+        </p:blipFill>
+        <p:spPr>
+          <a:xfrm>
+            <a:off x="1637016" y="2086521"/>
+            <a:ext cx="8917968" cy="958899"/>
+          </a:xfrm>
+          <a:prstGeom prst="rect">
+            <a:avLst/>
+          </a:prstGeom>
+        </p:spPr>
+      </p:pic>
+      <p:sp>
+        <p:nvSpPr>
+          <p:cNvPr id="6" name="Rectangle 5">
+            <a:extLst>
+              <a:ext uri="{FF2B5EF4-FFF2-40B4-BE49-F238E27FC236}">
+                <a16:creationId xmlns:a16="http://schemas.microsoft.com/office/drawing/2014/main" id="{8CE9339E-D208-7483-C2A1-416A6C0C5F9D}"/>
+              </a:ext>
+            </a:extLst>
+          </p:cNvPr>
+          <p:cNvSpPr/>
+          <p:nvPr/>
+        </p:nvSpPr>
+        <p:spPr>
+          <a:xfrm>
+            <a:off x="1078786" y="3667874"/>
+            <a:ext cx="10275013" cy="914400"/>
+          </a:xfrm>
+          <a:prstGeom prst="rect">
+            <a:avLst/>
+          </a:prstGeom>
+          <a:noFill/>
+          <a:ln>
+            <a:solidFill>
+              <a:srgbClr val="FFC107"/>
+            </a:solidFill>
+          </a:ln>
+        </p:spPr>
+        <p:style>
+          <a:lnRef idx="2">
+            <a:schemeClr val="accent1">
+              <a:shade val="15000"/>
+            </a:schemeClr>
+          </a:lnRef>
+          <a:fillRef idx="1">
+            <a:schemeClr val="accent1"/>
+          </a:fillRef>
+          <a:effectRef idx="0">
+            <a:schemeClr val="accent1"/>
+          </a:effectRef>
+          <a:fontRef idx="minor">
+            <a:schemeClr val="lt1"/>
+          </a:fontRef>
+        </p:style>
+        <p:txBody>
+          <a:bodyPr rtlCol="0" anchor="ctr"/>
+          <a:lstStyle/>
+          <a:p>
+            <a:pPr algn="ctr"/>
+            <a:r>
+              <a:rPr lang="en-IN" dirty="0">
+                <a:solidFill>
+                  <a:sysClr val="windowText" lastClr="000000"/>
+                </a:solidFill>
+              </a:rPr>
+              <a:t>Suppose 24 accounts are ticking. But which ones? And why?</a:t>
+            </a:r>
+          </a:p>
+        </p:txBody>
+      </p:sp>
+      <p:sp>
+        <p:nvSpPr>
+          <p:cNvPr id="7" name="Rectangle 6">
+            <a:extLst>
+              <a:ext uri="{FF2B5EF4-FFF2-40B4-BE49-F238E27FC236}">
+                <a16:creationId xmlns:a16="http://schemas.microsoft.com/office/drawing/2014/main" id="{6EA44666-39EC-4B1F-B6A6-47C272F56798}"/>
+              </a:ext>
+            </a:extLst>
+          </p:cNvPr>
+          <p:cNvSpPr/>
+          <p:nvPr/>
+        </p:nvSpPr>
+        <p:spPr>
+          <a:xfrm>
+            <a:off x="1078785" y="5022606"/>
+            <a:ext cx="10275013" cy="914400"/>
+          </a:xfrm>
+          <a:prstGeom prst="rect">
+            <a:avLst/>
+          </a:prstGeom>
+          <a:noFill/>
+          <a:ln>
+            <a:solidFill>
+              <a:srgbClr val="FFC107"/>
+            </a:solidFill>
+          </a:ln>
+        </p:spPr>
+        <p:style>
+          <a:lnRef idx="2">
+            <a:schemeClr val="accent1">
+              <a:shade val="15000"/>
+            </a:schemeClr>
+          </a:lnRef>
+          <a:fillRef idx="1">
+            <a:schemeClr val="accent1"/>
+          </a:fillRef>
+          <a:effectRef idx="0">
+            <a:schemeClr val="accent1"/>
+          </a:effectRef>
+          <a:fontRef idx="minor">
+            <a:schemeClr val="lt1"/>
+          </a:fontRef>
+        </p:style>
+        <p:txBody>
+          <a:bodyPr rtlCol="0" anchor="ctr"/>
+          <a:lstStyle/>
+          <a:p>
+            <a:pPr algn="ctr"/>
+            <a:r>
+              <a:rPr lang="en-IN" dirty="0">
+                <a:solidFill>
+                  <a:sysClr val="windowText" lastClr="000000"/>
+                </a:solidFill>
+              </a:rPr>
+              <a:t>We might think we know, but we can go wrong…</a:t>
+            </a:r>
+          </a:p>
+        </p:txBody>
+      </p:sp>
+    </p:spTree>
+    <p:extLst>
+      <p:ext uri="{BB962C8B-B14F-4D97-AF65-F5344CB8AC3E}">
+        <p14:creationId xmlns:p14="http://schemas.microsoft.com/office/powerpoint/2010/main" val="636543214"/>
+      </p:ext>
+    </p:extLst>
+  </p:cSld>
+  <p:clrMapOvr>
+    <a:masterClrMapping/>
+  </p:clrMapOvr>
+  <p:timing>
+    <p:tnLst>
+      <p:par>
+        <p:cTn id="1" dur="indefinite" restart="never" nodeType="tmRoot">
+          <p:childTnLst>
+            <p:seq concurrent="1" nextAc="seek">
+              <p:cTn id="2" dur="indefinite" nodeType="mainSeq">
+                <p:childTnLst>
+                  <p:par>
+                    <p:cTn id="3" fill="hold">
+                      <p:stCondLst>
+                        <p:cond delay="indefinite"/>
+                      </p:stCondLst>
+                      <p:childTnLst>
+                        <p:par>
+                          <p:cTn id="4" fill="hold">
+                            <p:stCondLst>
+                              <p:cond delay="0"/>
+                            </p:stCondLst>
+                            <p:childTnLst>
+                              <p:par>
+                                <p:cTn id="5" presetID="10" presetClass="entr" presetSubtype="0" fill="hold" nodeType="clickEffect">
+                                  <p:stCondLst>
+                                    <p:cond delay="0"/>
+                                  </p:stCondLst>
+                                  <p:childTnLst>
+                                    <p:set>
+                                      <p:cBhvr>
+                                        <p:cTn id="6" dur="1" fill="hold">
+                                          <p:stCondLst>
+                                            <p:cond delay="0"/>
+                                          </p:stCondLst>
+                                        </p:cTn>
+                                        <p:tgtEl>
+                                          <p:spTgt spid="5"/>
+                                        </p:tgtEl>
+                                        <p:attrNameLst>
+                                          <p:attrName>style.visibility</p:attrName>
+                                        </p:attrNameLst>
+                                      </p:cBhvr>
+                                      <p:to>
+                                        <p:strVal val="visible"/>
+                                      </p:to>
+                                    </p:set>
+                                    <p:animEffect transition="in" filter="fade">
+                                      <p:cBhvr>
+                                        <p:cTn id="7" dur="500"/>
+                                        <p:tgtEl>
+                                          <p:spTgt spid="5"/>
+                                        </p:tgtEl>
+                                      </p:cBhvr>
+                                    </p:animEffect>
+                                  </p:childTnLst>
+                                </p:cTn>
+                              </p:par>
+                            </p:childTnLst>
+                          </p:cTn>
+                        </p:par>
+                      </p:childTnLst>
+                    </p:cTn>
+                  </p:par>
+                  <p:par>
+                    <p:cTn id="8" fill="hold">
+                      <p:stCondLst>
+                        <p:cond delay="indefinite"/>
+                      </p:stCondLst>
+                      <p:childTnLst>
+                        <p:par>
+                          <p:cTn id="9" fill="hold">
+                            <p:stCondLst>
+                              <p:cond delay="0"/>
+                            </p:stCondLst>
+                            <p:childTnLst>
+                              <p:par>
+                                <p:cTn id="10" presetID="10" presetClass="entr" presetSubtype="0" fill="hold" grpId="0" nodeType="clickEffect">
+                                  <p:stCondLst>
+                                    <p:cond delay="0"/>
+                                  </p:stCondLst>
+                                  <p:childTnLst>
+                                    <p:set>
+                                      <p:cBhvr>
+                                        <p:cTn id="11" dur="1" fill="hold">
+                                          <p:stCondLst>
+                                            <p:cond delay="0"/>
+                                          </p:stCondLst>
+                                        </p:cTn>
+                                        <p:tgtEl>
+                                          <p:spTgt spid="6"/>
+                                        </p:tgtEl>
+                                        <p:attrNameLst>
+                                          <p:attrName>style.visibility</p:attrName>
+                                        </p:attrNameLst>
+                                      </p:cBhvr>
+                                      <p:to>
+                                        <p:strVal val="visible"/>
+                                      </p:to>
+                                    </p:set>
+                                    <p:animEffect transition="in" filter="fade">
+                                      <p:cBhvr>
+                                        <p:cTn id="12" dur="500"/>
+                                        <p:tgtEl>
+                                          <p:spTgt spid="6"/>
+                                        </p:tgtEl>
+                                      </p:cBhvr>
+                                    </p:animEffect>
+                                  </p:childTnLst>
+                                </p:cTn>
+                              </p:par>
+                            </p:childTnLst>
+                          </p:cTn>
+                        </p:par>
+                      </p:childTnLst>
+                    </p:cTn>
+                  </p:par>
+                  <p:par>
+                    <p:cTn id="13" fill="hold">
+                      <p:stCondLst>
+                        <p:cond delay="indefinite"/>
+                      </p:stCondLst>
+                      <p:childTnLst>
+                        <p:par>
+                          <p:cTn id="14" fill="hold">
+                            <p:stCondLst>
+                              <p:cond delay="0"/>
+                            </p:stCondLst>
+                            <p:childTnLst>
+                              <p:par>
+                                <p:cTn id="15" presetID="10" presetClass="entr" presetSubtype="0" fill="hold" grpId="0" nodeType="clickEffect">
+                                  <p:stCondLst>
+                                    <p:cond delay="0"/>
+                                  </p:stCondLst>
+                                  <p:childTnLst>
+                                    <p:set>
+                                      <p:cBhvr>
+                                        <p:cTn id="16" dur="1" fill="hold">
+                                          <p:stCondLst>
+                                            <p:cond delay="0"/>
+                                          </p:stCondLst>
+                                        </p:cTn>
+                                        <p:tgtEl>
+                                          <p:spTgt spid="7"/>
+                                        </p:tgtEl>
+                                        <p:attrNameLst>
+                                          <p:attrName>style.visibility</p:attrName>
+                                        </p:attrNameLst>
+                                      </p:cBhvr>
+                                      <p:to>
+                                        <p:strVal val="visible"/>
+                                      </p:to>
+                                    </p:set>
+                                    <p:animEffect transition="in" filter="fade">
+                                      <p:cBhvr>
+                                        <p:cTn id="17" dur="500"/>
+                                        <p:tgtEl>
+                                          <p:spTgt spid="7"/>
+                                        </p:tgtEl>
+                                      </p:cBhvr>
+                                    </p:animEffect>
+                                  </p:childTnLst>
+                                </p:cTn>
+                              </p:par>
+                            </p:childTnLst>
+                          </p:cTn>
+                        </p:par>
+                      </p:childTnLst>
+                    </p:cTn>
+                  </p:par>
+                </p:childTnLst>
+              </p:cTn>
+              <p:prevCondLst>
+                <p:cond evt="onPrev" delay="0">
+                  <p:tgtEl>
+                    <p:sldTgt/>
+                  </p:tgtEl>
+                </p:cond>
+              </p:prevCondLst>
+              <p:nextCondLst>
+                <p:cond evt="onNext" delay="0">
+                  <p:tgtEl>
+                    <p:sldTgt/>
+                  </p:tgtEl>
+                </p:cond>
+              </p:nextCondLst>
+            </p:seq>
+          </p:childTnLst>
+        </p:cTn>
+      </p:par>
+    </p:tnLst>
+    <p:bldLst>
+      <p:bldP spid="6" grpId="0" animBg="1"/>
+      <p:bldP spid="7" grpId="0" animBg="1"/>
+    </p:bldLst>
+  </p:timing>
+</p:sld>
+</file>
+
+<file path=ppt/slides/slide6.xml><?xml version="1.0" encoding="utf-8"?>
+<p:sld xmlns:a="http://schemas.openxmlformats.org/drawingml/2006/main" xmlns:r="http://schemas.openxmlformats.org/officeDocument/2006/relationships" xmlns:p="http://schemas.openxmlformats.org/presentationml/2006/main">
+  <p:cSld>
+    <p:spTree>
+      <p:nvGrpSpPr>
+        <p:cNvPr id="1" name=""/>
+        <p:cNvGrpSpPr/>
+        <p:nvPr/>
+      </p:nvGrpSpPr>
+      <p:grpSpPr>
+        <a:xfrm>
+          <a:off x="0" y="0"/>
+          <a:ext cx="0" cy="0"/>
+          <a:chOff x="0" y="0"/>
+          <a:chExt cx="0" cy="0"/>
+        </a:xfrm>
+      </p:grpSpPr>
+      <p:sp>
+        <p:nvSpPr>
+          <p:cNvPr id="2" name="Title 1">
+            <a:extLst>
+              <a:ext uri="{FF2B5EF4-FFF2-40B4-BE49-F238E27FC236}">
+                <a16:creationId xmlns:a16="http://schemas.microsoft.com/office/drawing/2014/main" id="{BC325E02-03A2-8442-0193-0F13E08E425B}"/>
+              </a:ext>
+            </a:extLst>
+          </p:cNvPr>
+          <p:cNvSpPr>
+            <a:spLocks noGrp="1"/>
+          </p:cNvSpPr>
+          <p:nvPr>
+            <p:ph type="title"/>
+          </p:nvPr>
+        </p:nvSpPr>
+        <p:spPr/>
+        <p:txBody>
+          <a:bodyPr/>
+          <a:lstStyle/>
+          <a:p>
+            <a:r>
+              <a:rPr lang="en-IN" dirty="0"/>
+              <a:t>The Ticket</a:t>
+            </a:r>
+          </a:p>
+        </p:txBody>
+      </p:sp>
+      <p:pic>
+        <p:nvPicPr>
+          <p:cNvPr id="5" name="Picture 4">
+            <a:extLst>
+              <a:ext uri="{FF2B5EF4-FFF2-40B4-BE49-F238E27FC236}">
+                <a16:creationId xmlns:a16="http://schemas.microsoft.com/office/drawing/2014/main" id="{99F7BFA3-76DB-3B42-53CA-AF953D192CD2}"/>
+              </a:ext>
+            </a:extLst>
+          </p:cNvPr>
+          <p:cNvPicPr>
+            <a:picLocks noChangeAspect="1"/>
+          </p:cNvPicPr>
+          <p:nvPr/>
+        </p:nvPicPr>
+        <p:blipFill>
+          <a:blip r:embed="rId3">
+            <a:extLst>
+              <a:ext uri="{BEBA8EAE-BF5A-486C-A8C5-ECC9F3942E4B}">
+                <a14:imgProps xmlns:a14="http://schemas.microsoft.com/office/drawing/2010/main">
+                  <a14:imgLayer r:embed="rId4">
+                    <a14:imgEffect>
+                      <a14:artisticPaintStrokes/>
+                    </a14:imgEffect>
+                  </a14:imgLayer>
+                </a14:imgProps>
+              </a:ext>
+              <a:ext uri="{28A0092B-C50C-407E-A947-70E740481C1C}">
+                <a14:useLocalDpi xmlns:a14="http://schemas.microsoft.com/office/drawing/2010/main" val="0"/>
+              </a:ext>
+            </a:extLst>
+          </a:blip>
+          <a:stretch>
+            <a:fillRect/>
+          </a:stretch>
+        </p:blipFill>
+        <p:spPr>
+          <a:xfrm>
+            <a:off x="3398980" y="2352585"/>
+            <a:ext cx="5394040" cy="319002"/>
+          </a:xfrm>
+          <a:prstGeom prst="rect">
+            <a:avLst/>
+          </a:prstGeom>
+        </p:spPr>
+      </p:pic>
+      <p:sp>
+        <p:nvSpPr>
+          <p:cNvPr id="6" name="Rectangle 5">
+            <a:extLst>
+              <a:ext uri="{FF2B5EF4-FFF2-40B4-BE49-F238E27FC236}">
+                <a16:creationId xmlns:a16="http://schemas.microsoft.com/office/drawing/2014/main" id="{F0F86229-D561-FBD9-EC8B-11F88CE637B4}"/>
+              </a:ext>
+            </a:extLst>
+          </p:cNvPr>
+          <p:cNvSpPr/>
+          <p:nvPr/>
+        </p:nvSpPr>
+        <p:spPr>
+          <a:xfrm>
+            <a:off x="1097194" y="3811712"/>
+            <a:ext cx="9997611" cy="914400"/>
+          </a:xfrm>
+          <a:prstGeom prst="rect">
+            <a:avLst/>
+          </a:prstGeom>
+          <a:noFill/>
+          <a:ln>
+            <a:solidFill>
+              <a:srgbClr val="FFC107"/>
+            </a:solidFill>
+          </a:ln>
+        </p:spPr>
+        <p:style>
+          <a:lnRef idx="2">
+            <a:schemeClr val="accent1">
+              <a:shade val="15000"/>
+            </a:schemeClr>
+          </a:lnRef>
+          <a:fillRef idx="1">
+            <a:schemeClr val="accent1"/>
+          </a:fillRef>
+          <a:effectRef idx="0">
+            <a:schemeClr val="accent1"/>
+          </a:effectRef>
+          <a:fontRef idx="minor">
+            <a:schemeClr val="lt1"/>
+          </a:fontRef>
+        </p:style>
+        <p:txBody>
+          <a:bodyPr rtlCol="0" anchor="ctr"/>
+          <a:lstStyle/>
+          <a:p>
+            <a:pPr algn="ctr"/>
+            <a:r>
+              <a:rPr lang="en-IN" dirty="0">
+                <a:solidFill>
+                  <a:sysClr val="windowText" lastClr="000000"/>
+                </a:solidFill>
+              </a:rPr>
+              <a:t>One team is drowning in 132 tickets. Who’s rescuing them? </a:t>
+            </a:r>
+          </a:p>
+        </p:txBody>
+      </p:sp>
+    </p:spTree>
+    <p:extLst>
+      <p:ext uri="{BB962C8B-B14F-4D97-AF65-F5344CB8AC3E}">
+        <p14:creationId xmlns:p14="http://schemas.microsoft.com/office/powerpoint/2010/main" val="2523794319"/>
+      </p:ext>
+    </p:extLst>
+  </p:cSld>
+  <p:clrMapOvr>
+    <a:masterClrMapping/>
+  </p:clrMapOvr>
+  <p:timing>
+    <p:tnLst>
+      <p:par>
+        <p:cTn id="1" dur="indefinite" restart="never" nodeType="tmRoot">
+          <p:childTnLst>
+            <p:seq concurrent="1" nextAc="seek">
+              <p:cTn id="2" dur="indefinite" nodeType="mainSeq">
+                <p:childTnLst>
+                  <p:par>
+                    <p:cTn id="3" fill="hold">
+                      <p:stCondLst>
+                        <p:cond delay="indefinite"/>
+                      </p:stCondLst>
+                      <p:childTnLst>
+                        <p:par>
+                          <p:cTn id="4" fill="hold">
+                            <p:stCondLst>
+                              <p:cond delay="0"/>
+                            </p:stCondLst>
+                            <p:childTnLst>
+                              <p:par>
+                                <p:cTn id="5" presetID="10" presetClass="entr" presetSubtype="0" fill="hold" nodeType="clickEffect">
+                                  <p:stCondLst>
+                                    <p:cond delay="0"/>
+                                  </p:stCondLst>
+                                  <p:childTnLst>
+                                    <p:set>
+                                      <p:cBhvr>
+                                        <p:cTn id="6" dur="1" fill="hold">
+                                          <p:stCondLst>
+                                            <p:cond delay="0"/>
+                                          </p:stCondLst>
+                                        </p:cTn>
+                                        <p:tgtEl>
+                                          <p:spTgt spid="5"/>
+                                        </p:tgtEl>
+                                        <p:attrNameLst>
+                                          <p:attrName>style.visibility</p:attrName>
+                                        </p:attrNameLst>
+                                      </p:cBhvr>
+                                      <p:to>
+                                        <p:strVal val="visible"/>
+                                      </p:to>
+                                    </p:set>
+                                    <p:animEffect transition="in" filter="fade">
+                                      <p:cBhvr>
+                                        <p:cTn id="7" dur="500"/>
+                                        <p:tgtEl>
+                                          <p:spTgt spid="5"/>
+                                        </p:tgtEl>
+                                      </p:cBhvr>
+                                    </p:animEffect>
+                                  </p:childTnLst>
+                                </p:cTn>
+                              </p:par>
+                            </p:childTnLst>
+                          </p:cTn>
+                        </p:par>
+                      </p:childTnLst>
+                    </p:cTn>
+                  </p:par>
+                  <p:par>
+                    <p:cTn id="8" fill="hold">
+                      <p:stCondLst>
+                        <p:cond delay="indefinite"/>
+                      </p:stCondLst>
+                      <p:childTnLst>
+                        <p:par>
+                          <p:cTn id="9" fill="hold">
+                            <p:stCondLst>
+                              <p:cond delay="0"/>
+                            </p:stCondLst>
+                            <p:childTnLst>
+                              <p:par>
+                                <p:cTn id="10" presetID="10" presetClass="entr" presetSubtype="0" fill="hold" grpId="0" nodeType="clickEffect">
+                                  <p:stCondLst>
+                                    <p:cond delay="0"/>
+                                  </p:stCondLst>
+                                  <p:childTnLst>
+                                    <p:set>
+                                      <p:cBhvr>
+                                        <p:cTn id="11" dur="1" fill="hold">
+                                          <p:stCondLst>
+                                            <p:cond delay="0"/>
+                                          </p:stCondLst>
+                                        </p:cTn>
+                                        <p:tgtEl>
+                                          <p:spTgt spid="6"/>
+                                        </p:tgtEl>
+                                        <p:attrNameLst>
+                                          <p:attrName>style.visibility</p:attrName>
+                                        </p:attrNameLst>
+                                      </p:cBhvr>
+                                      <p:to>
+                                        <p:strVal val="visible"/>
+                                      </p:to>
+                                    </p:set>
+                                    <p:animEffect transition="in" filter="fade">
+                                      <p:cBhvr>
+                                        <p:cTn id="12" dur="500"/>
+                                        <p:tgtEl>
+                                          <p:spTgt spid="6"/>
+                                        </p:tgtEl>
+                                      </p:cBhvr>
+                                    </p:animEffect>
+                                  </p:childTnLst>
+                                </p:cTn>
+                              </p:par>
+                            </p:childTnLst>
+                          </p:cTn>
+                        </p:par>
+                      </p:childTnLst>
+                    </p:cTn>
+                  </p:par>
+                </p:childTnLst>
+              </p:cTn>
+              <p:prevCondLst>
+                <p:cond evt="onPrev" delay="0">
+                  <p:tgtEl>
+                    <p:sldTgt/>
+                  </p:tgtEl>
+                </p:cond>
+              </p:prevCondLst>
+              <p:nextCondLst>
+                <p:cond evt="onNext" delay="0">
+                  <p:tgtEl>
+                    <p:sldTgt/>
+                  </p:tgtEl>
+                </p:cond>
+              </p:nextCondLst>
+            </p:seq>
+          </p:childTnLst>
+        </p:cTn>
+      </p:par>
+    </p:tnLst>
+    <p:bldLst>
+      <p:bldP spid="6" grpId="0" animBg="1"/>
+    </p:bldLst>
+  </p:timing>
+</p:sld>
+</file>
+
+<file path=ppt/slides/slide7.xml><?xml version="1.0" encoding="utf-8"?>
+<p:sld xmlns:a="http://schemas.openxmlformats.org/drawingml/2006/main" xmlns:r="http://schemas.openxmlformats.org/officeDocument/2006/relationships" xmlns:p="http://schemas.openxmlformats.org/presentationml/2006/main">
+  <p:cSld>
+    <p:spTree>
+      <p:nvGrpSpPr>
+        <p:cNvPr id="1" name=""/>
+        <p:cNvGrpSpPr/>
+        <p:nvPr/>
+      </p:nvGrpSpPr>
+      <p:grpSpPr>
+        <a:xfrm>
+          <a:off x="0" y="0"/>
+          <a:ext cx="0" cy="0"/>
+          <a:chOff x="0" y="0"/>
+          <a:chExt cx="0" cy="0"/>
+        </a:xfrm>
+      </p:grpSpPr>
+      <p:sp>
+        <p:nvSpPr>
+          <p:cNvPr id="2" name="Title 1">
+            <a:extLst>
+              <a:ext uri="{FF2B5EF4-FFF2-40B4-BE49-F238E27FC236}">
+                <a16:creationId xmlns:a16="http://schemas.microsoft.com/office/drawing/2014/main" id="{7B46E510-1BBF-1549-5789-2E0C89B14DFF}"/>
+              </a:ext>
+            </a:extLst>
+          </p:cNvPr>
+          <p:cNvSpPr>
+            <a:spLocks noGrp="1"/>
+          </p:cNvSpPr>
+          <p:nvPr>
+            <p:ph type="title"/>
+          </p:nvPr>
+        </p:nvSpPr>
+        <p:spPr/>
+        <p:txBody>
+          <a:bodyPr/>
+          <a:lstStyle/>
+          <a:p>
+            <a:r>
+              <a:rPr lang="en-IN" dirty="0"/>
+              <a:t>The Silent Growth</a:t>
+            </a:r>
+          </a:p>
+        </p:txBody>
+      </p:sp>
+      <p:pic>
+        <p:nvPicPr>
+          <p:cNvPr id="5" name="Picture 4">
+            <a:extLst>
+              <a:ext uri="{FF2B5EF4-FFF2-40B4-BE49-F238E27FC236}">
+                <a16:creationId xmlns:a16="http://schemas.microsoft.com/office/drawing/2014/main" id="{4003C541-E7AB-E6CE-18AB-65EC3584CCD0}"/>
+              </a:ext>
+            </a:extLst>
+          </p:cNvPr>
+          <p:cNvPicPr>
+            <a:picLocks noChangeAspect="1"/>
+          </p:cNvPicPr>
+          <p:nvPr/>
+        </p:nvPicPr>
+        <p:blipFill>
+          <a:blip r:embed="rId3">
+            <a:extLst>
+              <a:ext uri="{BEBA8EAE-BF5A-486C-A8C5-ECC9F3942E4B}">
+                <a14:imgProps xmlns:a14="http://schemas.microsoft.com/office/drawing/2010/main">
+                  <a14:imgLayer r:embed="rId4">
+                    <a14:imgEffect>
+                      <a14:artisticFilmGrain/>
+                    </a14:imgEffect>
+                  </a14:imgLayer>
+                </a14:imgProps>
+              </a:ext>
+              <a:ext uri="{28A0092B-C50C-407E-A947-70E740481C1C}">
+                <a14:useLocalDpi xmlns:a14="http://schemas.microsoft.com/office/drawing/2010/main" val="0"/>
+              </a:ext>
+            </a:extLst>
+          </a:blip>
+          <a:stretch>
+            <a:fillRect/>
+          </a:stretch>
+        </p:blipFill>
+        <p:spPr>
+          <a:xfrm>
+            <a:off x="2791535" y="2243151"/>
+            <a:ext cx="6608929" cy="527093"/>
+          </a:xfrm>
+          <a:prstGeom prst="rect">
+            <a:avLst/>
+          </a:prstGeom>
+        </p:spPr>
+      </p:pic>
+      <p:sp>
+        <p:nvSpPr>
+          <p:cNvPr id="6" name="Rectangle 5">
+            <a:extLst>
+              <a:ext uri="{FF2B5EF4-FFF2-40B4-BE49-F238E27FC236}">
+                <a16:creationId xmlns:a16="http://schemas.microsoft.com/office/drawing/2014/main" id="{AAAD780F-B04A-268C-BD21-FB8CF3235D5A}"/>
+              </a:ext>
+            </a:extLst>
+          </p:cNvPr>
+          <p:cNvSpPr/>
+          <p:nvPr/>
+        </p:nvSpPr>
+        <p:spPr>
+          <a:xfrm>
+            <a:off x="1222624" y="4150759"/>
+            <a:ext cx="10037851" cy="914400"/>
+          </a:xfrm>
+          <a:prstGeom prst="rect">
+            <a:avLst/>
+          </a:prstGeom>
+          <a:noFill/>
+          <a:ln>
+            <a:solidFill>
+              <a:srgbClr val="FFC107"/>
+            </a:solidFill>
+          </a:ln>
+        </p:spPr>
+        <p:style>
+          <a:lnRef idx="2">
+            <a:schemeClr val="accent1">
+              <a:shade val="15000"/>
+            </a:schemeClr>
+          </a:lnRef>
+          <a:fillRef idx="1">
+            <a:schemeClr val="accent1"/>
+          </a:fillRef>
+          <a:effectRef idx="0">
+            <a:schemeClr val="accent1"/>
+          </a:effectRef>
+          <a:fontRef idx="minor">
+            <a:schemeClr val="lt1"/>
+          </a:fontRef>
+        </p:style>
+        <p:txBody>
+          <a:bodyPr rtlCol="0" anchor="ctr"/>
+          <a:lstStyle/>
+          <a:p>
+            <a:pPr algn="ctr"/>
+            <a:r>
+              <a:rPr lang="en-IN" dirty="0">
+                <a:solidFill>
+                  <a:sysClr val="windowText" lastClr="000000"/>
+                </a:solidFill>
+              </a:rPr>
+              <a:t>Some clients are ready to give more revenue. Are we listening?</a:t>
+            </a:r>
+          </a:p>
+        </p:txBody>
+      </p:sp>
+    </p:spTree>
+    <p:extLst>
+      <p:ext uri="{BB962C8B-B14F-4D97-AF65-F5344CB8AC3E}">
+        <p14:creationId xmlns:p14="http://schemas.microsoft.com/office/powerpoint/2010/main" val="2747499993"/>
+      </p:ext>
+    </p:extLst>
+  </p:cSld>
+  <p:clrMapOvr>
+    <a:masterClrMapping/>
+  </p:clrMapOvr>
+  <p:timing>
+    <p:tnLst>
+      <p:par>
+        <p:cTn id="1" dur="indefinite" restart="never" nodeType="tmRoot">
+          <p:childTnLst>
+            <p:seq concurrent="1" nextAc="seek">
+              <p:cTn id="2" dur="indefinite" nodeType="mainSeq">
+                <p:childTnLst>
+                  <p:par>
+                    <p:cTn id="3" fill="hold">
+                      <p:stCondLst>
+                        <p:cond delay="indefinite"/>
+                      </p:stCondLst>
+                      <p:childTnLst>
+                        <p:par>
+                          <p:cTn id="4" fill="hold">
+                            <p:stCondLst>
+                              <p:cond delay="0"/>
+                            </p:stCondLst>
+                            <p:childTnLst>
+                              <p:par>
+                                <p:cTn id="5" presetID="22" presetClass="entr" presetSubtype="4" fill="hold" nodeType="clickEffect">
+                                  <p:stCondLst>
+                                    <p:cond delay="0"/>
+                                  </p:stCondLst>
+                                  <p:childTnLst>
+                                    <p:set>
+                                      <p:cBhvr>
+                                        <p:cTn id="6" dur="1" fill="hold">
+                                          <p:stCondLst>
+                                            <p:cond delay="0"/>
+                                          </p:stCondLst>
+                                        </p:cTn>
+                                        <p:tgtEl>
+                                          <p:spTgt spid="5"/>
+                                        </p:tgtEl>
+                                        <p:attrNameLst>
+                                          <p:attrName>style.visibility</p:attrName>
+                                        </p:attrNameLst>
+                                      </p:cBhvr>
+                                      <p:to>
+                                        <p:strVal val="visible"/>
+                                      </p:to>
+                                    </p:set>
+                                    <p:animEffect transition="in" filter="wipe(down)">
+                                      <p:cBhvr>
+                                        <p:cTn id="7" dur="500"/>
+                                        <p:tgtEl>
+                                          <p:spTgt spid="5"/>
+                                        </p:tgtEl>
+                                      </p:cBhvr>
+                                    </p:animEffect>
+                                  </p:childTnLst>
+                                </p:cTn>
+                              </p:par>
+                            </p:childTnLst>
+                          </p:cTn>
+                        </p:par>
+                      </p:childTnLst>
+                    </p:cTn>
+                  </p:par>
+                  <p:par>
+                    <p:cTn id="8" fill="hold">
+                      <p:stCondLst>
+                        <p:cond delay="indefinite"/>
+                      </p:stCondLst>
+                      <p:childTnLst>
+                        <p:par>
+                          <p:cTn id="9" fill="hold">
+                            <p:stCondLst>
+                              <p:cond delay="0"/>
+                            </p:stCondLst>
+                            <p:childTnLst>
+                              <p:par>
+                                <p:cTn id="10" presetID="10" presetClass="entr" presetSubtype="0" fill="hold" grpId="0" nodeType="clickEffect">
+                                  <p:stCondLst>
+                                    <p:cond delay="0"/>
+                                  </p:stCondLst>
+                                  <p:childTnLst>
+                                    <p:set>
+                                      <p:cBhvr>
+                                        <p:cTn id="11" dur="1" fill="hold">
+                                          <p:stCondLst>
+                                            <p:cond delay="0"/>
+                                          </p:stCondLst>
+                                        </p:cTn>
+                                        <p:tgtEl>
+                                          <p:spTgt spid="6"/>
+                                        </p:tgtEl>
+                                        <p:attrNameLst>
+                                          <p:attrName>style.visibility</p:attrName>
+                                        </p:attrNameLst>
+                                      </p:cBhvr>
+                                      <p:to>
+                                        <p:strVal val="visible"/>
+                                      </p:to>
+                                    </p:set>
+                                    <p:animEffect transition="in" filter="fade">
+                                      <p:cBhvr>
+                                        <p:cTn id="12" dur="500"/>
+                                        <p:tgtEl>
+                                          <p:spTgt spid="6"/>
+                                        </p:tgtEl>
+                                      </p:cBhvr>
+                                    </p:animEffect>
+                                  </p:childTnLst>
+                                </p:cTn>
+                              </p:par>
+                            </p:childTnLst>
+                          </p:cTn>
+                        </p:par>
+                      </p:childTnLst>
+                    </p:cTn>
+                  </p:par>
+                </p:childTnLst>
+              </p:cTn>
+              <p:prevCondLst>
+                <p:cond evt="onPrev" delay="0">
+                  <p:tgtEl>
+                    <p:sldTgt/>
+                  </p:tgtEl>
+                </p:cond>
+              </p:prevCondLst>
+              <p:nextCondLst>
+                <p:cond evt="onNext" delay="0">
+                  <p:tgtEl>
+                    <p:sldTgt/>
+                  </p:tgtEl>
+                </p:cond>
+              </p:nextCondLst>
+            </p:seq>
+          </p:childTnLst>
+        </p:cTn>
+      </p:par>
+    </p:tnLst>
+    <p:bldLst>
+      <p:bldP spid="6" grpId="0" animBg="1"/>
+    </p:bldLst>
+  </p:timing>
+</p:sld>
+</file>
+
+<file path=ppt/slides/slide8.xml><?xml version="1.0" encoding="utf-8"?>
+<p:sld xmlns:a="http://schemas.openxmlformats.org/drawingml/2006/main" xmlns:r="http://schemas.openxmlformats.org/officeDocument/2006/relationships" xmlns:p="http://schemas.openxmlformats.org/presentationml/2006/main">
+  <p:cSld>
+    <p:spTree>
+      <p:nvGrpSpPr>
+        <p:cNvPr id="1" name=""/>
+        <p:cNvGrpSpPr/>
+        <p:nvPr/>
+      </p:nvGrpSpPr>
+      <p:grpSpPr>
+        <a:xfrm>
+          <a:off x="0" y="0"/>
+          <a:ext cx="0" cy="0"/>
+          <a:chOff x="0" y="0"/>
+          <a:chExt cx="0" cy="0"/>
+        </a:xfrm>
+      </p:grpSpPr>
+      <p:sp>
+        <p:nvSpPr>
+          <p:cNvPr id="2" name="Title 1">
+            <a:extLst>
+              <a:ext uri="{FF2B5EF4-FFF2-40B4-BE49-F238E27FC236}">
+                <a16:creationId xmlns:a16="http://schemas.microsoft.com/office/drawing/2014/main" id="{42E584D5-D746-FFBE-3EAA-DA567F8909D1}"/>
+              </a:ext>
+            </a:extLst>
+          </p:cNvPr>
+          <p:cNvSpPr>
+            <a:spLocks noGrp="1"/>
+          </p:cNvSpPr>
+          <p:nvPr>
+            <p:ph type="title"/>
+          </p:nvPr>
+        </p:nvSpPr>
+        <p:spPr/>
+        <p:txBody>
+          <a:bodyPr/>
+          <a:lstStyle/>
+          <a:p>
+            <a:r>
+              <a:rPr lang="en-IN" dirty="0"/>
+              <a:t>The Solution</a:t>
+            </a:r>
+          </a:p>
+        </p:txBody>
+      </p:sp>
+      <p:pic>
+        <p:nvPicPr>
+          <p:cNvPr id="5" name="Picture 4">
+            <a:extLst>
+              <a:ext uri="{FF2B5EF4-FFF2-40B4-BE49-F238E27FC236}">
+                <a16:creationId xmlns:a16="http://schemas.microsoft.com/office/drawing/2014/main" id="{B00BBBD5-161B-4EE7-060E-722B802921EC}"/>
+              </a:ext>
+            </a:extLst>
+          </p:cNvPr>
+          <p:cNvPicPr>
+            <a:picLocks noChangeAspect="1"/>
+          </p:cNvPicPr>
+          <p:nvPr/>
+        </p:nvPicPr>
+        <p:blipFill>
+          <a:blip r:embed="rId3">
+            <a:extLst>
+              <a:ext uri="{28A0092B-C50C-407E-A947-70E740481C1C}">
+                <a14:useLocalDpi xmlns:a14="http://schemas.microsoft.com/office/drawing/2010/main" val="0"/>
+              </a:ext>
+            </a:extLst>
+          </a:blip>
+          <a:stretch>
+            <a:fillRect/>
+          </a:stretch>
+        </p:blipFill>
+        <p:spPr>
+          <a:xfrm>
+            <a:off x="5777340" y="2530011"/>
+            <a:ext cx="6202328" cy="3489131"/>
+          </a:xfrm>
+          <a:prstGeom prst="rect">
+            <a:avLst/>
+          </a:prstGeom>
+          <a:ln>
+            <a:noFill/>
+          </a:ln>
+          <a:effectLst>
+            <a:softEdge rad="112500"/>
+          </a:effectLst>
+        </p:spPr>
+      </p:pic>
+      <p:sp>
+        <p:nvSpPr>
+          <p:cNvPr id="6" name="Rectangle 5">
+            <a:extLst>
+              <a:ext uri="{FF2B5EF4-FFF2-40B4-BE49-F238E27FC236}">
+                <a16:creationId xmlns:a16="http://schemas.microsoft.com/office/drawing/2014/main" id="{98A3578F-A9A2-487D-EE45-BDB49737AE6E}"/>
+              </a:ext>
+            </a:extLst>
+          </p:cNvPr>
+          <p:cNvSpPr/>
+          <p:nvPr/>
+        </p:nvSpPr>
+        <p:spPr>
+          <a:xfrm>
+            <a:off x="680320" y="3074541"/>
+            <a:ext cx="4705565" cy="708917"/>
+          </a:xfrm>
+          <a:prstGeom prst="rect">
+            <a:avLst/>
+          </a:prstGeom>
+          <a:noFill/>
+          <a:ln>
+            <a:solidFill>
+              <a:srgbClr val="FFC107"/>
+            </a:solidFill>
+          </a:ln>
+        </p:spPr>
+        <p:style>
+          <a:lnRef idx="2">
+            <a:schemeClr val="accent1">
+              <a:shade val="15000"/>
+            </a:schemeClr>
+          </a:lnRef>
+          <a:fillRef idx="1">
+            <a:schemeClr val="accent1"/>
+          </a:fillRef>
+          <a:effectRef idx="0">
+            <a:schemeClr val="accent1"/>
+          </a:effectRef>
+          <a:fontRef idx="minor">
+            <a:schemeClr val="lt1"/>
+          </a:fontRef>
+        </p:style>
+        <p:txBody>
+          <a:bodyPr rtlCol="0" anchor="ctr"/>
+          <a:lstStyle/>
+          <a:p>
+            <a:pPr algn="ctr"/>
+            <a:r>
+              <a:rPr lang="en-IN" dirty="0">
+                <a:solidFill>
+                  <a:sysClr val="windowText" lastClr="000000"/>
+                </a:solidFill>
+              </a:rPr>
+              <a:t>What if you could get all these data with just 5 clicks or less?</a:t>
+            </a:r>
+          </a:p>
+        </p:txBody>
+      </p:sp>
+      <p:sp>
+        <p:nvSpPr>
+          <p:cNvPr id="7" name="Rectangle 6">
+            <a:extLst>
+              <a:ext uri="{FF2B5EF4-FFF2-40B4-BE49-F238E27FC236}">
+                <a16:creationId xmlns:a16="http://schemas.microsoft.com/office/drawing/2014/main" id="{14DA6645-2332-6B22-4390-3BACFDADFF97}"/>
+              </a:ext>
+            </a:extLst>
+          </p:cNvPr>
+          <p:cNvSpPr/>
+          <p:nvPr/>
+        </p:nvSpPr>
+        <p:spPr>
+          <a:xfrm>
+            <a:off x="680321" y="5238832"/>
+            <a:ext cx="4705565" cy="708917"/>
+          </a:xfrm>
+          <a:prstGeom prst="rect">
+            <a:avLst/>
+          </a:prstGeom>
+          <a:noFill/>
+          <a:ln>
+            <a:solidFill>
+              <a:srgbClr val="FFC107"/>
+            </a:solidFill>
+          </a:ln>
+        </p:spPr>
+        <p:style>
+          <a:lnRef idx="2">
+            <a:schemeClr val="accent1">
+              <a:shade val="15000"/>
+            </a:schemeClr>
+          </a:lnRef>
+          <a:fillRef idx="1">
+            <a:schemeClr val="accent1"/>
+          </a:fillRef>
+          <a:effectRef idx="0">
+            <a:schemeClr val="accent1"/>
+          </a:effectRef>
+          <a:fontRef idx="minor">
+            <a:schemeClr val="lt1"/>
+          </a:fontRef>
+        </p:style>
+        <p:txBody>
+          <a:bodyPr rtlCol="0" anchor="ctr"/>
+          <a:lstStyle/>
+          <a:p>
+            <a:pPr algn="ctr"/>
+            <a:r>
+              <a:rPr lang="en-IN" dirty="0">
+                <a:solidFill>
+                  <a:sysClr val="windowText" lastClr="000000"/>
+                </a:solidFill>
+              </a:rPr>
+              <a:t>Let me show you how</a:t>
+            </a:r>
+          </a:p>
+        </p:txBody>
+      </p:sp>
+    </p:spTree>
+    <p:extLst>
+      <p:ext uri="{BB962C8B-B14F-4D97-AF65-F5344CB8AC3E}">
+        <p14:creationId xmlns:p14="http://schemas.microsoft.com/office/powerpoint/2010/main" val="3618265448"/>
+      </p:ext>
+    </p:extLst>
+  </p:cSld>
+  <p:clrMapOvr>
+    <a:masterClrMapping/>
+  </p:clrMapOvr>
+  <p:timing>
+    <p:tnLst>
+      <p:par>
+        <p:cTn id="1" dur="indefinite" restart="never" nodeType="tmRoot">
+          <p:childTnLst>
+            <p:seq concurrent="1" nextAc="seek">
+              <p:cTn id="2" dur="indefinite" nodeType="mainSeq">
+                <p:childTnLst>
+                  <p:par>
+                    <p:cTn id="3" fill="hold">
+                      <p:stCondLst>
+                        <p:cond delay="indefinite"/>
+                      </p:stCondLst>
+                      <p:childTnLst>
+                        <p:par>
+                          <p:cTn id="4" fill="hold">
+                            <p:stCondLst>
+                              <p:cond delay="0"/>
+                            </p:stCondLst>
+                            <p:childTnLst>
+                              <p:par>
+                                <p:cTn id="5" presetID="10" presetClass="entr" presetSubtype="0" fill="hold" grpId="0" nodeType="clickEffect">
+                                  <p:stCondLst>
+                                    <p:cond delay="0"/>
+                                  </p:stCondLst>
+                                  <p:childTnLst>
+                                    <p:set>
+                                      <p:cBhvr>
+                                        <p:cTn id="6" dur="1" fill="hold">
+                                          <p:stCondLst>
+                                            <p:cond delay="0"/>
+                                          </p:stCondLst>
+                                        </p:cTn>
+                                        <p:tgtEl>
+                                          <p:spTgt spid="6"/>
+                                        </p:tgtEl>
+                                        <p:attrNameLst>
+                                          <p:attrName>style.visibility</p:attrName>
+                                        </p:attrNameLst>
+                                      </p:cBhvr>
+                                      <p:to>
+                                        <p:strVal val="visible"/>
+                                      </p:to>
+                                    </p:set>
+                                    <p:animEffect transition="in" filter="fade">
+                                      <p:cBhvr>
+                                        <p:cTn id="7" dur="500"/>
+                                        <p:tgtEl>
+                                          <p:spTgt spid="6"/>
+                                        </p:tgtEl>
+                                      </p:cBhvr>
+                                    </p:animEffect>
+                                  </p:childTnLst>
+                                </p:cTn>
+                              </p:par>
+                              <p:par>
+                                <p:cTn id="8" presetID="10" presetClass="entr" presetSubtype="0" fill="hold" nodeType="withEffect">
+                                  <p:stCondLst>
+                                    <p:cond delay="0"/>
+                                  </p:stCondLst>
+                                  <p:childTnLst>
+                                    <p:set>
+                                      <p:cBhvr>
+                                        <p:cTn id="9" dur="1" fill="hold">
+                                          <p:stCondLst>
+                                            <p:cond delay="0"/>
+                                          </p:stCondLst>
+                                        </p:cTn>
+                                        <p:tgtEl>
+                                          <p:spTgt spid="5"/>
+                                        </p:tgtEl>
+                                        <p:attrNameLst>
+                                          <p:attrName>style.visibility</p:attrName>
+                                        </p:attrNameLst>
+                                      </p:cBhvr>
+                                      <p:to>
+                                        <p:strVal val="visible"/>
+                                      </p:to>
+                                    </p:set>
+                                    <p:animEffect transition="in" filter="fade">
+                                      <p:cBhvr>
+                                        <p:cTn id="10" dur="500"/>
+                                        <p:tgtEl>
+                                          <p:spTgt spid="5"/>
+                                        </p:tgtEl>
+                                      </p:cBhvr>
+                                    </p:animEffect>
+                                  </p:childTnLst>
+                                </p:cTn>
+                              </p:par>
+                            </p:childTnLst>
+                          </p:cTn>
+                        </p:par>
+                      </p:childTnLst>
+                    </p:cTn>
+                  </p:par>
+                  <p:par>
+                    <p:cTn id="11" fill="hold">
+                      <p:stCondLst>
+                        <p:cond delay="indefinite"/>
+                      </p:stCondLst>
+                      <p:childTnLst>
+                        <p:par>
+                          <p:cTn id="12" fill="hold">
+                            <p:stCondLst>
+                              <p:cond delay="0"/>
+                            </p:stCondLst>
+                            <p:childTnLst>
+                              <p:par>
+                                <p:cTn id="13" presetID="1" presetClass="entr" presetSubtype="0" fill="hold" grpId="0" nodeType="clickEffect">
+                                  <p:stCondLst>
+                                    <p:cond delay="0"/>
+                                  </p:stCondLst>
+                                  <p:childTnLst>
+                                    <p:set>
+                                      <p:cBhvr>
+                                        <p:cTn id="14" dur="1" fill="hold">
+                                          <p:stCondLst>
+                                            <p:cond delay="0"/>
+                                          </p:stCondLst>
+                                        </p:cTn>
+                                        <p:tgtEl>
+                                          <p:spTgt spid="7"/>
+                                        </p:tgtEl>
+                                        <p:attrNameLst>
+                                          <p:attrName>style.visibility</p:attrName>
+                                        </p:attrNameLst>
+                                      </p:cBhvr>
+                                      <p:to>
+                                        <p:strVal val="visible"/>
+                                      </p:to>
+                                    </p:set>
+                                  </p:childTnLst>
+                                </p:cTn>
+                              </p:par>
+                            </p:childTnLst>
+                          </p:cTn>
+                        </p:par>
+                      </p:childTnLst>
+                    </p:cTn>
+                  </p:par>
+                </p:childTnLst>
+              </p:cTn>
+              <p:prevCondLst>
+                <p:cond evt="onPrev" delay="0">
+                  <p:tgtEl>
+                    <p:sldTgt/>
+                  </p:tgtEl>
+                </p:cond>
+              </p:prevCondLst>
+              <p:nextCondLst>
+                <p:cond evt="onNext" delay="0">
+                  <p:tgtEl>
+                    <p:sldTgt/>
+                  </p:tgtEl>
+                </p:cond>
+              </p:nextCondLst>
+            </p:seq>
+          </p:childTnLst>
+        </p:cTn>
+      </p:par>
+    </p:tnLst>
+    <p:bldLst>
+      <p:bldP spid="6" grpId="0" animBg="1"/>
+      <p:bldP spid="7" grpId="0" animBg="1"/>
+    </p:bldLst>
+  </p:timing>
+</p:sld>
+</file>
+
+<file path=ppt/slides/slide9.xml><?xml version="1.0" encoding="utf-8"?>
+<p:sld xmlns:a="http://schemas.openxmlformats.org/drawingml/2006/main" xmlns:r="http://schemas.openxmlformats.org/officeDocument/2006/relationships" xmlns:p="http://schemas.openxmlformats.org/presentationml/2006/main" show="0">
+  <p:cSld>
+    <p:spTree>
+      <p:nvGrpSpPr>
+        <p:cNvPr id="1" name=""/>
+        <p:cNvGrpSpPr/>
+        <p:nvPr/>
+      </p:nvGrpSpPr>
+      <p:grpSpPr>
+        <a:xfrm>
+          <a:off x="0" y="0"/>
+          <a:ext cx="0" cy="0"/>
+          <a:chOff x="0" y="0"/>
+          <a:chExt cx="0" cy="0"/>
+        </a:xfrm>
+      </p:grpSpPr>
+      <p:sp>
+        <p:nvSpPr>
+          <p:cNvPr id="2" name="Title 1">
+            <a:extLst>
+              <a:ext uri="{FF2B5EF4-FFF2-40B4-BE49-F238E27FC236}">
+                <a16:creationId xmlns:a16="http://schemas.microsoft.com/office/drawing/2014/main" id="{74C4990A-A14F-AF11-5092-5FE8936F18BE}"/>
+              </a:ext>
+            </a:extLst>
+          </p:cNvPr>
+          <p:cNvSpPr>
+            <a:spLocks noGrp="1"/>
+          </p:cNvSpPr>
+          <p:nvPr>
+            <p:ph type="ctrTitle"/>
+          </p:nvPr>
+        </p:nvSpPr>
+        <p:spPr/>
+        <p:txBody>
+          <a:bodyPr/>
+          <a:lstStyle/>
+          <a:p>
+            <a:r>
+              <a:rPr lang="en-IN" dirty="0"/>
+              <a:t>Measures</a:t>
+            </a:r>
+          </a:p>
+        </p:txBody>
+      </p:sp>
+      <p:sp>
+        <p:nvSpPr>
+          <p:cNvPr id="3" name="Subtitle 2">
+            <a:extLst>
+              <a:ext uri="{FF2B5EF4-FFF2-40B4-BE49-F238E27FC236}">
+                <a16:creationId xmlns:a16="http://schemas.microsoft.com/office/drawing/2014/main" id="{6665AF0C-20D9-C5D4-221B-93184176DFCE}"/>
+              </a:ext>
+            </a:extLst>
+          </p:cNvPr>
+          <p:cNvSpPr>
+            <a:spLocks noGrp="1"/>
+          </p:cNvSpPr>
+          <p:nvPr>
+            <p:ph type="subTitle" idx="1"/>
+          </p:nvPr>
+        </p:nvSpPr>
+        <p:spPr/>
+        <p:txBody>
+          <a:bodyPr/>
+          <a:lstStyle/>
+          <a:p>
+            <a:endParaRPr lang="en-IN"/>
+          </a:p>
+        </p:txBody>
+      </p:sp>
+    </p:spTree>
+    <p:extLst>
+      <p:ext uri="{BB962C8B-B14F-4D97-AF65-F5344CB8AC3E}">
+        <p14:creationId xmlns:p14="http://schemas.microsoft.com/office/powerpoint/2010/main" val="868444681"/>
+      </p:ext>
+    </p:extLst>
+  </p:cSld>
+  <p:clrMapOvr>
+    <a:masterClrMapping/>
+  </p:clrMapOvr>
 </p:sld>
 </file>
 
@@ -12519,4 +16316,299 @@
     </a:ext>
   </a:extLst>
 </a:theme>
+</file>
+
+<file path=ppt/theme/theme2.xml><?xml version="1.0" encoding="utf-8"?>
+<a:theme xmlns:a="http://schemas.openxmlformats.org/drawingml/2006/main" name="Office Theme">
+  <a:themeElements>
+    <a:clrScheme name="Office">
+      <a:dk1>
+        <a:sysClr val="windowText" lastClr="000000"/>
+      </a:dk1>
+      <a:lt1>
+        <a:sysClr val="window" lastClr="FFFFFF"/>
+      </a:lt1>
+      <a:dk2>
+        <a:srgbClr val="44546A"/>
+      </a:dk2>
+      <a:lt2>
+        <a:srgbClr val="E7E6E6"/>
+      </a:lt2>
+      <a:accent1>
+        <a:srgbClr val="4472C4"/>
+      </a:accent1>
+      <a:accent2>
+        <a:srgbClr val="ED7D31"/>
+      </a:accent2>
+      <a:accent3>
+        <a:srgbClr val="A5A5A5"/>
+      </a:accent3>
+      <a:accent4>
+        <a:srgbClr val="FFC000"/>
+      </a:accent4>
+      <a:accent5>
+        <a:srgbClr val="5B9BD5"/>
+      </a:accent5>
+      <a:accent6>
+        <a:srgbClr val="70AD47"/>
+      </a:accent6>
+      <a:hlink>
+        <a:srgbClr val="0563C1"/>
+      </a:hlink>
+      <a:folHlink>
+        <a:srgbClr val="954F72"/>
+      </a:folHlink>
+    </a:clrScheme>
+    <a:fontScheme name="Office">
+      <a:majorFont>
+        <a:latin typeface="Calibri Light" panose="020F0302020204030204"/>
+        <a:ea typeface=""/>
+        <a:cs typeface=""/>
+        <a:font script="Jpan" typeface="游ゴシック Light"/>
+        <a:font script="Hang" typeface="맑은 고딕"/>
+        <a:font script="Hans" typeface="等线 Light"/>
+        <a:font script="Hant" typeface="新細明體"/>
+        <a:font script="Arab" typeface="Times New Roman"/>
+        <a:font script="Hebr" typeface="Times New Roman"/>
+        <a:font script="Thai" typeface="Angsana New"/>
+        <a:font script="Ethi" typeface="Nyala"/>
+        <a:font script="Beng" typeface="Vrinda"/>
+        <a:font script="Gujr" typeface="Shruti"/>
+        <a:font script="Khmr" typeface="MoolBoran"/>
+        <a:font script="Knda" typeface="Tunga"/>
+        <a:font script="Guru" typeface="Raavi"/>
+        <a:font script="Cans" typeface="Euphemia"/>
+        <a:font script="Cher" typeface="Plantagenet Cherokee"/>
+        <a:font script="Yiii" typeface="Microsoft Yi Baiti"/>
+        <a:font script="Tibt" typeface="Microsoft Himalaya"/>
+        <a:font script="Thaa" typeface="MV Boli"/>
+        <a:font script="Deva" typeface="Mangal"/>
+        <a:font script="Telu" typeface="Gautami"/>
+        <a:font script="Taml" typeface="Latha"/>
+        <a:font script="Syrc" typeface="Estrangelo Edessa"/>
+        <a:font script="Orya" typeface="Kalinga"/>
+        <a:font script="Mlym" typeface="Kartika"/>
+        <a:font script="Laoo" typeface="DokChampa"/>
+        <a:font script="Sinh" typeface="Iskoola Pota"/>
+        <a:font script="Mong" typeface="Mongolian Baiti"/>
+        <a:font script="Viet" typeface="Times New Roman"/>
+        <a:font script="Uigh" typeface="Microsoft Uighur"/>
+        <a:font script="Geor" typeface="Sylfaen"/>
+        <a:font script="Armn" typeface="Arial"/>
+        <a:font script="Bugi" typeface="Leelawadee UI"/>
+        <a:font script="Bopo" typeface="Microsoft JhengHei"/>
+        <a:font script="Java" typeface="Javanese Text"/>
+        <a:font script="Lisu" typeface="Segoe UI"/>
+        <a:font script="Mymr" typeface="Myanmar Text"/>
+        <a:font script="Nkoo" typeface="Ebrima"/>
+        <a:font script="Olck" typeface="Nirmala UI"/>
+        <a:font script="Osma" typeface="Ebrima"/>
+        <a:font script="Phag" typeface="Phagspa"/>
+        <a:font script="Syrn" typeface="Estrangelo Edessa"/>
+        <a:font script="Syrj" typeface="Estrangelo Edessa"/>
+        <a:font script="Syre" typeface="Estrangelo Edessa"/>
+        <a:font script="Sora" typeface="Nirmala UI"/>
+        <a:font script="Tale" typeface="Microsoft Tai Le"/>
+        <a:font script="Talu" typeface="Microsoft New Tai Lue"/>
+        <a:font script="Tfng" typeface="Ebrima"/>
+      </a:majorFont>
+      <a:minorFont>
+        <a:latin typeface="Calibri" panose="020F0502020204030204"/>
+        <a:ea typeface=""/>
+        <a:cs typeface=""/>
+        <a:font script="Jpan" typeface="游ゴシック"/>
+        <a:font script="Hang" typeface="맑은 고딕"/>
+        <a:font script="Hans" typeface="等线"/>
+        <a:font script="Hant" typeface="新細明體"/>
+        <a:font script="Arab" typeface="Arial"/>
+        <a:font script="Hebr" typeface="Arial"/>
+        <a:font script="Thai" typeface="Cordia New"/>
+        <a:font script="Ethi" typeface="Nyala"/>
+        <a:font script="Beng" typeface="Vrinda"/>
+        <a:font script="Gujr" typeface="Shruti"/>
+        <a:font script="Khmr" typeface="DaunPenh"/>
+        <a:font script="Knda" typeface="Tunga"/>
+        <a:font script="Guru" typeface="Raavi"/>
+        <a:font script="Cans" typeface="Euphemia"/>
+        <a:font script="Cher" typeface="Plantagenet Cherokee"/>
+        <a:font script="Yiii" typeface="Microsoft Yi Baiti"/>
+        <a:font script="Tibt" typeface="Microsoft Himalaya"/>
+        <a:font script="Thaa" typeface="MV Boli"/>
+        <a:font script="Deva" typeface="Mangal"/>
+        <a:font script="Telu" typeface="Gautami"/>
+        <a:font script="Taml" typeface="Latha"/>
+        <a:font script="Syrc" typeface="Estrangelo Edessa"/>
+        <a:font script="Orya" typeface="Kalinga"/>
+        <a:font script="Mlym" typeface="Kartika"/>
+        <a:font script="Laoo" typeface="DokChampa"/>
+        <a:font script="Sinh" typeface="Iskoola Pota"/>
+        <a:font script="Mong" typeface="Mongolian Baiti"/>
+        <a:font script="Viet" typeface="Arial"/>
+        <a:font script="Uigh" typeface="Microsoft Uighur"/>
+        <a:font script="Geor" typeface="Sylfaen"/>
+        <a:font script="Armn" typeface="Arial"/>
+        <a:font script="Bugi" typeface="Leelawadee UI"/>
+        <a:font script="Bopo" typeface="Microsoft JhengHei"/>
+        <a:font script="Java" typeface="Javanese Text"/>
+        <a:font script="Lisu" typeface="Segoe UI"/>
+        <a:font script="Mymr" typeface="Myanmar Text"/>
+        <a:font script="Nkoo" typeface="Ebrima"/>
+        <a:font script="Olck" typeface="Nirmala UI"/>
+        <a:font script="Osma" typeface="Ebrima"/>
+        <a:font script="Phag" typeface="Phagspa"/>
+        <a:font script="Syrn" typeface="Estrangelo Edessa"/>
+        <a:font script="Syrj" typeface="Estrangelo Edessa"/>
+        <a:font script="Syre" typeface="Estrangelo Edessa"/>
+        <a:font script="Sora" typeface="Nirmala UI"/>
+        <a:font script="Tale" typeface="Microsoft Tai Le"/>
+        <a:font script="Talu" typeface="Microsoft New Tai Lue"/>
+        <a:font script="Tfng" typeface="Ebrima"/>
+      </a:minorFont>
+    </a:fontScheme>
+    <a:fmtScheme name="Office">
+      <a:fillStyleLst>
+        <a:solidFill>
+          <a:schemeClr val="phClr"/>
+        </a:solidFill>
+        <a:gradFill rotWithShape="1">
+          <a:gsLst>
+            <a:gs pos="0">
+              <a:schemeClr val="phClr">
+                <a:lumMod val="110000"/>
+                <a:satMod val="105000"/>
+                <a:tint val="67000"/>
+              </a:schemeClr>
+            </a:gs>
+            <a:gs pos="50000">
+              <a:schemeClr val="phClr">
+                <a:lumMod val="105000"/>
+                <a:satMod val="103000"/>
+                <a:tint val="73000"/>
+              </a:schemeClr>
+            </a:gs>
+            <a:gs pos="100000">
+              <a:schemeClr val="phClr">
+                <a:lumMod val="105000"/>
+                <a:satMod val="109000"/>
+                <a:tint val="81000"/>
+              </a:schemeClr>
+            </a:gs>
+          </a:gsLst>
+          <a:lin ang="5400000" scaled="0"/>
+        </a:gradFill>
+        <a:gradFill rotWithShape="1">
+          <a:gsLst>
+            <a:gs pos="0">
+              <a:schemeClr val="phClr">
+                <a:satMod val="103000"/>
+                <a:lumMod val="102000"/>
+                <a:tint val="94000"/>
+              </a:schemeClr>
+            </a:gs>
+            <a:gs pos="50000">
+              <a:schemeClr val="phClr">
+                <a:satMod val="110000"/>
+                <a:lumMod val="100000"/>
+                <a:shade val="100000"/>
+              </a:schemeClr>
+            </a:gs>
+            <a:gs pos="100000">
+              <a:schemeClr val="phClr">
+                <a:lumMod val="99000"/>
+                <a:satMod val="120000"/>
+                <a:shade val="78000"/>
+              </a:schemeClr>
+            </a:gs>
+          </a:gsLst>
+          <a:lin ang="5400000" scaled="0"/>
+        </a:gradFill>
+      </a:fillStyleLst>
+      <a:lnStyleLst>
+        <a:ln w="6350" cap="flat" cmpd="sng" algn="ctr">
+          <a:solidFill>
+            <a:schemeClr val="phClr"/>
+          </a:solidFill>
+          <a:prstDash val="solid"/>
+          <a:miter lim="800000"/>
+        </a:ln>
+        <a:ln w="12700" cap="flat" cmpd="sng" algn="ctr">
+          <a:solidFill>
+            <a:schemeClr val="phClr"/>
+          </a:solidFill>
+          <a:prstDash val="solid"/>
+          <a:miter lim="800000"/>
+        </a:ln>
+        <a:ln w="19050" cap="flat" cmpd="sng" algn="ctr">
+          <a:solidFill>
+            <a:schemeClr val="phClr"/>
+          </a:solidFill>
+          <a:prstDash val="solid"/>
+          <a:miter lim="800000"/>
+        </a:ln>
+      </a:lnStyleLst>
+      <a:effectStyleLst>
+        <a:effectStyle>
+          <a:effectLst/>
+        </a:effectStyle>
+        <a:effectStyle>
+          <a:effectLst/>
+        </a:effectStyle>
+        <a:effectStyle>
+          <a:effectLst>
+            <a:outerShdw blurRad="57150" dist="19050" dir="5400000" algn="ctr" rotWithShape="0">
+              <a:srgbClr val="000000">
+                <a:alpha val="63000"/>
+              </a:srgbClr>
+            </a:outerShdw>
+          </a:effectLst>
+        </a:effectStyle>
+      </a:effectStyleLst>
+      <a:bgFillStyleLst>
+        <a:solidFill>
+          <a:schemeClr val="phClr"/>
+        </a:solidFill>
+        <a:solidFill>
+          <a:schemeClr val="phClr">
+            <a:tint val="95000"/>
+            <a:satMod val="170000"/>
+          </a:schemeClr>
+        </a:solidFill>
+        <a:gradFill rotWithShape="1">
+          <a:gsLst>
+            <a:gs pos="0">
+              <a:schemeClr val="phClr">
+                <a:tint val="93000"/>
+                <a:satMod val="150000"/>
+                <a:shade val="98000"/>
+                <a:lumMod val="102000"/>
+              </a:schemeClr>
+            </a:gs>
+            <a:gs pos="50000">
+              <a:schemeClr val="phClr">
+                <a:tint val="98000"/>
+                <a:satMod val="130000"/>
+                <a:shade val="90000"/>
+                <a:lumMod val="103000"/>
+              </a:schemeClr>
+            </a:gs>
+            <a:gs pos="100000">
+              <a:schemeClr val="phClr">
+                <a:shade val="63000"/>
+                <a:satMod val="120000"/>
+              </a:schemeClr>
+            </a:gs>
+          </a:gsLst>
+          <a:lin ang="5400000" scaled="0"/>
+        </a:gradFill>
+      </a:bgFillStyleLst>
+    </a:fmtScheme>
+  </a:themeElements>
+  <a:objectDefaults/>
+  <a:extraClrSchemeLst/>
+  <a:extLst>
+    <a:ext uri="{05A4C25C-085E-4340-85A3-A5531E510DB2}">
+      <thm15:themeFamily xmlns:thm15="http://schemas.microsoft.com/office/thememl/2012/main" name="Office Theme" id="{62F939B6-93AF-4DB8-9C6B-D6C7DFDC589F}" vid="{4A3C46E8-61CC-4603-A589-7422A47A8E4A}"/>
+    </a:ext>
+  </a:extLst>
+</a:theme>
 </file>